--- a/AW_JPGs fit to slides.pptx
+++ b/AW_JPGs fit to slides.pptx
@@ -2,7 +2,7 @@
 <file path=ppt/presentation.xml><?xml version="1.0" encoding="utf-8"?>
 <p:presentation xmlns:a="http://schemas.openxmlformats.org/drawingml/2006/main" xmlns:r="http://schemas.openxmlformats.org/officeDocument/2006/relationships" xmlns:p="http://schemas.openxmlformats.org/presentationml/2006/main" saveSubsetFonts="1">
   <p:sldMasterIdLst>
-    <p:sldMasterId id="2147483648" r:id="rId1"/>
+    <p:sldMasterId id="2147483660" r:id="rId1"/>
   </p:sldMasterIdLst>
   <p:sldIdLst>
     <p:sldId id="259" r:id="rId2"/>
@@ -14,7 +14,7 @@
     <a:defPPr>
       <a:defRPr lang="en-US"/>
     </a:defPPr>
-    <a:lvl1pPr marL="0" algn="l" defTabSz="914400" rtl="0" eaLnBrk="1" latinLnBrk="0" hangingPunct="1">
+    <a:lvl1pPr marL="0" algn="l" defTabSz="457200" rtl="0" eaLnBrk="1" latinLnBrk="0" hangingPunct="1">
       <a:defRPr sz="1800" kern="1200">
         <a:solidFill>
           <a:schemeClr val="tx1"/>
@@ -24,7 +24,7 @@
         <a:cs typeface="+mn-cs"/>
       </a:defRPr>
     </a:lvl1pPr>
-    <a:lvl2pPr marL="457200" algn="l" defTabSz="914400" rtl="0" eaLnBrk="1" latinLnBrk="0" hangingPunct="1">
+    <a:lvl2pPr marL="457200" algn="l" defTabSz="457200" rtl="0" eaLnBrk="1" latinLnBrk="0" hangingPunct="1">
       <a:defRPr sz="1800" kern="1200">
         <a:solidFill>
           <a:schemeClr val="tx1"/>
@@ -34,7 +34,7 @@
         <a:cs typeface="+mn-cs"/>
       </a:defRPr>
     </a:lvl2pPr>
-    <a:lvl3pPr marL="914400" algn="l" defTabSz="914400" rtl="0" eaLnBrk="1" latinLnBrk="0" hangingPunct="1">
+    <a:lvl3pPr marL="914400" algn="l" defTabSz="457200" rtl="0" eaLnBrk="1" latinLnBrk="0" hangingPunct="1">
       <a:defRPr sz="1800" kern="1200">
         <a:solidFill>
           <a:schemeClr val="tx1"/>
@@ -44,7 +44,7 @@
         <a:cs typeface="+mn-cs"/>
       </a:defRPr>
     </a:lvl3pPr>
-    <a:lvl4pPr marL="1371600" algn="l" defTabSz="914400" rtl="0" eaLnBrk="1" latinLnBrk="0" hangingPunct="1">
+    <a:lvl4pPr marL="1371600" algn="l" defTabSz="457200" rtl="0" eaLnBrk="1" latinLnBrk="0" hangingPunct="1">
       <a:defRPr sz="1800" kern="1200">
         <a:solidFill>
           <a:schemeClr val="tx1"/>
@@ -54,7 +54,7 @@
         <a:cs typeface="+mn-cs"/>
       </a:defRPr>
     </a:lvl4pPr>
-    <a:lvl5pPr marL="1828800" algn="l" defTabSz="914400" rtl="0" eaLnBrk="1" latinLnBrk="0" hangingPunct="1">
+    <a:lvl5pPr marL="1828800" algn="l" defTabSz="457200" rtl="0" eaLnBrk="1" latinLnBrk="0" hangingPunct="1">
       <a:defRPr sz="1800" kern="1200">
         <a:solidFill>
           <a:schemeClr val="tx1"/>
@@ -64,7 +64,7 @@
         <a:cs typeface="+mn-cs"/>
       </a:defRPr>
     </a:lvl5pPr>
-    <a:lvl6pPr marL="2286000" algn="l" defTabSz="914400" rtl="0" eaLnBrk="1" latinLnBrk="0" hangingPunct="1">
+    <a:lvl6pPr marL="2286000" algn="l" defTabSz="457200" rtl="0" eaLnBrk="1" latinLnBrk="0" hangingPunct="1">
       <a:defRPr sz="1800" kern="1200">
         <a:solidFill>
           <a:schemeClr val="tx1"/>
@@ -74,7 +74,7 @@
         <a:cs typeface="+mn-cs"/>
       </a:defRPr>
     </a:lvl6pPr>
-    <a:lvl7pPr marL="2743200" algn="l" defTabSz="914400" rtl="0" eaLnBrk="1" latinLnBrk="0" hangingPunct="1">
+    <a:lvl7pPr marL="2743200" algn="l" defTabSz="457200" rtl="0" eaLnBrk="1" latinLnBrk="0" hangingPunct="1">
       <a:defRPr sz="1800" kern="1200">
         <a:solidFill>
           <a:schemeClr val="tx1"/>
@@ -84,7 +84,7 @@
         <a:cs typeface="+mn-cs"/>
       </a:defRPr>
     </a:lvl7pPr>
-    <a:lvl8pPr marL="3200400" algn="l" defTabSz="914400" rtl="0" eaLnBrk="1" latinLnBrk="0" hangingPunct="1">
+    <a:lvl8pPr marL="3200400" algn="l" defTabSz="457200" rtl="0" eaLnBrk="1" latinLnBrk="0" hangingPunct="1">
       <a:defRPr sz="1800" kern="1200">
         <a:solidFill>
           <a:schemeClr val="tx1"/>
@@ -94,7 +94,7 @@
         <a:cs typeface="+mn-cs"/>
       </a:defRPr>
     </a:lvl8pPr>
-    <a:lvl9pPr marL="3657600" algn="l" defTabSz="914400" rtl="0" eaLnBrk="1" latinLnBrk="0" hangingPunct="1">
+    <a:lvl9pPr marL="3657600" algn="l" defTabSz="457200" rtl="0" eaLnBrk="1" latinLnBrk="0" hangingPunct="1">
       <a:defRPr sz="1800" kern="1200">
         <a:solidFill>
           <a:schemeClr val="tx1"/>
@@ -105,11 +105,16 @@
       </a:defRPr>
     </a:lvl9pPr>
   </p:defaultTextStyle>
+  <p:extLst>
+    <p:ext uri="{EFAFB233-063F-42B5-8137-9DF3F51BA10A}">
+      <p15:sldGuideLst xmlns:p15="http://schemas.microsoft.com/office/powerpoint/2012/main"/>
+    </p:ext>
+  </p:extLst>
 </p:presentation>
 </file>
 
 <file path=ppt/slideLayouts/slideLayout1.xml><?xml version="1.0" encoding="utf-8"?>
-<p:sldLayout xmlns:a="http://schemas.openxmlformats.org/drawingml/2006/main" xmlns:r="http://schemas.openxmlformats.org/officeDocument/2006/relationships" xmlns:p="http://schemas.openxmlformats.org/presentationml/2006/main" type="title" preserve="1">
+<p:sldLayout xmlns:a="http://schemas.openxmlformats.org/drawingml/2006/main" xmlns:r="http://schemas.openxmlformats.org/officeDocument/2006/relationships" xmlns:p="http://schemas.openxmlformats.org/presentationml/2006/main" showMasterSp="0" type="title" preserve="1">
   <p:cSld name="Title Slide">
     <p:spTree>
       <p:nvGrpSpPr>
@@ -125,15 +130,322 @@
           <a:chExt cx="0" cy="0"/>
         </a:xfrm>
       </p:grpSpPr>
-      <p:sp>
-        <p:nvSpPr>
-          <p:cNvPr id="2" name="Title 1">
-            <a:extLst>
-              <a:ext uri="{FF2B5EF4-FFF2-40B4-BE49-F238E27FC236}">
-                <a16:creationId xmlns:a16="http://schemas.microsoft.com/office/drawing/2014/main" id="{6DD2919D-1DCE-93C6-09B1-98DBADA19612}"/>
-              </a:ext>
-            </a:extLst>
-          </p:cNvPr>
+      <p:grpSp>
+        <p:nvGrpSpPr>
+          <p:cNvPr id="19" name="Group 18"/>
+          <p:cNvGrpSpPr/>
+          <p:nvPr/>
+        </p:nvGrpSpPr>
+        <p:grpSpPr>
+          <a:xfrm>
+            <a:off x="546100" y="-4763"/>
+            <a:ext cx="5014912" cy="6862763"/>
+            <a:chOff x="2928938" y="-4763"/>
+            <a:chExt cx="5014912" cy="6862763"/>
+          </a:xfrm>
+        </p:grpSpPr>
+        <p:sp>
+          <p:nvSpPr>
+            <p:cNvPr id="22" name="Freeform 6"/>
+            <p:cNvSpPr/>
+            <p:nvPr/>
+          </p:nvSpPr>
+          <p:spPr bwMode="auto">
+            <a:xfrm>
+              <a:off x="3367088" y="-4763"/>
+              <a:ext cx="1063625" cy="2782888"/>
+            </a:xfrm>
+            <a:custGeom>
+              <a:avLst/>
+              <a:gdLst/>
+              <a:ahLst/>
+              <a:cxnLst/>
+              <a:rect l="0" t="0" r="r" b="b"/>
+              <a:pathLst>
+                <a:path w="670" h="1753">
+                  <a:moveTo>
+                    <a:pt x="0" y="1696"/>
+                  </a:moveTo>
+                  <a:lnTo>
+                    <a:pt x="225" y="1753"/>
+                  </a:lnTo>
+                  <a:lnTo>
+                    <a:pt x="670" y="0"/>
+                  </a:lnTo>
+                  <a:lnTo>
+                    <a:pt x="430" y="0"/>
+                  </a:lnTo>
+                  <a:lnTo>
+                    <a:pt x="0" y="1696"/>
+                  </a:lnTo>
+                  <a:close/>
+                </a:path>
+              </a:pathLst>
+            </a:custGeom>
+            <a:solidFill>
+              <a:schemeClr val="accent1"/>
+            </a:solidFill>
+            <a:ln>
+              <a:noFill/>
+            </a:ln>
+          </p:spPr>
+        </p:sp>
+        <p:sp>
+          <p:nvSpPr>
+            <p:cNvPr id="23" name="Freeform 7"/>
+            <p:cNvSpPr/>
+            <p:nvPr/>
+          </p:nvSpPr>
+          <p:spPr bwMode="auto">
+            <a:xfrm>
+              <a:off x="2928938" y="-4763"/>
+              <a:ext cx="1035050" cy="2673350"/>
+            </a:xfrm>
+            <a:custGeom>
+              <a:avLst/>
+              <a:gdLst/>
+              <a:ahLst/>
+              <a:cxnLst/>
+              <a:rect l="0" t="0" r="r" b="b"/>
+              <a:pathLst>
+                <a:path w="652" h="1684">
+                  <a:moveTo>
+                    <a:pt x="225" y="1684"/>
+                  </a:moveTo>
+                  <a:lnTo>
+                    <a:pt x="652" y="0"/>
+                  </a:lnTo>
+                  <a:lnTo>
+                    <a:pt x="411" y="0"/>
+                  </a:lnTo>
+                  <a:lnTo>
+                    <a:pt x="0" y="1627"/>
+                  </a:lnTo>
+                  <a:lnTo>
+                    <a:pt x="219" y="1681"/>
+                  </a:lnTo>
+                  <a:lnTo>
+                    <a:pt x="225" y="1684"/>
+                  </a:lnTo>
+                  <a:close/>
+                </a:path>
+              </a:pathLst>
+            </a:custGeom>
+            <a:solidFill>
+              <a:schemeClr val="tx1">
+                <a:lumMod val="65000"/>
+                <a:lumOff val="35000"/>
+              </a:schemeClr>
+            </a:solidFill>
+            <a:ln>
+              <a:noFill/>
+            </a:ln>
+          </p:spPr>
+        </p:sp>
+        <p:sp>
+          <p:nvSpPr>
+            <p:cNvPr id="24" name="Freeform 9"/>
+            <p:cNvSpPr/>
+            <p:nvPr/>
+          </p:nvSpPr>
+          <p:spPr bwMode="auto">
+            <a:xfrm>
+              <a:off x="2928938" y="2582862"/>
+              <a:ext cx="2693987" cy="4275138"/>
+            </a:xfrm>
+            <a:custGeom>
+              <a:avLst/>
+              <a:gdLst/>
+              <a:ahLst/>
+              <a:cxnLst/>
+              <a:rect l="0" t="0" r="r" b="b"/>
+              <a:pathLst>
+                <a:path w="1697" h="2693">
+                  <a:moveTo>
+                    <a:pt x="0" y="0"/>
+                  </a:moveTo>
+                  <a:lnTo>
+                    <a:pt x="1622" y="2693"/>
+                  </a:lnTo>
+                  <a:lnTo>
+                    <a:pt x="1697" y="2693"/>
+                  </a:lnTo>
+                  <a:lnTo>
+                    <a:pt x="0" y="0"/>
+                  </a:lnTo>
+                  <a:close/>
+                </a:path>
+              </a:pathLst>
+            </a:custGeom>
+            <a:solidFill>
+              <a:schemeClr val="tx1">
+                <a:lumMod val="85000"/>
+                <a:lumOff val="15000"/>
+              </a:schemeClr>
+            </a:solidFill>
+            <a:ln>
+              <a:noFill/>
+            </a:ln>
+          </p:spPr>
+        </p:sp>
+        <p:sp>
+          <p:nvSpPr>
+            <p:cNvPr id="25" name="Freeform 10"/>
+            <p:cNvSpPr/>
+            <p:nvPr/>
+          </p:nvSpPr>
+          <p:spPr bwMode="auto">
+            <a:xfrm>
+              <a:off x="3371850" y="2692400"/>
+              <a:ext cx="3332162" cy="4165600"/>
+            </a:xfrm>
+            <a:custGeom>
+              <a:avLst/>
+              <a:gdLst/>
+              <a:ahLst/>
+              <a:cxnLst/>
+              <a:rect l="0" t="0" r="r" b="b"/>
+              <a:pathLst>
+                <a:path w="2099" h="2624">
+                  <a:moveTo>
+                    <a:pt x="2099" y="2624"/>
+                  </a:moveTo>
+                  <a:lnTo>
+                    <a:pt x="0" y="0"/>
+                  </a:lnTo>
+                  <a:lnTo>
+                    <a:pt x="2021" y="2624"/>
+                  </a:lnTo>
+                  <a:lnTo>
+                    <a:pt x="2099" y="2624"/>
+                  </a:lnTo>
+                  <a:close/>
+                </a:path>
+              </a:pathLst>
+            </a:custGeom>
+            <a:solidFill>
+              <a:schemeClr val="accent1">
+                <a:lumMod val="50000"/>
+              </a:schemeClr>
+            </a:solidFill>
+            <a:ln>
+              <a:noFill/>
+            </a:ln>
+          </p:spPr>
+        </p:sp>
+        <p:sp>
+          <p:nvSpPr>
+            <p:cNvPr id="26" name="Freeform 11"/>
+            <p:cNvSpPr/>
+            <p:nvPr/>
+          </p:nvSpPr>
+          <p:spPr bwMode="auto">
+            <a:xfrm>
+              <a:off x="3367088" y="2687637"/>
+              <a:ext cx="4576762" cy="4170363"/>
+            </a:xfrm>
+            <a:custGeom>
+              <a:avLst/>
+              <a:gdLst/>
+              <a:ahLst/>
+              <a:cxnLst/>
+              <a:rect l="0" t="0" r="r" b="b"/>
+              <a:pathLst>
+                <a:path w="2883" h="2627">
+                  <a:moveTo>
+                    <a:pt x="0" y="0"/>
+                  </a:moveTo>
+                  <a:lnTo>
+                    <a:pt x="3" y="3"/>
+                  </a:lnTo>
+                  <a:lnTo>
+                    <a:pt x="2102" y="2627"/>
+                  </a:lnTo>
+                  <a:lnTo>
+                    <a:pt x="2883" y="2627"/>
+                  </a:lnTo>
+                  <a:lnTo>
+                    <a:pt x="225" y="57"/>
+                  </a:lnTo>
+                  <a:lnTo>
+                    <a:pt x="0" y="0"/>
+                  </a:lnTo>
+                  <a:close/>
+                </a:path>
+              </a:pathLst>
+            </a:custGeom>
+            <a:solidFill>
+              <a:schemeClr val="accent1">
+                <a:lumMod val="75000"/>
+              </a:schemeClr>
+            </a:solidFill>
+            <a:ln>
+              <a:noFill/>
+            </a:ln>
+          </p:spPr>
+        </p:sp>
+        <p:sp>
+          <p:nvSpPr>
+            <p:cNvPr id="27" name="Freeform 12"/>
+            <p:cNvSpPr/>
+            <p:nvPr/>
+          </p:nvSpPr>
+          <p:spPr bwMode="auto">
+            <a:xfrm>
+              <a:off x="2928938" y="2578100"/>
+              <a:ext cx="3584575" cy="4279900"/>
+            </a:xfrm>
+            <a:custGeom>
+              <a:avLst/>
+              <a:gdLst/>
+              <a:ahLst/>
+              <a:cxnLst/>
+              <a:rect l="0" t="0" r="r" b="b"/>
+              <a:pathLst>
+                <a:path w="2258" h="2696">
+                  <a:moveTo>
+                    <a:pt x="2258" y="2696"/>
+                  </a:moveTo>
+                  <a:lnTo>
+                    <a:pt x="264" y="111"/>
+                  </a:lnTo>
+                  <a:lnTo>
+                    <a:pt x="228" y="60"/>
+                  </a:lnTo>
+                  <a:lnTo>
+                    <a:pt x="225" y="57"/>
+                  </a:lnTo>
+                  <a:lnTo>
+                    <a:pt x="0" y="0"/>
+                  </a:lnTo>
+                  <a:lnTo>
+                    <a:pt x="0" y="3"/>
+                  </a:lnTo>
+                  <a:lnTo>
+                    <a:pt x="1697" y="2696"/>
+                  </a:lnTo>
+                  <a:lnTo>
+                    <a:pt x="2258" y="2696"/>
+                  </a:lnTo>
+                  <a:close/>
+                </a:path>
+              </a:pathLst>
+            </a:custGeom>
+            <a:solidFill>
+              <a:schemeClr val="tx1">
+                <a:lumMod val="75000"/>
+                <a:lumOff val="25000"/>
+              </a:schemeClr>
+            </a:solidFill>
+            <a:ln>
+              <a:noFill/>
+            </a:ln>
+          </p:spPr>
+        </p:sp>
+      </p:grpSp>
+      <p:sp>
+        <p:nvSpPr>
+          <p:cNvPr id="2" name="Title 1"/>
           <p:cNvSpPr>
             <a:spLocks noGrp="1"/>
           </p:cNvSpPr>
@@ -143,15 +455,19 @@
         </p:nvSpPr>
         <p:spPr>
           <a:xfrm>
-            <a:off x="1524000" y="1122363"/>
-            <a:ext cx="9144000" cy="2387600"/>
+            <a:off x="2928401" y="1380068"/>
+            <a:ext cx="8574622" cy="2616199"/>
           </a:xfrm>
         </p:spPr>
         <p:txBody>
-          <a:bodyPr anchor="b"/>
+          <a:bodyPr anchor="b">
+            <a:normAutofit/>
+          </a:bodyPr>
           <a:lstStyle>
-            <a:lvl1pPr algn="ctr">
-              <a:defRPr sz="6000"/>
+            <a:lvl1pPr algn="r">
+              <a:defRPr sz="6000">
+                <a:effectLst/>
+              </a:defRPr>
             </a:lvl1pPr>
           </a:lstStyle>
           <a:p>
@@ -159,18 +475,13 @@
               <a:rPr lang="en-US"/>
               <a:t>Click to edit Master title style</a:t>
             </a:r>
-          </a:p>
-        </p:txBody>
-      </p:sp>
-      <p:sp>
-        <p:nvSpPr>
-          <p:cNvPr id="3" name="Subtitle 2">
-            <a:extLst>
-              <a:ext uri="{FF2B5EF4-FFF2-40B4-BE49-F238E27FC236}">
-                <a16:creationId xmlns:a16="http://schemas.microsoft.com/office/drawing/2014/main" id="{A732718D-6A1F-F736-C0D5-B820C8B2067B}"/>
-              </a:ext>
-            </a:extLst>
-          </p:cNvPr>
+            <a:endParaRPr lang="en-US" dirty="0"/>
+          </a:p>
+        </p:txBody>
+      </p:sp>
+      <p:sp>
+        <p:nvSpPr>
+          <p:cNvPr id="3" name="Subtitle 2"/>
           <p:cNvSpPr>
             <a:spLocks noGrp="1"/>
           </p:cNvSpPr>
@@ -180,48 +491,102 @@
         </p:nvSpPr>
         <p:spPr>
           <a:xfrm>
-            <a:off x="1524000" y="3602038"/>
-            <a:ext cx="9144000" cy="1655762"/>
+            <a:off x="4515377" y="3996267"/>
+            <a:ext cx="6987645" cy="1388534"/>
           </a:xfrm>
         </p:spPr>
         <p:txBody>
-          <a:bodyPr/>
+          <a:bodyPr anchor="t">
+            <a:normAutofit/>
+          </a:bodyPr>
           <a:lstStyle>
-            <a:lvl1pPr marL="0" indent="0" algn="ctr">
-              <a:buNone/>
-              <a:defRPr sz="2400"/>
+            <a:lvl1pPr marL="0" indent="0" algn="r">
+              <a:buNone/>
+              <a:defRPr sz="2100">
+                <a:solidFill>
+                  <a:schemeClr val="tx1"/>
+                </a:solidFill>
+              </a:defRPr>
             </a:lvl1pPr>
             <a:lvl2pPr marL="457200" indent="0" algn="ctr">
               <a:buNone/>
-              <a:defRPr sz="2000"/>
+              <a:defRPr>
+                <a:solidFill>
+                  <a:schemeClr val="tx1">
+                    <a:tint val="75000"/>
+                  </a:schemeClr>
+                </a:solidFill>
+              </a:defRPr>
             </a:lvl2pPr>
             <a:lvl3pPr marL="914400" indent="0" algn="ctr">
               <a:buNone/>
-              <a:defRPr sz="1800"/>
+              <a:defRPr>
+                <a:solidFill>
+                  <a:schemeClr val="tx1">
+                    <a:tint val="75000"/>
+                  </a:schemeClr>
+                </a:solidFill>
+              </a:defRPr>
             </a:lvl3pPr>
             <a:lvl4pPr marL="1371600" indent="0" algn="ctr">
               <a:buNone/>
-              <a:defRPr sz="1600"/>
+              <a:defRPr>
+                <a:solidFill>
+                  <a:schemeClr val="tx1">
+                    <a:tint val="75000"/>
+                  </a:schemeClr>
+                </a:solidFill>
+              </a:defRPr>
             </a:lvl4pPr>
             <a:lvl5pPr marL="1828800" indent="0" algn="ctr">
               <a:buNone/>
-              <a:defRPr sz="1600"/>
+              <a:defRPr>
+                <a:solidFill>
+                  <a:schemeClr val="tx1">
+                    <a:tint val="75000"/>
+                  </a:schemeClr>
+                </a:solidFill>
+              </a:defRPr>
             </a:lvl5pPr>
             <a:lvl6pPr marL="2286000" indent="0" algn="ctr">
               <a:buNone/>
-              <a:defRPr sz="1600"/>
+              <a:defRPr>
+                <a:solidFill>
+                  <a:schemeClr val="tx1">
+                    <a:tint val="75000"/>
+                  </a:schemeClr>
+                </a:solidFill>
+              </a:defRPr>
             </a:lvl6pPr>
             <a:lvl7pPr marL="2743200" indent="0" algn="ctr">
               <a:buNone/>
-              <a:defRPr sz="1600"/>
+              <a:defRPr>
+                <a:solidFill>
+                  <a:schemeClr val="tx1">
+                    <a:tint val="75000"/>
+                  </a:schemeClr>
+                </a:solidFill>
+              </a:defRPr>
             </a:lvl7pPr>
             <a:lvl8pPr marL="3200400" indent="0" algn="ctr">
               <a:buNone/>
-              <a:defRPr sz="1600"/>
+              <a:defRPr>
+                <a:solidFill>
+                  <a:schemeClr val="tx1">
+                    <a:tint val="75000"/>
+                  </a:schemeClr>
+                </a:solidFill>
+              </a:defRPr>
             </a:lvl8pPr>
             <a:lvl9pPr marL="3657600" indent="0" algn="ctr">
               <a:buNone/>
-              <a:defRPr sz="1600"/>
+              <a:defRPr>
+                <a:solidFill>
+                  <a:schemeClr val="tx1">
+                    <a:tint val="75000"/>
+                  </a:schemeClr>
+                </a:solidFill>
+              </a:defRPr>
             </a:lvl9pPr>
           </a:lstStyle>
           <a:p>
@@ -229,18 +594,13 @@
               <a:rPr lang="en-US"/>
               <a:t>Click to edit Master subtitle style</a:t>
             </a:r>
-          </a:p>
-        </p:txBody>
-      </p:sp>
-      <p:sp>
-        <p:nvSpPr>
-          <p:cNvPr id="4" name="Date Placeholder 3">
-            <a:extLst>
-              <a:ext uri="{FF2B5EF4-FFF2-40B4-BE49-F238E27FC236}">
-                <a16:creationId xmlns:a16="http://schemas.microsoft.com/office/drawing/2014/main" id="{63A31E02-4BBA-E08A-2A16-7A160BBEECC7}"/>
-              </a:ext>
-            </a:extLst>
-          </p:cNvPr>
+            <a:endParaRPr lang="en-US" dirty="0"/>
+          </a:p>
+        </p:txBody>
+      </p:sp>
+      <p:sp>
+        <p:nvSpPr>
+          <p:cNvPr id="4" name="Date Placeholder 3"/>
           <p:cNvSpPr>
             <a:spLocks noGrp="1"/>
           </p:cNvSpPr>
@@ -255,7 +615,7 @@
           <a:p>
             <a:fld id="{1F7CAC8B-306A-43E7-A73E-B37C45497C0F}" type="datetimeFigureOut">
               <a:rPr lang="en-US" smtClean="0"/>
-              <a:t>8/11/2024</a:t>
+              <a:t>8/12/2024</a:t>
             </a:fld>
             <a:endParaRPr lang="en-US"/>
           </a:p>
@@ -263,13 +623,7 @@
       </p:sp>
       <p:sp>
         <p:nvSpPr>
-          <p:cNvPr id="5" name="Footer Placeholder 4">
-            <a:extLst>
-              <a:ext uri="{FF2B5EF4-FFF2-40B4-BE49-F238E27FC236}">
-                <a16:creationId xmlns:a16="http://schemas.microsoft.com/office/drawing/2014/main" id="{E80254B7-056B-B61A-A2FA-26841E30B99F}"/>
-              </a:ext>
-            </a:extLst>
-          </p:cNvPr>
+          <p:cNvPr id="5" name="Footer Placeholder 4"/>
           <p:cNvSpPr>
             <a:spLocks noGrp="1"/>
           </p:cNvSpPr>
@@ -277,7 +631,12 @@
             <p:ph type="ftr" sz="quarter" idx="11"/>
           </p:nvPr>
         </p:nvSpPr>
-        <p:spPr/>
+        <p:spPr>
+          <a:xfrm>
+            <a:off x="5332412" y="5883275"/>
+            <a:ext cx="4324044" cy="365125"/>
+          </a:xfrm>
+        </p:spPr>
         <p:txBody>
           <a:bodyPr/>
           <a:lstStyle/>
@@ -288,13 +647,7 @@
       </p:sp>
       <p:sp>
         <p:nvSpPr>
-          <p:cNvPr id="6" name="Slide Number Placeholder 5">
-            <a:extLst>
-              <a:ext uri="{FF2B5EF4-FFF2-40B4-BE49-F238E27FC236}">
-                <a16:creationId xmlns:a16="http://schemas.microsoft.com/office/drawing/2014/main" id="{DF7AFA35-16C9-7475-B799-08637E873669}"/>
-              </a:ext>
-            </a:extLst>
-          </p:cNvPr>
+          <p:cNvPr id="6" name="Slide Number Placeholder 5"/>
           <p:cNvSpPr>
             <a:spLocks noGrp="1"/>
           </p:cNvSpPr>
@@ -318,7 +671,7 @@
     </p:spTree>
     <p:extLst>
       <p:ext uri="{BB962C8B-B14F-4D97-AF65-F5344CB8AC3E}">
-        <p14:creationId xmlns:p14="http://schemas.microsoft.com/office/powerpoint/2010/main" val="4067259327"/>
+        <p14:creationId xmlns:p14="http://schemas.microsoft.com/office/powerpoint/2010/main" val="3836981595"/>
       </p:ext>
     </p:extLst>
   </p:cSld>
@@ -329,6 +682,2162 @@
 </file>
 
 <file path=ppt/slideLayouts/slideLayout10.xml><?xml version="1.0" encoding="utf-8"?>
+<p:sldLayout xmlns:a="http://schemas.openxmlformats.org/drawingml/2006/main" xmlns:r="http://schemas.openxmlformats.org/officeDocument/2006/relationships" xmlns:p="http://schemas.openxmlformats.org/presentationml/2006/main" preserve="1">
+  <p:cSld name="Panoramic Picture with Caption">
+    <p:spTree>
+      <p:nvGrpSpPr>
+        <p:cNvPr id="1" name=""/>
+        <p:cNvGrpSpPr/>
+        <p:nvPr/>
+      </p:nvGrpSpPr>
+      <p:grpSpPr>
+        <a:xfrm>
+          <a:off x="0" y="0"/>
+          <a:ext cx="0" cy="0"/>
+          <a:chOff x="0" y="0"/>
+          <a:chExt cx="0" cy="0"/>
+        </a:xfrm>
+      </p:grpSpPr>
+      <p:sp>
+        <p:nvSpPr>
+          <p:cNvPr id="2" name="Title 1"/>
+          <p:cNvSpPr>
+            <a:spLocks noGrp="1"/>
+          </p:cNvSpPr>
+          <p:nvPr>
+            <p:ph type="title"/>
+          </p:nvPr>
+        </p:nvSpPr>
+        <p:spPr>
+          <a:xfrm>
+            <a:off x="1484311" y="4732865"/>
+            <a:ext cx="10018711" cy="566738"/>
+          </a:xfrm>
+        </p:spPr>
+        <p:txBody>
+          <a:bodyPr anchor="b">
+            <a:normAutofit/>
+          </a:bodyPr>
+          <a:lstStyle>
+            <a:lvl1pPr algn="ctr">
+              <a:defRPr sz="2400" b="0"/>
+            </a:lvl1pPr>
+          </a:lstStyle>
+          <a:p>
+            <a:r>
+              <a:rPr lang="en-US"/>
+              <a:t>Click to edit Master title style</a:t>
+            </a:r>
+            <a:endParaRPr lang="en-US" dirty="0"/>
+          </a:p>
+        </p:txBody>
+      </p:sp>
+      <p:sp>
+        <p:nvSpPr>
+          <p:cNvPr id="3" name="Picture Placeholder 2"/>
+          <p:cNvSpPr>
+            <a:spLocks noGrp="1" noChangeAspect="1"/>
+          </p:cNvSpPr>
+          <p:nvPr>
+            <p:ph type="pic" idx="1"/>
+          </p:nvPr>
+        </p:nvSpPr>
+        <p:spPr>
+          <a:xfrm>
+            <a:off x="2386012" y="932112"/>
+            <a:ext cx="8225944" cy="3164976"/>
+          </a:xfrm>
+          <a:prstGeom prst="roundRect">
+            <a:avLst>
+              <a:gd name="adj" fmla="val 4380"/>
+            </a:avLst>
+          </a:prstGeom>
+          <a:ln w="38100">
+            <a:gradFill flip="none" rotWithShape="1">
+              <a:gsLst>
+                <a:gs pos="0">
+                  <a:schemeClr val="bg2"/>
+                </a:gs>
+                <a:gs pos="100000">
+                  <a:schemeClr val="bg2">
+                    <a:lumMod val="75000"/>
+                  </a:schemeClr>
+                </a:gs>
+              </a:gsLst>
+              <a:lin ang="5400000" scaled="0"/>
+              <a:tileRect/>
+            </a:gradFill>
+          </a:ln>
+          <a:effectLst>
+            <a:innerShdw blurRad="57150" dist="38100" dir="14460000">
+              <a:srgbClr val="000000">
+                <a:alpha val="70000"/>
+              </a:srgbClr>
+            </a:innerShdw>
+          </a:effectLst>
+        </p:spPr>
+        <p:txBody>
+          <a:bodyPr anchor="t">
+            <a:normAutofit/>
+          </a:bodyPr>
+          <a:lstStyle>
+            <a:lvl1pPr marL="0" indent="0" algn="ctr">
+              <a:buNone/>
+              <a:defRPr sz="1600"/>
+            </a:lvl1pPr>
+            <a:lvl2pPr marL="457200" indent="0">
+              <a:buNone/>
+              <a:defRPr sz="1600"/>
+            </a:lvl2pPr>
+            <a:lvl3pPr marL="914400" indent="0">
+              <a:buNone/>
+              <a:defRPr sz="1600"/>
+            </a:lvl3pPr>
+            <a:lvl4pPr marL="1371600" indent="0">
+              <a:buNone/>
+              <a:defRPr sz="1600"/>
+            </a:lvl4pPr>
+            <a:lvl5pPr marL="1828800" indent="0">
+              <a:buNone/>
+              <a:defRPr sz="1600"/>
+            </a:lvl5pPr>
+            <a:lvl6pPr marL="2286000" indent="0">
+              <a:buNone/>
+              <a:defRPr sz="1600"/>
+            </a:lvl6pPr>
+            <a:lvl7pPr marL="2743200" indent="0">
+              <a:buNone/>
+              <a:defRPr sz="1600"/>
+            </a:lvl7pPr>
+            <a:lvl8pPr marL="3200400" indent="0">
+              <a:buNone/>
+              <a:defRPr sz="1600"/>
+            </a:lvl8pPr>
+            <a:lvl9pPr marL="3657600" indent="0">
+              <a:buNone/>
+              <a:defRPr sz="1600"/>
+            </a:lvl9pPr>
+          </a:lstStyle>
+          <a:p>
+            <a:r>
+              <a:rPr lang="en-US"/>
+              <a:t>Click icon to add picture</a:t>
+            </a:r>
+            <a:endParaRPr lang="en-US" dirty="0"/>
+          </a:p>
+        </p:txBody>
+      </p:sp>
+      <p:sp>
+        <p:nvSpPr>
+          <p:cNvPr id="4" name="Text Placeholder 3"/>
+          <p:cNvSpPr>
+            <a:spLocks noGrp="1"/>
+          </p:cNvSpPr>
+          <p:nvPr>
+            <p:ph type="body" sz="half" idx="2"/>
+          </p:nvPr>
+        </p:nvSpPr>
+        <p:spPr>
+          <a:xfrm>
+            <a:off x="1484311" y="5299603"/>
+            <a:ext cx="10018711" cy="493712"/>
+          </a:xfrm>
+        </p:spPr>
+        <p:txBody>
+          <a:bodyPr>
+            <a:normAutofit/>
+          </a:bodyPr>
+          <a:lstStyle>
+            <a:lvl1pPr marL="0" indent="0" algn="ctr">
+              <a:buNone/>
+              <a:defRPr sz="1400"/>
+            </a:lvl1pPr>
+            <a:lvl2pPr marL="457200" indent="0">
+              <a:buNone/>
+              <a:defRPr sz="1200"/>
+            </a:lvl2pPr>
+            <a:lvl3pPr marL="914400" indent="0">
+              <a:buNone/>
+              <a:defRPr sz="1000"/>
+            </a:lvl3pPr>
+            <a:lvl4pPr marL="1371600" indent="0">
+              <a:buNone/>
+              <a:defRPr sz="900"/>
+            </a:lvl4pPr>
+            <a:lvl5pPr marL="1828800" indent="0">
+              <a:buNone/>
+              <a:defRPr sz="900"/>
+            </a:lvl5pPr>
+            <a:lvl6pPr marL="2286000" indent="0">
+              <a:buNone/>
+              <a:defRPr sz="900"/>
+            </a:lvl6pPr>
+            <a:lvl7pPr marL="2743200" indent="0">
+              <a:buNone/>
+              <a:defRPr sz="900"/>
+            </a:lvl7pPr>
+            <a:lvl8pPr marL="3200400" indent="0">
+              <a:buNone/>
+              <a:defRPr sz="900"/>
+            </a:lvl8pPr>
+            <a:lvl9pPr marL="3657600" indent="0">
+              <a:buNone/>
+              <a:defRPr sz="900"/>
+            </a:lvl9pPr>
+          </a:lstStyle>
+          <a:p>
+            <a:pPr lvl="0"/>
+            <a:r>
+              <a:rPr lang="en-US"/>
+              <a:t>Click to edit Master text styles</a:t>
+            </a:r>
+          </a:p>
+        </p:txBody>
+      </p:sp>
+      <p:sp>
+        <p:nvSpPr>
+          <p:cNvPr id="5" name="Date Placeholder 4"/>
+          <p:cNvSpPr>
+            <a:spLocks noGrp="1"/>
+          </p:cNvSpPr>
+          <p:nvPr>
+            <p:ph type="dt" sz="half" idx="10"/>
+          </p:nvPr>
+        </p:nvSpPr>
+        <p:spPr/>
+        <p:txBody>
+          <a:bodyPr/>
+          <a:lstStyle/>
+          <a:p>
+            <a:fld id="{1F7CAC8B-306A-43E7-A73E-B37C45497C0F}" type="datetimeFigureOut">
+              <a:rPr lang="en-US" smtClean="0"/>
+              <a:t>8/12/2024</a:t>
+            </a:fld>
+            <a:endParaRPr lang="en-US"/>
+          </a:p>
+        </p:txBody>
+      </p:sp>
+      <p:sp>
+        <p:nvSpPr>
+          <p:cNvPr id="6" name="Footer Placeholder 5"/>
+          <p:cNvSpPr>
+            <a:spLocks noGrp="1"/>
+          </p:cNvSpPr>
+          <p:nvPr>
+            <p:ph type="ftr" sz="quarter" idx="11"/>
+          </p:nvPr>
+        </p:nvSpPr>
+        <p:spPr/>
+        <p:txBody>
+          <a:bodyPr/>
+          <a:lstStyle/>
+          <a:p>
+            <a:endParaRPr lang="en-US"/>
+          </a:p>
+        </p:txBody>
+      </p:sp>
+      <p:sp>
+        <p:nvSpPr>
+          <p:cNvPr id="7" name="Slide Number Placeholder 6"/>
+          <p:cNvSpPr>
+            <a:spLocks noGrp="1"/>
+          </p:cNvSpPr>
+          <p:nvPr>
+            <p:ph type="sldNum" sz="quarter" idx="12"/>
+          </p:nvPr>
+        </p:nvSpPr>
+        <p:spPr/>
+        <p:txBody>
+          <a:bodyPr/>
+          <a:lstStyle/>
+          <a:p>
+            <a:fld id="{445C00BC-3B33-47CD-BF33-01C3087BB30B}" type="slidenum">
+              <a:rPr lang="en-US" smtClean="0"/>
+              <a:t>‹#›</a:t>
+            </a:fld>
+            <a:endParaRPr lang="en-US"/>
+          </a:p>
+        </p:txBody>
+      </p:sp>
+    </p:spTree>
+    <p:extLst>
+      <p:ext uri="{BB962C8B-B14F-4D97-AF65-F5344CB8AC3E}">
+        <p14:creationId xmlns:p14="http://schemas.microsoft.com/office/powerpoint/2010/main" val="3581512390"/>
+      </p:ext>
+    </p:extLst>
+  </p:cSld>
+  <p:clrMapOvr>
+    <a:masterClrMapping/>
+  </p:clrMapOvr>
+</p:sldLayout>
+</file>
+
+<file path=ppt/slideLayouts/slideLayout11.xml><?xml version="1.0" encoding="utf-8"?>
+<p:sldLayout xmlns:a="http://schemas.openxmlformats.org/drawingml/2006/main" xmlns:r="http://schemas.openxmlformats.org/officeDocument/2006/relationships" xmlns:p="http://schemas.openxmlformats.org/presentationml/2006/main" preserve="1">
+  <p:cSld name="Title and Caption">
+    <p:spTree>
+      <p:nvGrpSpPr>
+        <p:cNvPr id="1" name=""/>
+        <p:cNvGrpSpPr/>
+        <p:nvPr/>
+      </p:nvGrpSpPr>
+      <p:grpSpPr>
+        <a:xfrm>
+          <a:off x="0" y="0"/>
+          <a:ext cx="0" cy="0"/>
+          <a:chOff x="0" y="0"/>
+          <a:chExt cx="0" cy="0"/>
+        </a:xfrm>
+      </p:grpSpPr>
+      <p:sp>
+        <p:nvSpPr>
+          <p:cNvPr id="2" name="Title 1"/>
+          <p:cNvSpPr>
+            <a:spLocks noGrp="1"/>
+          </p:cNvSpPr>
+          <p:nvPr>
+            <p:ph type="title"/>
+          </p:nvPr>
+        </p:nvSpPr>
+        <p:spPr>
+          <a:xfrm>
+            <a:off x="1484312" y="685800"/>
+            <a:ext cx="10018711" cy="3048000"/>
+          </a:xfrm>
+        </p:spPr>
+        <p:txBody>
+          <a:bodyPr anchor="ctr">
+            <a:normAutofit/>
+          </a:bodyPr>
+          <a:lstStyle>
+            <a:lvl1pPr algn="ctr">
+              <a:defRPr sz="3200" b="0" cap="none"/>
+            </a:lvl1pPr>
+          </a:lstStyle>
+          <a:p>
+            <a:r>
+              <a:rPr lang="en-US"/>
+              <a:t>Click to edit Master title style</a:t>
+            </a:r>
+            <a:endParaRPr lang="en-US" dirty="0"/>
+          </a:p>
+        </p:txBody>
+      </p:sp>
+      <p:sp>
+        <p:nvSpPr>
+          <p:cNvPr id="3" name="Text Placeholder 2"/>
+          <p:cNvSpPr>
+            <a:spLocks noGrp="1"/>
+          </p:cNvSpPr>
+          <p:nvPr>
+            <p:ph type="body" idx="1"/>
+          </p:nvPr>
+        </p:nvSpPr>
+        <p:spPr>
+          <a:xfrm>
+            <a:off x="1484312" y="4343400"/>
+            <a:ext cx="10018713" cy="1447800"/>
+          </a:xfrm>
+        </p:spPr>
+        <p:txBody>
+          <a:bodyPr anchor="ctr">
+            <a:normAutofit/>
+          </a:bodyPr>
+          <a:lstStyle>
+            <a:lvl1pPr marL="0" indent="0" algn="ctr">
+              <a:buNone/>
+              <a:defRPr sz="2000">
+                <a:solidFill>
+                  <a:schemeClr val="tx1"/>
+                </a:solidFill>
+              </a:defRPr>
+            </a:lvl1pPr>
+            <a:lvl2pPr marL="457200" indent="0">
+              <a:buNone/>
+              <a:defRPr sz="1800">
+                <a:solidFill>
+                  <a:schemeClr val="tx1">
+                    <a:tint val="75000"/>
+                  </a:schemeClr>
+                </a:solidFill>
+              </a:defRPr>
+            </a:lvl2pPr>
+            <a:lvl3pPr marL="914400" indent="0">
+              <a:buNone/>
+              <a:defRPr sz="1600">
+                <a:solidFill>
+                  <a:schemeClr val="tx1">
+                    <a:tint val="75000"/>
+                  </a:schemeClr>
+                </a:solidFill>
+              </a:defRPr>
+            </a:lvl3pPr>
+            <a:lvl4pPr marL="1371600" indent="0">
+              <a:buNone/>
+              <a:defRPr sz="1400">
+                <a:solidFill>
+                  <a:schemeClr val="tx1">
+                    <a:tint val="75000"/>
+                  </a:schemeClr>
+                </a:solidFill>
+              </a:defRPr>
+            </a:lvl4pPr>
+            <a:lvl5pPr marL="1828800" indent="0">
+              <a:buNone/>
+              <a:defRPr sz="1400">
+                <a:solidFill>
+                  <a:schemeClr val="tx1">
+                    <a:tint val="75000"/>
+                  </a:schemeClr>
+                </a:solidFill>
+              </a:defRPr>
+            </a:lvl5pPr>
+            <a:lvl6pPr marL="2286000" indent="0">
+              <a:buNone/>
+              <a:defRPr sz="1400">
+                <a:solidFill>
+                  <a:schemeClr val="tx1">
+                    <a:tint val="75000"/>
+                  </a:schemeClr>
+                </a:solidFill>
+              </a:defRPr>
+            </a:lvl6pPr>
+            <a:lvl7pPr marL="2743200" indent="0">
+              <a:buNone/>
+              <a:defRPr sz="1400">
+                <a:solidFill>
+                  <a:schemeClr val="tx1">
+                    <a:tint val="75000"/>
+                  </a:schemeClr>
+                </a:solidFill>
+              </a:defRPr>
+            </a:lvl7pPr>
+            <a:lvl8pPr marL="3200400" indent="0">
+              <a:buNone/>
+              <a:defRPr sz="1400">
+                <a:solidFill>
+                  <a:schemeClr val="tx1">
+                    <a:tint val="75000"/>
+                  </a:schemeClr>
+                </a:solidFill>
+              </a:defRPr>
+            </a:lvl8pPr>
+            <a:lvl9pPr marL="3657600" indent="0">
+              <a:buNone/>
+              <a:defRPr sz="1400">
+                <a:solidFill>
+                  <a:schemeClr val="tx1">
+                    <a:tint val="75000"/>
+                  </a:schemeClr>
+                </a:solidFill>
+              </a:defRPr>
+            </a:lvl9pPr>
+          </a:lstStyle>
+          <a:p>
+            <a:pPr lvl="0"/>
+            <a:r>
+              <a:rPr lang="en-US"/>
+              <a:t>Click to edit Master text styles</a:t>
+            </a:r>
+          </a:p>
+        </p:txBody>
+      </p:sp>
+      <p:sp>
+        <p:nvSpPr>
+          <p:cNvPr id="4" name="Date Placeholder 3"/>
+          <p:cNvSpPr>
+            <a:spLocks noGrp="1"/>
+          </p:cNvSpPr>
+          <p:nvPr>
+            <p:ph type="dt" sz="half" idx="10"/>
+          </p:nvPr>
+        </p:nvSpPr>
+        <p:spPr/>
+        <p:txBody>
+          <a:bodyPr/>
+          <a:lstStyle/>
+          <a:p>
+            <a:fld id="{1F7CAC8B-306A-43E7-A73E-B37C45497C0F}" type="datetimeFigureOut">
+              <a:rPr lang="en-US" smtClean="0"/>
+              <a:t>8/12/2024</a:t>
+            </a:fld>
+            <a:endParaRPr lang="en-US"/>
+          </a:p>
+        </p:txBody>
+      </p:sp>
+      <p:sp>
+        <p:nvSpPr>
+          <p:cNvPr id="5" name="Footer Placeholder 4"/>
+          <p:cNvSpPr>
+            <a:spLocks noGrp="1"/>
+          </p:cNvSpPr>
+          <p:nvPr>
+            <p:ph type="ftr" sz="quarter" idx="11"/>
+          </p:nvPr>
+        </p:nvSpPr>
+        <p:spPr/>
+        <p:txBody>
+          <a:bodyPr/>
+          <a:lstStyle/>
+          <a:p>
+            <a:endParaRPr lang="en-US"/>
+          </a:p>
+        </p:txBody>
+      </p:sp>
+      <p:sp>
+        <p:nvSpPr>
+          <p:cNvPr id="6" name="Slide Number Placeholder 5"/>
+          <p:cNvSpPr>
+            <a:spLocks noGrp="1"/>
+          </p:cNvSpPr>
+          <p:nvPr>
+            <p:ph type="sldNum" sz="quarter" idx="12"/>
+          </p:nvPr>
+        </p:nvSpPr>
+        <p:spPr/>
+        <p:txBody>
+          <a:bodyPr/>
+          <a:lstStyle/>
+          <a:p>
+            <a:fld id="{445C00BC-3B33-47CD-BF33-01C3087BB30B}" type="slidenum">
+              <a:rPr lang="en-US" smtClean="0"/>
+              <a:t>‹#›</a:t>
+            </a:fld>
+            <a:endParaRPr lang="en-US"/>
+          </a:p>
+        </p:txBody>
+      </p:sp>
+    </p:spTree>
+    <p:extLst>
+      <p:ext uri="{BB962C8B-B14F-4D97-AF65-F5344CB8AC3E}">
+        <p14:creationId xmlns:p14="http://schemas.microsoft.com/office/powerpoint/2010/main" val="4008448742"/>
+      </p:ext>
+    </p:extLst>
+  </p:cSld>
+  <p:clrMapOvr>
+    <a:masterClrMapping/>
+  </p:clrMapOvr>
+</p:sldLayout>
+</file>
+
+<file path=ppt/slideLayouts/slideLayout12.xml><?xml version="1.0" encoding="utf-8"?>
+<p:sldLayout xmlns:a="http://schemas.openxmlformats.org/drawingml/2006/main" xmlns:r="http://schemas.openxmlformats.org/officeDocument/2006/relationships" xmlns:p="http://schemas.openxmlformats.org/presentationml/2006/main" preserve="1">
+  <p:cSld name="Quote with Caption">
+    <p:spTree>
+      <p:nvGrpSpPr>
+        <p:cNvPr id="1" name=""/>
+        <p:cNvGrpSpPr/>
+        <p:nvPr/>
+      </p:nvGrpSpPr>
+      <p:grpSpPr>
+        <a:xfrm>
+          <a:off x="0" y="0"/>
+          <a:ext cx="0" cy="0"/>
+          <a:chOff x="0" y="0"/>
+          <a:chExt cx="0" cy="0"/>
+        </a:xfrm>
+      </p:grpSpPr>
+      <p:sp>
+        <p:nvSpPr>
+          <p:cNvPr id="14" name="TextBox 13"/>
+          <p:cNvSpPr txBox="1"/>
+          <p:nvPr/>
+        </p:nvSpPr>
+        <p:spPr>
+          <a:xfrm>
+            <a:off x="1598612" y="863023"/>
+            <a:ext cx="609600" cy="584776"/>
+          </a:xfrm>
+          <a:prstGeom prst="rect">
+            <a:avLst/>
+          </a:prstGeom>
+        </p:spPr>
+        <p:txBody>
+          <a:bodyPr vert="horz" lIns="91440" tIns="45720" rIns="91440" bIns="45720" rtlCol="0" anchor="ctr">
+            <a:noAutofit/>
+          </a:bodyPr>
+          <a:lstStyle>
+            <a:lvl1pPr>
+              <a:spcBef>
+                <a:spcPct val="0"/>
+              </a:spcBef>
+              <a:buNone/>
+              <a:defRPr sz="3200" b="0" cap="all">
+                <a:ln w="3175" cmpd="sng">
+                  <a:noFill/>
+                </a:ln>
+                <a:effectLst>
+                  <a:glow rad="38100">
+                    <a:schemeClr val="bg1">
+                      <a:lumMod val="65000"/>
+                      <a:lumOff val="35000"/>
+                      <a:alpha val="40000"/>
+                    </a:schemeClr>
+                  </a:glow>
+                  <a:outerShdw blurRad="28575" dist="38100" dir="14040000" algn="tl" rotWithShape="0">
+                    <a:srgbClr val="000000">
+                      <a:alpha val="25000"/>
+                    </a:srgbClr>
+                  </a:outerShdw>
+                </a:effectLst>
+              </a:defRPr>
+            </a:lvl1pPr>
+            <a:lvl2pPr>
+              <a:defRPr>
+                <a:solidFill>
+                  <a:schemeClr val="tx2"/>
+                </a:solidFill>
+              </a:defRPr>
+            </a:lvl2pPr>
+            <a:lvl3pPr>
+              <a:defRPr>
+                <a:solidFill>
+                  <a:schemeClr val="tx2"/>
+                </a:solidFill>
+              </a:defRPr>
+            </a:lvl3pPr>
+            <a:lvl4pPr>
+              <a:defRPr>
+                <a:solidFill>
+                  <a:schemeClr val="tx2"/>
+                </a:solidFill>
+              </a:defRPr>
+            </a:lvl4pPr>
+            <a:lvl5pPr>
+              <a:defRPr>
+                <a:solidFill>
+                  <a:schemeClr val="tx2"/>
+                </a:solidFill>
+              </a:defRPr>
+            </a:lvl5pPr>
+            <a:lvl6pPr>
+              <a:defRPr>
+                <a:solidFill>
+                  <a:schemeClr val="tx2"/>
+                </a:solidFill>
+              </a:defRPr>
+            </a:lvl6pPr>
+            <a:lvl7pPr>
+              <a:defRPr>
+                <a:solidFill>
+                  <a:schemeClr val="tx2"/>
+                </a:solidFill>
+              </a:defRPr>
+            </a:lvl7pPr>
+            <a:lvl8pPr>
+              <a:defRPr>
+                <a:solidFill>
+                  <a:schemeClr val="tx2"/>
+                </a:solidFill>
+              </a:defRPr>
+            </a:lvl8pPr>
+            <a:lvl9pPr>
+              <a:defRPr>
+                <a:solidFill>
+                  <a:schemeClr val="tx2"/>
+                </a:solidFill>
+              </a:defRPr>
+            </a:lvl9pPr>
+          </a:lstStyle>
+          <a:p>
+            <a:pPr lvl="0"/>
+            <a:r>
+              <a:rPr lang="en-US" sz="8000" dirty="0">
+                <a:solidFill>
+                  <a:schemeClr val="tx1"/>
+                </a:solidFill>
+                <a:effectLst/>
+              </a:rPr>
+              <a:t>“</a:t>
+            </a:r>
+          </a:p>
+        </p:txBody>
+      </p:sp>
+      <p:sp>
+        <p:nvSpPr>
+          <p:cNvPr id="15" name="TextBox 14"/>
+          <p:cNvSpPr txBox="1"/>
+          <p:nvPr/>
+        </p:nvSpPr>
+        <p:spPr>
+          <a:xfrm>
+            <a:off x="10893425" y="2819399"/>
+            <a:ext cx="609600" cy="584776"/>
+          </a:xfrm>
+          <a:prstGeom prst="rect">
+            <a:avLst/>
+          </a:prstGeom>
+        </p:spPr>
+        <p:txBody>
+          <a:bodyPr vert="horz" lIns="91440" tIns="45720" rIns="91440" bIns="45720" rtlCol="0" anchor="ctr">
+            <a:noAutofit/>
+          </a:bodyPr>
+          <a:lstStyle>
+            <a:lvl1pPr>
+              <a:spcBef>
+                <a:spcPct val="0"/>
+              </a:spcBef>
+              <a:buNone/>
+              <a:defRPr sz="3200" b="0" cap="all">
+                <a:ln w="3175" cmpd="sng">
+                  <a:noFill/>
+                </a:ln>
+                <a:effectLst>
+                  <a:glow rad="38100">
+                    <a:schemeClr val="bg1">
+                      <a:lumMod val="65000"/>
+                      <a:lumOff val="35000"/>
+                      <a:alpha val="40000"/>
+                    </a:schemeClr>
+                  </a:glow>
+                  <a:outerShdw blurRad="28575" dist="38100" dir="14040000" algn="tl" rotWithShape="0">
+                    <a:srgbClr val="000000">
+                      <a:alpha val="25000"/>
+                    </a:srgbClr>
+                  </a:outerShdw>
+                </a:effectLst>
+              </a:defRPr>
+            </a:lvl1pPr>
+            <a:lvl2pPr>
+              <a:defRPr>
+                <a:solidFill>
+                  <a:schemeClr val="tx2"/>
+                </a:solidFill>
+              </a:defRPr>
+            </a:lvl2pPr>
+            <a:lvl3pPr>
+              <a:defRPr>
+                <a:solidFill>
+                  <a:schemeClr val="tx2"/>
+                </a:solidFill>
+              </a:defRPr>
+            </a:lvl3pPr>
+            <a:lvl4pPr>
+              <a:defRPr>
+                <a:solidFill>
+                  <a:schemeClr val="tx2"/>
+                </a:solidFill>
+              </a:defRPr>
+            </a:lvl4pPr>
+            <a:lvl5pPr>
+              <a:defRPr>
+                <a:solidFill>
+                  <a:schemeClr val="tx2"/>
+                </a:solidFill>
+              </a:defRPr>
+            </a:lvl5pPr>
+            <a:lvl6pPr>
+              <a:defRPr>
+                <a:solidFill>
+                  <a:schemeClr val="tx2"/>
+                </a:solidFill>
+              </a:defRPr>
+            </a:lvl6pPr>
+            <a:lvl7pPr>
+              <a:defRPr>
+                <a:solidFill>
+                  <a:schemeClr val="tx2"/>
+                </a:solidFill>
+              </a:defRPr>
+            </a:lvl7pPr>
+            <a:lvl8pPr>
+              <a:defRPr>
+                <a:solidFill>
+                  <a:schemeClr val="tx2"/>
+                </a:solidFill>
+              </a:defRPr>
+            </a:lvl8pPr>
+            <a:lvl9pPr>
+              <a:defRPr>
+                <a:solidFill>
+                  <a:schemeClr val="tx2"/>
+                </a:solidFill>
+              </a:defRPr>
+            </a:lvl9pPr>
+          </a:lstStyle>
+          <a:p>
+            <a:pPr lvl="0" algn="r"/>
+            <a:r>
+              <a:rPr lang="en-US" sz="8000" dirty="0">
+                <a:solidFill>
+                  <a:schemeClr val="tx1"/>
+                </a:solidFill>
+                <a:effectLst/>
+              </a:rPr>
+              <a:t>”</a:t>
+            </a:r>
+          </a:p>
+        </p:txBody>
+      </p:sp>
+      <p:sp>
+        <p:nvSpPr>
+          <p:cNvPr id="2" name="Title 1"/>
+          <p:cNvSpPr>
+            <a:spLocks noGrp="1"/>
+          </p:cNvSpPr>
+          <p:nvPr>
+            <p:ph type="title"/>
+          </p:nvPr>
+        </p:nvSpPr>
+        <p:spPr>
+          <a:xfrm>
+            <a:off x="2208212" y="685800"/>
+            <a:ext cx="8990012" cy="2743199"/>
+          </a:xfrm>
+        </p:spPr>
+        <p:txBody>
+          <a:bodyPr anchor="ctr">
+            <a:normAutofit/>
+          </a:bodyPr>
+          <a:lstStyle>
+            <a:lvl1pPr algn="ctr">
+              <a:defRPr sz="3200" b="0" cap="none">
+                <a:solidFill>
+                  <a:schemeClr val="tx1"/>
+                </a:solidFill>
+              </a:defRPr>
+            </a:lvl1pPr>
+          </a:lstStyle>
+          <a:p>
+            <a:r>
+              <a:rPr lang="en-US"/>
+              <a:t>Click to edit Master title style</a:t>
+            </a:r>
+            <a:endParaRPr lang="en-US" dirty="0"/>
+          </a:p>
+        </p:txBody>
+      </p:sp>
+      <p:sp>
+        <p:nvSpPr>
+          <p:cNvPr id="10" name="Text Placeholder 9"/>
+          <p:cNvSpPr>
+            <a:spLocks noGrp="1"/>
+          </p:cNvSpPr>
+          <p:nvPr>
+            <p:ph type="body" sz="quarter" idx="13"/>
+          </p:nvPr>
+        </p:nvSpPr>
+        <p:spPr>
+          <a:xfrm>
+            <a:off x="2436811" y="3428999"/>
+            <a:ext cx="8532815" cy="381000"/>
+          </a:xfrm>
+        </p:spPr>
+        <p:txBody>
+          <a:bodyPr anchor="ctr">
+            <a:normAutofit/>
+          </a:bodyPr>
+          <a:lstStyle>
+            <a:lvl1pPr marL="0" indent="0">
+              <a:buFontTx/>
+              <a:buNone/>
+              <a:defRPr sz="1800"/>
+            </a:lvl1pPr>
+            <a:lvl2pPr marL="457200" indent="0">
+              <a:buFontTx/>
+              <a:buNone/>
+              <a:defRPr/>
+            </a:lvl2pPr>
+            <a:lvl3pPr marL="914400" indent="0">
+              <a:buFontTx/>
+              <a:buNone/>
+              <a:defRPr/>
+            </a:lvl3pPr>
+            <a:lvl4pPr marL="1371600" indent="0">
+              <a:buFontTx/>
+              <a:buNone/>
+              <a:defRPr/>
+            </a:lvl4pPr>
+            <a:lvl5pPr marL="1828800" indent="0">
+              <a:buFontTx/>
+              <a:buNone/>
+              <a:defRPr/>
+            </a:lvl5pPr>
+          </a:lstStyle>
+          <a:p>
+            <a:pPr lvl="0"/>
+            <a:r>
+              <a:rPr lang="en-US"/>
+              <a:t>Click to edit Master text styles</a:t>
+            </a:r>
+          </a:p>
+        </p:txBody>
+      </p:sp>
+      <p:sp>
+        <p:nvSpPr>
+          <p:cNvPr id="3" name="Text Placeholder 2"/>
+          <p:cNvSpPr>
+            <a:spLocks noGrp="1"/>
+          </p:cNvSpPr>
+          <p:nvPr>
+            <p:ph type="body" idx="1"/>
+          </p:nvPr>
+        </p:nvSpPr>
+        <p:spPr>
+          <a:xfrm>
+            <a:off x="1484311" y="4343400"/>
+            <a:ext cx="10018711" cy="1447800"/>
+          </a:xfrm>
+        </p:spPr>
+        <p:txBody>
+          <a:bodyPr anchor="ctr">
+            <a:normAutofit/>
+          </a:bodyPr>
+          <a:lstStyle>
+            <a:lvl1pPr marL="0" indent="0" algn="ctr">
+              <a:buNone/>
+              <a:defRPr sz="2000">
+                <a:solidFill>
+                  <a:schemeClr val="tx1"/>
+                </a:solidFill>
+              </a:defRPr>
+            </a:lvl1pPr>
+            <a:lvl2pPr marL="457200" indent="0">
+              <a:buNone/>
+              <a:defRPr sz="1800">
+                <a:solidFill>
+                  <a:schemeClr val="tx1">
+                    <a:tint val="75000"/>
+                  </a:schemeClr>
+                </a:solidFill>
+              </a:defRPr>
+            </a:lvl2pPr>
+            <a:lvl3pPr marL="914400" indent="0">
+              <a:buNone/>
+              <a:defRPr sz="1600">
+                <a:solidFill>
+                  <a:schemeClr val="tx1">
+                    <a:tint val="75000"/>
+                  </a:schemeClr>
+                </a:solidFill>
+              </a:defRPr>
+            </a:lvl3pPr>
+            <a:lvl4pPr marL="1371600" indent="0">
+              <a:buNone/>
+              <a:defRPr sz="1400">
+                <a:solidFill>
+                  <a:schemeClr val="tx1">
+                    <a:tint val="75000"/>
+                  </a:schemeClr>
+                </a:solidFill>
+              </a:defRPr>
+            </a:lvl4pPr>
+            <a:lvl5pPr marL="1828800" indent="0">
+              <a:buNone/>
+              <a:defRPr sz="1400">
+                <a:solidFill>
+                  <a:schemeClr val="tx1">
+                    <a:tint val="75000"/>
+                  </a:schemeClr>
+                </a:solidFill>
+              </a:defRPr>
+            </a:lvl5pPr>
+            <a:lvl6pPr marL="2286000" indent="0">
+              <a:buNone/>
+              <a:defRPr sz="1400">
+                <a:solidFill>
+                  <a:schemeClr val="tx1">
+                    <a:tint val="75000"/>
+                  </a:schemeClr>
+                </a:solidFill>
+              </a:defRPr>
+            </a:lvl6pPr>
+            <a:lvl7pPr marL="2743200" indent="0">
+              <a:buNone/>
+              <a:defRPr sz="1400">
+                <a:solidFill>
+                  <a:schemeClr val="tx1">
+                    <a:tint val="75000"/>
+                  </a:schemeClr>
+                </a:solidFill>
+              </a:defRPr>
+            </a:lvl7pPr>
+            <a:lvl8pPr marL="3200400" indent="0">
+              <a:buNone/>
+              <a:defRPr sz="1400">
+                <a:solidFill>
+                  <a:schemeClr val="tx1">
+                    <a:tint val="75000"/>
+                  </a:schemeClr>
+                </a:solidFill>
+              </a:defRPr>
+            </a:lvl8pPr>
+            <a:lvl9pPr marL="3657600" indent="0">
+              <a:buNone/>
+              <a:defRPr sz="1400">
+                <a:solidFill>
+                  <a:schemeClr val="tx1">
+                    <a:tint val="75000"/>
+                  </a:schemeClr>
+                </a:solidFill>
+              </a:defRPr>
+            </a:lvl9pPr>
+          </a:lstStyle>
+          <a:p>
+            <a:pPr lvl="0"/>
+            <a:r>
+              <a:rPr lang="en-US"/>
+              <a:t>Click to edit Master text styles</a:t>
+            </a:r>
+          </a:p>
+        </p:txBody>
+      </p:sp>
+      <p:sp>
+        <p:nvSpPr>
+          <p:cNvPr id="4" name="Date Placeholder 3"/>
+          <p:cNvSpPr>
+            <a:spLocks noGrp="1"/>
+          </p:cNvSpPr>
+          <p:nvPr>
+            <p:ph type="dt" sz="half" idx="10"/>
+          </p:nvPr>
+        </p:nvSpPr>
+        <p:spPr/>
+        <p:txBody>
+          <a:bodyPr/>
+          <a:lstStyle/>
+          <a:p>
+            <a:fld id="{1F7CAC8B-306A-43E7-A73E-B37C45497C0F}" type="datetimeFigureOut">
+              <a:rPr lang="en-US" smtClean="0"/>
+              <a:t>8/12/2024</a:t>
+            </a:fld>
+            <a:endParaRPr lang="en-US"/>
+          </a:p>
+        </p:txBody>
+      </p:sp>
+      <p:sp>
+        <p:nvSpPr>
+          <p:cNvPr id="5" name="Footer Placeholder 4"/>
+          <p:cNvSpPr>
+            <a:spLocks noGrp="1"/>
+          </p:cNvSpPr>
+          <p:nvPr>
+            <p:ph type="ftr" sz="quarter" idx="11"/>
+          </p:nvPr>
+        </p:nvSpPr>
+        <p:spPr/>
+        <p:txBody>
+          <a:bodyPr/>
+          <a:lstStyle/>
+          <a:p>
+            <a:endParaRPr lang="en-US"/>
+          </a:p>
+        </p:txBody>
+      </p:sp>
+      <p:sp>
+        <p:nvSpPr>
+          <p:cNvPr id="6" name="Slide Number Placeholder 5"/>
+          <p:cNvSpPr>
+            <a:spLocks noGrp="1"/>
+          </p:cNvSpPr>
+          <p:nvPr>
+            <p:ph type="sldNum" sz="quarter" idx="12"/>
+          </p:nvPr>
+        </p:nvSpPr>
+        <p:spPr/>
+        <p:txBody>
+          <a:bodyPr/>
+          <a:lstStyle/>
+          <a:p>
+            <a:fld id="{445C00BC-3B33-47CD-BF33-01C3087BB30B}" type="slidenum">
+              <a:rPr lang="en-US" smtClean="0"/>
+              <a:t>‹#›</a:t>
+            </a:fld>
+            <a:endParaRPr lang="en-US"/>
+          </a:p>
+        </p:txBody>
+      </p:sp>
+    </p:spTree>
+    <p:extLst>
+      <p:ext uri="{BB962C8B-B14F-4D97-AF65-F5344CB8AC3E}">
+        <p14:creationId xmlns:p14="http://schemas.microsoft.com/office/powerpoint/2010/main" val="3227933343"/>
+      </p:ext>
+    </p:extLst>
+  </p:cSld>
+  <p:clrMapOvr>
+    <a:masterClrMapping/>
+  </p:clrMapOvr>
+</p:sldLayout>
+</file>
+
+<file path=ppt/slideLayouts/slideLayout13.xml><?xml version="1.0" encoding="utf-8"?>
+<p:sldLayout xmlns:a="http://schemas.openxmlformats.org/drawingml/2006/main" xmlns:r="http://schemas.openxmlformats.org/officeDocument/2006/relationships" xmlns:p="http://schemas.openxmlformats.org/presentationml/2006/main" preserve="1">
+  <p:cSld name="Name Card">
+    <p:spTree>
+      <p:nvGrpSpPr>
+        <p:cNvPr id="1" name=""/>
+        <p:cNvGrpSpPr/>
+        <p:nvPr/>
+      </p:nvGrpSpPr>
+      <p:grpSpPr>
+        <a:xfrm>
+          <a:off x="0" y="0"/>
+          <a:ext cx="0" cy="0"/>
+          <a:chOff x="0" y="0"/>
+          <a:chExt cx="0" cy="0"/>
+        </a:xfrm>
+      </p:grpSpPr>
+      <p:sp>
+        <p:nvSpPr>
+          <p:cNvPr id="2" name="Title 1"/>
+          <p:cNvSpPr>
+            <a:spLocks noGrp="1"/>
+          </p:cNvSpPr>
+          <p:nvPr>
+            <p:ph type="title"/>
+          </p:nvPr>
+        </p:nvSpPr>
+        <p:spPr>
+          <a:xfrm>
+            <a:off x="1484313" y="3308581"/>
+            <a:ext cx="10018709" cy="1468800"/>
+          </a:xfrm>
+        </p:spPr>
+        <p:txBody>
+          <a:bodyPr anchor="b">
+            <a:normAutofit/>
+          </a:bodyPr>
+          <a:lstStyle>
+            <a:lvl1pPr algn="r">
+              <a:defRPr sz="3200" b="0" cap="none"/>
+            </a:lvl1pPr>
+          </a:lstStyle>
+          <a:p>
+            <a:r>
+              <a:rPr lang="en-US"/>
+              <a:t>Click to edit Master title style</a:t>
+            </a:r>
+            <a:endParaRPr lang="en-US" dirty="0"/>
+          </a:p>
+        </p:txBody>
+      </p:sp>
+      <p:sp>
+        <p:nvSpPr>
+          <p:cNvPr id="3" name="Text Placeholder 2"/>
+          <p:cNvSpPr>
+            <a:spLocks noGrp="1"/>
+          </p:cNvSpPr>
+          <p:nvPr>
+            <p:ph type="body" idx="1"/>
+          </p:nvPr>
+        </p:nvSpPr>
+        <p:spPr>
+          <a:xfrm>
+            <a:off x="1484312" y="4777381"/>
+            <a:ext cx="10018710" cy="860400"/>
+          </a:xfrm>
+        </p:spPr>
+        <p:txBody>
+          <a:bodyPr anchor="t">
+            <a:normAutofit/>
+          </a:bodyPr>
+          <a:lstStyle>
+            <a:lvl1pPr marL="0" indent="0" algn="r">
+              <a:buNone/>
+              <a:defRPr sz="2000">
+                <a:solidFill>
+                  <a:schemeClr val="tx1"/>
+                </a:solidFill>
+              </a:defRPr>
+            </a:lvl1pPr>
+            <a:lvl2pPr marL="457200" indent="0">
+              <a:buNone/>
+              <a:defRPr sz="1800">
+                <a:solidFill>
+                  <a:schemeClr val="tx1">
+                    <a:tint val="75000"/>
+                  </a:schemeClr>
+                </a:solidFill>
+              </a:defRPr>
+            </a:lvl2pPr>
+            <a:lvl3pPr marL="914400" indent="0">
+              <a:buNone/>
+              <a:defRPr sz="1600">
+                <a:solidFill>
+                  <a:schemeClr val="tx1">
+                    <a:tint val="75000"/>
+                  </a:schemeClr>
+                </a:solidFill>
+              </a:defRPr>
+            </a:lvl3pPr>
+            <a:lvl4pPr marL="1371600" indent="0">
+              <a:buNone/>
+              <a:defRPr sz="1400">
+                <a:solidFill>
+                  <a:schemeClr val="tx1">
+                    <a:tint val="75000"/>
+                  </a:schemeClr>
+                </a:solidFill>
+              </a:defRPr>
+            </a:lvl4pPr>
+            <a:lvl5pPr marL="1828800" indent="0">
+              <a:buNone/>
+              <a:defRPr sz="1400">
+                <a:solidFill>
+                  <a:schemeClr val="tx1">
+                    <a:tint val="75000"/>
+                  </a:schemeClr>
+                </a:solidFill>
+              </a:defRPr>
+            </a:lvl5pPr>
+            <a:lvl6pPr marL="2286000" indent="0">
+              <a:buNone/>
+              <a:defRPr sz="1400">
+                <a:solidFill>
+                  <a:schemeClr val="tx1">
+                    <a:tint val="75000"/>
+                  </a:schemeClr>
+                </a:solidFill>
+              </a:defRPr>
+            </a:lvl6pPr>
+            <a:lvl7pPr marL="2743200" indent="0">
+              <a:buNone/>
+              <a:defRPr sz="1400">
+                <a:solidFill>
+                  <a:schemeClr val="tx1">
+                    <a:tint val="75000"/>
+                  </a:schemeClr>
+                </a:solidFill>
+              </a:defRPr>
+            </a:lvl7pPr>
+            <a:lvl8pPr marL="3200400" indent="0">
+              <a:buNone/>
+              <a:defRPr sz="1400">
+                <a:solidFill>
+                  <a:schemeClr val="tx1">
+                    <a:tint val="75000"/>
+                  </a:schemeClr>
+                </a:solidFill>
+              </a:defRPr>
+            </a:lvl8pPr>
+            <a:lvl9pPr marL="3657600" indent="0">
+              <a:buNone/>
+              <a:defRPr sz="1400">
+                <a:solidFill>
+                  <a:schemeClr val="tx1">
+                    <a:tint val="75000"/>
+                  </a:schemeClr>
+                </a:solidFill>
+              </a:defRPr>
+            </a:lvl9pPr>
+          </a:lstStyle>
+          <a:p>
+            <a:pPr lvl="0"/>
+            <a:r>
+              <a:rPr lang="en-US"/>
+              <a:t>Click to edit Master text styles</a:t>
+            </a:r>
+          </a:p>
+        </p:txBody>
+      </p:sp>
+      <p:sp>
+        <p:nvSpPr>
+          <p:cNvPr id="4" name="Date Placeholder 3"/>
+          <p:cNvSpPr>
+            <a:spLocks noGrp="1"/>
+          </p:cNvSpPr>
+          <p:nvPr>
+            <p:ph type="dt" sz="half" idx="10"/>
+          </p:nvPr>
+        </p:nvSpPr>
+        <p:spPr/>
+        <p:txBody>
+          <a:bodyPr/>
+          <a:lstStyle/>
+          <a:p>
+            <a:fld id="{1F7CAC8B-306A-43E7-A73E-B37C45497C0F}" type="datetimeFigureOut">
+              <a:rPr lang="en-US" smtClean="0"/>
+              <a:t>8/12/2024</a:t>
+            </a:fld>
+            <a:endParaRPr lang="en-US"/>
+          </a:p>
+        </p:txBody>
+      </p:sp>
+      <p:sp>
+        <p:nvSpPr>
+          <p:cNvPr id="5" name="Footer Placeholder 4"/>
+          <p:cNvSpPr>
+            <a:spLocks noGrp="1"/>
+          </p:cNvSpPr>
+          <p:nvPr>
+            <p:ph type="ftr" sz="quarter" idx="11"/>
+          </p:nvPr>
+        </p:nvSpPr>
+        <p:spPr/>
+        <p:txBody>
+          <a:bodyPr/>
+          <a:lstStyle/>
+          <a:p>
+            <a:endParaRPr lang="en-US"/>
+          </a:p>
+        </p:txBody>
+      </p:sp>
+      <p:sp>
+        <p:nvSpPr>
+          <p:cNvPr id="6" name="Slide Number Placeholder 5"/>
+          <p:cNvSpPr>
+            <a:spLocks noGrp="1"/>
+          </p:cNvSpPr>
+          <p:nvPr>
+            <p:ph type="sldNum" sz="quarter" idx="12"/>
+          </p:nvPr>
+        </p:nvSpPr>
+        <p:spPr/>
+        <p:txBody>
+          <a:bodyPr/>
+          <a:lstStyle/>
+          <a:p>
+            <a:fld id="{445C00BC-3B33-47CD-BF33-01C3087BB30B}" type="slidenum">
+              <a:rPr lang="en-US" smtClean="0"/>
+              <a:t>‹#›</a:t>
+            </a:fld>
+            <a:endParaRPr lang="en-US"/>
+          </a:p>
+        </p:txBody>
+      </p:sp>
+    </p:spTree>
+    <p:extLst>
+      <p:ext uri="{BB962C8B-B14F-4D97-AF65-F5344CB8AC3E}">
+        <p14:creationId xmlns:p14="http://schemas.microsoft.com/office/powerpoint/2010/main" val="2809366576"/>
+      </p:ext>
+    </p:extLst>
+  </p:cSld>
+  <p:clrMapOvr>
+    <a:masterClrMapping/>
+  </p:clrMapOvr>
+</p:sldLayout>
+</file>
+
+<file path=ppt/slideLayouts/slideLayout14.xml><?xml version="1.0" encoding="utf-8"?>
+<p:sldLayout xmlns:a="http://schemas.openxmlformats.org/drawingml/2006/main" xmlns:r="http://schemas.openxmlformats.org/officeDocument/2006/relationships" xmlns:p="http://schemas.openxmlformats.org/presentationml/2006/main" preserve="1">
+  <p:cSld name="Quote Name Card">
+    <p:spTree>
+      <p:nvGrpSpPr>
+        <p:cNvPr id="1" name=""/>
+        <p:cNvGrpSpPr/>
+        <p:nvPr/>
+      </p:nvGrpSpPr>
+      <p:grpSpPr>
+        <a:xfrm>
+          <a:off x="0" y="0"/>
+          <a:ext cx="0" cy="0"/>
+          <a:chOff x="0" y="0"/>
+          <a:chExt cx="0" cy="0"/>
+        </a:xfrm>
+      </p:grpSpPr>
+      <p:sp>
+        <p:nvSpPr>
+          <p:cNvPr id="14" name="TextBox 13"/>
+          <p:cNvSpPr txBox="1"/>
+          <p:nvPr/>
+        </p:nvSpPr>
+        <p:spPr>
+          <a:xfrm>
+            <a:off x="1598612" y="863023"/>
+            <a:ext cx="609600" cy="584776"/>
+          </a:xfrm>
+          <a:prstGeom prst="rect">
+            <a:avLst/>
+          </a:prstGeom>
+        </p:spPr>
+        <p:txBody>
+          <a:bodyPr vert="horz" lIns="91440" tIns="45720" rIns="91440" bIns="45720" rtlCol="0" anchor="ctr">
+            <a:noAutofit/>
+          </a:bodyPr>
+          <a:lstStyle>
+            <a:lvl1pPr>
+              <a:spcBef>
+                <a:spcPct val="0"/>
+              </a:spcBef>
+              <a:buNone/>
+              <a:defRPr sz="3200" b="0" cap="all">
+                <a:ln w="3175" cmpd="sng">
+                  <a:noFill/>
+                </a:ln>
+                <a:effectLst>
+                  <a:glow rad="38100">
+                    <a:schemeClr val="bg1">
+                      <a:lumMod val="65000"/>
+                      <a:lumOff val="35000"/>
+                      <a:alpha val="40000"/>
+                    </a:schemeClr>
+                  </a:glow>
+                  <a:outerShdw blurRad="28575" dist="38100" dir="14040000" algn="tl" rotWithShape="0">
+                    <a:srgbClr val="000000">
+                      <a:alpha val="25000"/>
+                    </a:srgbClr>
+                  </a:outerShdw>
+                </a:effectLst>
+              </a:defRPr>
+            </a:lvl1pPr>
+            <a:lvl2pPr>
+              <a:defRPr>
+                <a:solidFill>
+                  <a:schemeClr val="tx2"/>
+                </a:solidFill>
+              </a:defRPr>
+            </a:lvl2pPr>
+            <a:lvl3pPr>
+              <a:defRPr>
+                <a:solidFill>
+                  <a:schemeClr val="tx2"/>
+                </a:solidFill>
+              </a:defRPr>
+            </a:lvl3pPr>
+            <a:lvl4pPr>
+              <a:defRPr>
+                <a:solidFill>
+                  <a:schemeClr val="tx2"/>
+                </a:solidFill>
+              </a:defRPr>
+            </a:lvl4pPr>
+            <a:lvl5pPr>
+              <a:defRPr>
+                <a:solidFill>
+                  <a:schemeClr val="tx2"/>
+                </a:solidFill>
+              </a:defRPr>
+            </a:lvl5pPr>
+            <a:lvl6pPr>
+              <a:defRPr>
+                <a:solidFill>
+                  <a:schemeClr val="tx2"/>
+                </a:solidFill>
+              </a:defRPr>
+            </a:lvl6pPr>
+            <a:lvl7pPr>
+              <a:defRPr>
+                <a:solidFill>
+                  <a:schemeClr val="tx2"/>
+                </a:solidFill>
+              </a:defRPr>
+            </a:lvl7pPr>
+            <a:lvl8pPr>
+              <a:defRPr>
+                <a:solidFill>
+                  <a:schemeClr val="tx2"/>
+                </a:solidFill>
+              </a:defRPr>
+            </a:lvl8pPr>
+            <a:lvl9pPr>
+              <a:defRPr>
+                <a:solidFill>
+                  <a:schemeClr val="tx2"/>
+                </a:solidFill>
+              </a:defRPr>
+            </a:lvl9pPr>
+          </a:lstStyle>
+          <a:p>
+            <a:pPr lvl="0"/>
+            <a:r>
+              <a:rPr lang="en-US" sz="8000" dirty="0">
+                <a:solidFill>
+                  <a:schemeClr val="tx1"/>
+                </a:solidFill>
+                <a:effectLst/>
+              </a:rPr>
+              <a:t>“</a:t>
+            </a:r>
+          </a:p>
+        </p:txBody>
+      </p:sp>
+      <p:sp>
+        <p:nvSpPr>
+          <p:cNvPr id="15" name="TextBox 14"/>
+          <p:cNvSpPr txBox="1"/>
+          <p:nvPr/>
+        </p:nvSpPr>
+        <p:spPr>
+          <a:xfrm>
+            <a:off x="10893425" y="2819399"/>
+            <a:ext cx="609600" cy="584776"/>
+          </a:xfrm>
+          <a:prstGeom prst="rect">
+            <a:avLst/>
+          </a:prstGeom>
+        </p:spPr>
+        <p:txBody>
+          <a:bodyPr vert="horz" lIns="91440" tIns="45720" rIns="91440" bIns="45720" rtlCol="0" anchor="ctr">
+            <a:noAutofit/>
+          </a:bodyPr>
+          <a:lstStyle>
+            <a:lvl1pPr>
+              <a:spcBef>
+                <a:spcPct val="0"/>
+              </a:spcBef>
+              <a:buNone/>
+              <a:defRPr sz="3200" b="0" cap="all">
+                <a:ln w="3175" cmpd="sng">
+                  <a:noFill/>
+                </a:ln>
+                <a:effectLst>
+                  <a:glow rad="38100">
+                    <a:schemeClr val="bg1">
+                      <a:lumMod val="65000"/>
+                      <a:lumOff val="35000"/>
+                      <a:alpha val="40000"/>
+                    </a:schemeClr>
+                  </a:glow>
+                  <a:outerShdw blurRad="28575" dist="38100" dir="14040000" algn="tl" rotWithShape="0">
+                    <a:srgbClr val="000000">
+                      <a:alpha val="25000"/>
+                    </a:srgbClr>
+                  </a:outerShdw>
+                </a:effectLst>
+              </a:defRPr>
+            </a:lvl1pPr>
+            <a:lvl2pPr>
+              <a:defRPr>
+                <a:solidFill>
+                  <a:schemeClr val="tx2"/>
+                </a:solidFill>
+              </a:defRPr>
+            </a:lvl2pPr>
+            <a:lvl3pPr>
+              <a:defRPr>
+                <a:solidFill>
+                  <a:schemeClr val="tx2"/>
+                </a:solidFill>
+              </a:defRPr>
+            </a:lvl3pPr>
+            <a:lvl4pPr>
+              <a:defRPr>
+                <a:solidFill>
+                  <a:schemeClr val="tx2"/>
+                </a:solidFill>
+              </a:defRPr>
+            </a:lvl4pPr>
+            <a:lvl5pPr>
+              <a:defRPr>
+                <a:solidFill>
+                  <a:schemeClr val="tx2"/>
+                </a:solidFill>
+              </a:defRPr>
+            </a:lvl5pPr>
+            <a:lvl6pPr>
+              <a:defRPr>
+                <a:solidFill>
+                  <a:schemeClr val="tx2"/>
+                </a:solidFill>
+              </a:defRPr>
+            </a:lvl6pPr>
+            <a:lvl7pPr>
+              <a:defRPr>
+                <a:solidFill>
+                  <a:schemeClr val="tx2"/>
+                </a:solidFill>
+              </a:defRPr>
+            </a:lvl7pPr>
+            <a:lvl8pPr>
+              <a:defRPr>
+                <a:solidFill>
+                  <a:schemeClr val="tx2"/>
+                </a:solidFill>
+              </a:defRPr>
+            </a:lvl8pPr>
+            <a:lvl9pPr>
+              <a:defRPr>
+                <a:solidFill>
+                  <a:schemeClr val="tx2"/>
+                </a:solidFill>
+              </a:defRPr>
+            </a:lvl9pPr>
+          </a:lstStyle>
+          <a:p>
+            <a:pPr lvl="0" algn="r"/>
+            <a:r>
+              <a:rPr lang="en-US" sz="8000" dirty="0">
+                <a:solidFill>
+                  <a:schemeClr val="tx1"/>
+                </a:solidFill>
+                <a:effectLst/>
+              </a:rPr>
+              <a:t>”</a:t>
+            </a:r>
+          </a:p>
+        </p:txBody>
+      </p:sp>
+      <p:sp>
+        <p:nvSpPr>
+          <p:cNvPr id="2" name="Title 1"/>
+          <p:cNvSpPr>
+            <a:spLocks noGrp="1"/>
+          </p:cNvSpPr>
+          <p:nvPr>
+            <p:ph type="title"/>
+          </p:nvPr>
+        </p:nvSpPr>
+        <p:spPr>
+          <a:xfrm>
+            <a:off x="2208212" y="685800"/>
+            <a:ext cx="8990012" cy="2743199"/>
+          </a:xfrm>
+        </p:spPr>
+        <p:txBody>
+          <a:bodyPr anchor="ctr">
+            <a:normAutofit/>
+          </a:bodyPr>
+          <a:lstStyle>
+            <a:lvl1pPr algn="ctr">
+              <a:defRPr sz="3200" b="0" cap="none">
+                <a:solidFill>
+                  <a:schemeClr val="tx1"/>
+                </a:solidFill>
+              </a:defRPr>
+            </a:lvl1pPr>
+          </a:lstStyle>
+          <a:p>
+            <a:r>
+              <a:rPr lang="en-US"/>
+              <a:t>Click to edit Master title style</a:t>
+            </a:r>
+            <a:endParaRPr lang="en-US" dirty="0"/>
+          </a:p>
+        </p:txBody>
+      </p:sp>
+      <p:sp>
+        <p:nvSpPr>
+          <p:cNvPr id="10" name="Text Placeholder 9"/>
+          <p:cNvSpPr>
+            <a:spLocks noGrp="1"/>
+          </p:cNvSpPr>
+          <p:nvPr>
+            <p:ph type="body" sz="quarter" idx="13"/>
+          </p:nvPr>
+        </p:nvSpPr>
+        <p:spPr>
+          <a:xfrm>
+            <a:off x="1484313" y="3886200"/>
+            <a:ext cx="10018710" cy="889000"/>
+          </a:xfrm>
+        </p:spPr>
+        <p:txBody>
+          <a:bodyPr vert="horz" lIns="91440" tIns="45720" rIns="91440" bIns="45720" rtlCol="0" anchor="b">
+            <a:normAutofit/>
+          </a:bodyPr>
+          <a:lstStyle>
+            <a:lvl1pPr algn="r">
+              <a:buNone/>
+              <a:defRPr lang="en-US" sz="2400" b="0" cap="none" dirty="0">
+                <a:ln w="3175" cmpd="sng">
+                  <a:noFill/>
+                </a:ln>
+                <a:solidFill>
+                  <a:schemeClr val="tx1"/>
+                </a:solidFill>
+                <a:effectLst/>
+              </a:defRPr>
+            </a:lvl1pPr>
+          </a:lstStyle>
+          <a:p>
+            <a:pPr marL="0" lvl="0">
+              <a:spcBef>
+                <a:spcPct val="0"/>
+              </a:spcBef>
+              <a:buNone/>
+            </a:pPr>
+            <a:r>
+              <a:rPr lang="en-US"/>
+              <a:t>Click to edit Master text styles</a:t>
+            </a:r>
+          </a:p>
+        </p:txBody>
+      </p:sp>
+      <p:sp>
+        <p:nvSpPr>
+          <p:cNvPr id="3" name="Text Placeholder 2"/>
+          <p:cNvSpPr>
+            <a:spLocks noGrp="1"/>
+          </p:cNvSpPr>
+          <p:nvPr>
+            <p:ph type="body" idx="1"/>
+          </p:nvPr>
+        </p:nvSpPr>
+        <p:spPr>
+          <a:xfrm>
+            <a:off x="1484312" y="4775200"/>
+            <a:ext cx="10018710" cy="1016000"/>
+          </a:xfrm>
+        </p:spPr>
+        <p:txBody>
+          <a:bodyPr anchor="t">
+            <a:normAutofit/>
+          </a:bodyPr>
+          <a:lstStyle>
+            <a:lvl1pPr marL="0" indent="0" algn="r">
+              <a:buNone/>
+              <a:defRPr sz="1800">
+                <a:solidFill>
+                  <a:schemeClr val="tx1"/>
+                </a:solidFill>
+              </a:defRPr>
+            </a:lvl1pPr>
+            <a:lvl2pPr marL="457200" indent="0">
+              <a:buNone/>
+              <a:defRPr sz="1800">
+                <a:solidFill>
+                  <a:schemeClr val="tx1">
+                    <a:tint val="75000"/>
+                  </a:schemeClr>
+                </a:solidFill>
+              </a:defRPr>
+            </a:lvl2pPr>
+            <a:lvl3pPr marL="914400" indent="0">
+              <a:buNone/>
+              <a:defRPr sz="1600">
+                <a:solidFill>
+                  <a:schemeClr val="tx1">
+                    <a:tint val="75000"/>
+                  </a:schemeClr>
+                </a:solidFill>
+              </a:defRPr>
+            </a:lvl3pPr>
+            <a:lvl4pPr marL="1371600" indent="0">
+              <a:buNone/>
+              <a:defRPr sz="1400">
+                <a:solidFill>
+                  <a:schemeClr val="tx1">
+                    <a:tint val="75000"/>
+                  </a:schemeClr>
+                </a:solidFill>
+              </a:defRPr>
+            </a:lvl4pPr>
+            <a:lvl5pPr marL="1828800" indent="0">
+              <a:buNone/>
+              <a:defRPr sz="1400">
+                <a:solidFill>
+                  <a:schemeClr val="tx1">
+                    <a:tint val="75000"/>
+                  </a:schemeClr>
+                </a:solidFill>
+              </a:defRPr>
+            </a:lvl5pPr>
+            <a:lvl6pPr marL="2286000" indent="0">
+              <a:buNone/>
+              <a:defRPr sz="1400">
+                <a:solidFill>
+                  <a:schemeClr val="tx1">
+                    <a:tint val="75000"/>
+                  </a:schemeClr>
+                </a:solidFill>
+              </a:defRPr>
+            </a:lvl6pPr>
+            <a:lvl7pPr marL="2743200" indent="0">
+              <a:buNone/>
+              <a:defRPr sz="1400">
+                <a:solidFill>
+                  <a:schemeClr val="tx1">
+                    <a:tint val="75000"/>
+                  </a:schemeClr>
+                </a:solidFill>
+              </a:defRPr>
+            </a:lvl7pPr>
+            <a:lvl8pPr marL="3200400" indent="0">
+              <a:buNone/>
+              <a:defRPr sz="1400">
+                <a:solidFill>
+                  <a:schemeClr val="tx1">
+                    <a:tint val="75000"/>
+                  </a:schemeClr>
+                </a:solidFill>
+              </a:defRPr>
+            </a:lvl8pPr>
+            <a:lvl9pPr marL="3657600" indent="0">
+              <a:buNone/>
+              <a:defRPr sz="1400">
+                <a:solidFill>
+                  <a:schemeClr val="tx1">
+                    <a:tint val="75000"/>
+                  </a:schemeClr>
+                </a:solidFill>
+              </a:defRPr>
+            </a:lvl9pPr>
+          </a:lstStyle>
+          <a:p>
+            <a:pPr lvl="0"/>
+            <a:r>
+              <a:rPr lang="en-US"/>
+              <a:t>Click to edit Master text styles</a:t>
+            </a:r>
+          </a:p>
+        </p:txBody>
+      </p:sp>
+      <p:sp>
+        <p:nvSpPr>
+          <p:cNvPr id="4" name="Date Placeholder 3"/>
+          <p:cNvSpPr>
+            <a:spLocks noGrp="1"/>
+          </p:cNvSpPr>
+          <p:nvPr>
+            <p:ph type="dt" sz="half" idx="10"/>
+          </p:nvPr>
+        </p:nvSpPr>
+        <p:spPr/>
+        <p:txBody>
+          <a:bodyPr/>
+          <a:lstStyle/>
+          <a:p>
+            <a:fld id="{1F7CAC8B-306A-43E7-A73E-B37C45497C0F}" type="datetimeFigureOut">
+              <a:rPr lang="en-US" smtClean="0"/>
+              <a:t>8/12/2024</a:t>
+            </a:fld>
+            <a:endParaRPr lang="en-US"/>
+          </a:p>
+        </p:txBody>
+      </p:sp>
+      <p:sp>
+        <p:nvSpPr>
+          <p:cNvPr id="5" name="Footer Placeholder 4"/>
+          <p:cNvSpPr>
+            <a:spLocks noGrp="1"/>
+          </p:cNvSpPr>
+          <p:nvPr>
+            <p:ph type="ftr" sz="quarter" idx="11"/>
+          </p:nvPr>
+        </p:nvSpPr>
+        <p:spPr/>
+        <p:txBody>
+          <a:bodyPr/>
+          <a:lstStyle/>
+          <a:p>
+            <a:endParaRPr lang="en-US"/>
+          </a:p>
+        </p:txBody>
+      </p:sp>
+      <p:sp>
+        <p:nvSpPr>
+          <p:cNvPr id="6" name="Slide Number Placeholder 5"/>
+          <p:cNvSpPr>
+            <a:spLocks noGrp="1"/>
+          </p:cNvSpPr>
+          <p:nvPr>
+            <p:ph type="sldNum" sz="quarter" idx="12"/>
+          </p:nvPr>
+        </p:nvSpPr>
+        <p:spPr/>
+        <p:txBody>
+          <a:bodyPr/>
+          <a:lstStyle/>
+          <a:p>
+            <a:fld id="{445C00BC-3B33-47CD-BF33-01C3087BB30B}" type="slidenum">
+              <a:rPr lang="en-US" smtClean="0"/>
+              <a:t>‹#›</a:t>
+            </a:fld>
+            <a:endParaRPr lang="en-US"/>
+          </a:p>
+        </p:txBody>
+      </p:sp>
+    </p:spTree>
+    <p:extLst>
+      <p:ext uri="{BB962C8B-B14F-4D97-AF65-F5344CB8AC3E}">
+        <p14:creationId xmlns:p14="http://schemas.microsoft.com/office/powerpoint/2010/main" val="3910648742"/>
+      </p:ext>
+    </p:extLst>
+  </p:cSld>
+  <p:clrMapOvr>
+    <a:masterClrMapping/>
+  </p:clrMapOvr>
+</p:sldLayout>
+</file>
+
+<file path=ppt/slideLayouts/slideLayout15.xml><?xml version="1.0" encoding="utf-8"?>
+<p:sldLayout xmlns:a="http://schemas.openxmlformats.org/drawingml/2006/main" xmlns:r="http://schemas.openxmlformats.org/officeDocument/2006/relationships" xmlns:p="http://schemas.openxmlformats.org/presentationml/2006/main" preserve="1">
+  <p:cSld name="True or False">
+    <p:spTree>
+      <p:nvGrpSpPr>
+        <p:cNvPr id="1" name=""/>
+        <p:cNvGrpSpPr/>
+        <p:nvPr/>
+      </p:nvGrpSpPr>
+      <p:grpSpPr>
+        <a:xfrm>
+          <a:off x="0" y="0"/>
+          <a:ext cx="0" cy="0"/>
+          <a:chOff x="0" y="0"/>
+          <a:chExt cx="0" cy="0"/>
+        </a:xfrm>
+      </p:grpSpPr>
+      <p:sp>
+        <p:nvSpPr>
+          <p:cNvPr id="2" name="Title 1"/>
+          <p:cNvSpPr>
+            <a:spLocks noGrp="1"/>
+          </p:cNvSpPr>
+          <p:nvPr>
+            <p:ph type="title"/>
+          </p:nvPr>
+        </p:nvSpPr>
+        <p:spPr>
+          <a:xfrm>
+            <a:off x="1484313" y="685800"/>
+            <a:ext cx="10018712" cy="2727325"/>
+          </a:xfrm>
+        </p:spPr>
+        <p:txBody>
+          <a:bodyPr vert="horz" lIns="91440" tIns="45720" rIns="91440" bIns="45720" rtlCol="0" anchor="ctr">
+            <a:normAutofit/>
+          </a:bodyPr>
+          <a:lstStyle>
+            <a:lvl1pPr>
+              <a:defRPr lang="en-US" b="0" dirty="0"/>
+            </a:lvl1pPr>
+          </a:lstStyle>
+          <a:p>
+            <a:pPr marL="0" lvl="0"/>
+            <a:r>
+              <a:rPr lang="en-US"/>
+              <a:t>Click to edit Master title style</a:t>
+            </a:r>
+            <a:endParaRPr lang="en-US" dirty="0"/>
+          </a:p>
+        </p:txBody>
+      </p:sp>
+      <p:sp>
+        <p:nvSpPr>
+          <p:cNvPr id="10" name="Text Placeholder 9"/>
+          <p:cNvSpPr>
+            <a:spLocks noGrp="1"/>
+          </p:cNvSpPr>
+          <p:nvPr>
+            <p:ph type="body" sz="quarter" idx="13"/>
+          </p:nvPr>
+        </p:nvSpPr>
+        <p:spPr>
+          <a:xfrm>
+            <a:off x="1484312" y="3505200"/>
+            <a:ext cx="10018713" cy="838200"/>
+          </a:xfrm>
+        </p:spPr>
+        <p:txBody>
+          <a:bodyPr vert="horz" lIns="91440" tIns="45720" rIns="91440" bIns="45720" rtlCol="0" anchor="b">
+            <a:normAutofit/>
+          </a:bodyPr>
+          <a:lstStyle>
+            <a:lvl1pPr>
+              <a:buNone/>
+              <a:defRPr lang="en-US" sz="2800" b="0" cap="none" dirty="0">
+                <a:ln w="3175" cmpd="sng">
+                  <a:noFill/>
+                </a:ln>
+                <a:solidFill>
+                  <a:schemeClr val="tx1"/>
+                </a:solidFill>
+                <a:effectLst/>
+              </a:defRPr>
+            </a:lvl1pPr>
+          </a:lstStyle>
+          <a:p>
+            <a:pPr marL="0" lvl="0">
+              <a:spcBef>
+                <a:spcPct val="0"/>
+              </a:spcBef>
+              <a:buNone/>
+            </a:pPr>
+            <a:r>
+              <a:rPr lang="en-US"/>
+              <a:t>Click to edit Master text styles</a:t>
+            </a:r>
+          </a:p>
+        </p:txBody>
+      </p:sp>
+      <p:sp>
+        <p:nvSpPr>
+          <p:cNvPr id="3" name="Text Placeholder 2"/>
+          <p:cNvSpPr>
+            <a:spLocks noGrp="1"/>
+          </p:cNvSpPr>
+          <p:nvPr>
+            <p:ph type="body" idx="1"/>
+          </p:nvPr>
+        </p:nvSpPr>
+        <p:spPr>
+          <a:xfrm>
+            <a:off x="1484311" y="4343400"/>
+            <a:ext cx="10018713" cy="1447800"/>
+          </a:xfrm>
+        </p:spPr>
+        <p:txBody>
+          <a:bodyPr anchor="t">
+            <a:normAutofit/>
+          </a:bodyPr>
+          <a:lstStyle>
+            <a:lvl1pPr marL="0" indent="0" algn="l">
+              <a:buNone/>
+              <a:defRPr sz="1800">
+                <a:solidFill>
+                  <a:schemeClr val="tx1"/>
+                </a:solidFill>
+              </a:defRPr>
+            </a:lvl1pPr>
+            <a:lvl2pPr marL="457200" indent="0">
+              <a:buNone/>
+              <a:defRPr sz="1800">
+                <a:solidFill>
+                  <a:schemeClr val="tx1">
+                    <a:tint val="75000"/>
+                  </a:schemeClr>
+                </a:solidFill>
+              </a:defRPr>
+            </a:lvl2pPr>
+            <a:lvl3pPr marL="914400" indent="0">
+              <a:buNone/>
+              <a:defRPr sz="1600">
+                <a:solidFill>
+                  <a:schemeClr val="tx1">
+                    <a:tint val="75000"/>
+                  </a:schemeClr>
+                </a:solidFill>
+              </a:defRPr>
+            </a:lvl3pPr>
+            <a:lvl4pPr marL="1371600" indent="0">
+              <a:buNone/>
+              <a:defRPr sz="1400">
+                <a:solidFill>
+                  <a:schemeClr val="tx1">
+                    <a:tint val="75000"/>
+                  </a:schemeClr>
+                </a:solidFill>
+              </a:defRPr>
+            </a:lvl4pPr>
+            <a:lvl5pPr marL="1828800" indent="0">
+              <a:buNone/>
+              <a:defRPr sz="1400">
+                <a:solidFill>
+                  <a:schemeClr val="tx1">
+                    <a:tint val="75000"/>
+                  </a:schemeClr>
+                </a:solidFill>
+              </a:defRPr>
+            </a:lvl5pPr>
+            <a:lvl6pPr marL="2286000" indent="0">
+              <a:buNone/>
+              <a:defRPr sz="1400">
+                <a:solidFill>
+                  <a:schemeClr val="tx1">
+                    <a:tint val="75000"/>
+                  </a:schemeClr>
+                </a:solidFill>
+              </a:defRPr>
+            </a:lvl6pPr>
+            <a:lvl7pPr marL="2743200" indent="0">
+              <a:buNone/>
+              <a:defRPr sz="1400">
+                <a:solidFill>
+                  <a:schemeClr val="tx1">
+                    <a:tint val="75000"/>
+                  </a:schemeClr>
+                </a:solidFill>
+              </a:defRPr>
+            </a:lvl7pPr>
+            <a:lvl8pPr marL="3200400" indent="0">
+              <a:buNone/>
+              <a:defRPr sz="1400">
+                <a:solidFill>
+                  <a:schemeClr val="tx1">
+                    <a:tint val="75000"/>
+                  </a:schemeClr>
+                </a:solidFill>
+              </a:defRPr>
+            </a:lvl8pPr>
+            <a:lvl9pPr marL="3657600" indent="0">
+              <a:buNone/>
+              <a:defRPr sz="1400">
+                <a:solidFill>
+                  <a:schemeClr val="tx1">
+                    <a:tint val="75000"/>
+                  </a:schemeClr>
+                </a:solidFill>
+              </a:defRPr>
+            </a:lvl9pPr>
+          </a:lstStyle>
+          <a:p>
+            <a:pPr lvl="0"/>
+            <a:r>
+              <a:rPr lang="en-US"/>
+              <a:t>Click to edit Master text styles</a:t>
+            </a:r>
+          </a:p>
+        </p:txBody>
+      </p:sp>
+      <p:sp>
+        <p:nvSpPr>
+          <p:cNvPr id="4" name="Date Placeholder 3"/>
+          <p:cNvSpPr>
+            <a:spLocks noGrp="1"/>
+          </p:cNvSpPr>
+          <p:nvPr>
+            <p:ph type="dt" sz="half" idx="10"/>
+          </p:nvPr>
+        </p:nvSpPr>
+        <p:spPr/>
+        <p:txBody>
+          <a:bodyPr/>
+          <a:lstStyle/>
+          <a:p>
+            <a:fld id="{1F7CAC8B-306A-43E7-A73E-B37C45497C0F}" type="datetimeFigureOut">
+              <a:rPr lang="en-US" smtClean="0"/>
+              <a:t>8/12/2024</a:t>
+            </a:fld>
+            <a:endParaRPr lang="en-US"/>
+          </a:p>
+        </p:txBody>
+      </p:sp>
+      <p:sp>
+        <p:nvSpPr>
+          <p:cNvPr id="5" name="Footer Placeholder 4"/>
+          <p:cNvSpPr>
+            <a:spLocks noGrp="1"/>
+          </p:cNvSpPr>
+          <p:nvPr>
+            <p:ph type="ftr" sz="quarter" idx="11"/>
+          </p:nvPr>
+        </p:nvSpPr>
+        <p:spPr/>
+        <p:txBody>
+          <a:bodyPr/>
+          <a:lstStyle/>
+          <a:p>
+            <a:endParaRPr lang="en-US"/>
+          </a:p>
+        </p:txBody>
+      </p:sp>
+      <p:sp>
+        <p:nvSpPr>
+          <p:cNvPr id="6" name="Slide Number Placeholder 5"/>
+          <p:cNvSpPr>
+            <a:spLocks noGrp="1"/>
+          </p:cNvSpPr>
+          <p:nvPr>
+            <p:ph type="sldNum" sz="quarter" idx="12"/>
+          </p:nvPr>
+        </p:nvSpPr>
+        <p:spPr/>
+        <p:txBody>
+          <a:bodyPr/>
+          <a:lstStyle/>
+          <a:p>
+            <a:fld id="{445C00BC-3B33-47CD-BF33-01C3087BB30B}" type="slidenum">
+              <a:rPr lang="en-US" smtClean="0"/>
+              <a:t>‹#›</a:t>
+            </a:fld>
+            <a:endParaRPr lang="en-US"/>
+          </a:p>
+        </p:txBody>
+      </p:sp>
+    </p:spTree>
+    <p:extLst>
+      <p:ext uri="{BB962C8B-B14F-4D97-AF65-F5344CB8AC3E}">
+        <p14:creationId xmlns:p14="http://schemas.microsoft.com/office/powerpoint/2010/main" val="1331062003"/>
+      </p:ext>
+    </p:extLst>
+  </p:cSld>
+  <p:clrMapOvr>
+    <a:masterClrMapping/>
+  </p:clrMapOvr>
+</p:sldLayout>
+</file>
+
+<file path=ppt/slideLayouts/slideLayout16.xml><?xml version="1.0" encoding="utf-8"?>
 <p:sldLayout xmlns:a="http://schemas.openxmlformats.org/drawingml/2006/main" xmlns:r="http://schemas.openxmlformats.org/officeDocument/2006/relationships" xmlns:p="http://schemas.openxmlformats.org/presentationml/2006/main" type="vertTx" preserve="1">
   <p:cSld name="Title and Vertical Text">
     <p:spTree>
@@ -347,18 +2856,91 @@
       </p:grpSpPr>
       <p:sp>
         <p:nvSpPr>
-          <p:cNvPr id="2" name="Title 1">
-            <a:extLst>
-              <a:ext uri="{FF2B5EF4-FFF2-40B4-BE49-F238E27FC236}">
-                <a16:creationId xmlns:a16="http://schemas.microsoft.com/office/drawing/2014/main" id="{D21FB212-0B30-3B5C-A021-7A271B0B0678}"/>
-              </a:ext>
-            </a:extLst>
-          </p:cNvPr>
+          <p:cNvPr id="2" name="Title 1"/>
           <p:cNvSpPr>
             <a:spLocks noGrp="1"/>
           </p:cNvSpPr>
           <p:nvPr>
             <p:ph type="title"/>
+          </p:nvPr>
+        </p:nvSpPr>
+        <p:spPr/>
+        <p:txBody>
+          <a:bodyPr/>
+          <a:lstStyle>
+            <a:lvl1pPr algn="ctr">
+              <a:defRPr/>
+            </a:lvl1pPr>
+          </a:lstStyle>
+          <a:p>
+            <a:r>
+              <a:rPr lang="en-US"/>
+              <a:t>Click to edit Master title style</a:t>
+            </a:r>
+            <a:endParaRPr lang="en-US" dirty="0"/>
+          </a:p>
+        </p:txBody>
+      </p:sp>
+      <p:sp>
+        <p:nvSpPr>
+          <p:cNvPr id="3" name="Vertical Text Placeholder 2"/>
+          <p:cNvSpPr>
+            <a:spLocks noGrp="1"/>
+          </p:cNvSpPr>
+          <p:nvPr>
+            <p:ph type="body" orient="vert" idx="1"/>
+          </p:nvPr>
+        </p:nvSpPr>
+        <p:spPr/>
+        <p:txBody>
+          <a:bodyPr vert="eaVert" anchor="t"/>
+          <a:lstStyle/>
+          <a:p>
+            <a:pPr lvl="0"/>
+            <a:r>
+              <a:rPr lang="en-US"/>
+              <a:t>Click to edit Master text styles</a:t>
+            </a:r>
+          </a:p>
+          <a:p>
+            <a:pPr lvl="1"/>
+            <a:r>
+              <a:rPr lang="en-US"/>
+              <a:t>Second level</a:t>
+            </a:r>
+          </a:p>
+          <a:p>
+            <a:pPr lvl="2"/>
+            <a:r>
+              <a:rPr lang="en-US"/>
+              <a:t>Third level</a:t>
+            </a:r>
+          </a:p>
+          <a:p>
+            <a:pPr lvl="3"/>
+            <a:r>
+              <a:rPr lang="en-US"/>
+              <a:t>Fourth level</a:t>
+            </a:r>
+          </a:p>
+          <a:p>
+            <a:pPr lvl="4"/>
+            <a:r>
+              <a:rPr lang="en-US"/>
+              <a:t>Fifth level</a:t>
+            </a:r>
+            <a:endParaRPr lang="en-US" dirty="0"/>
+          </a:p>
+        </p:txBody>
+      </p:sp>
+      <p:sp>
+        <p:nvSpPr>
+          <p:cNvPr id="4" name="Date Placeholder 3"/>
+          <p:cNvSpPr>
+            <a:spLocks noGrp="1"/>
+          </p:cNvSpPr>
+          <p:nvPr>
+            <p:ph type="dt" sz="half" idx="10"/>
           </p:nvPr>
         </p:nvSpPr>
         <p:spPr/>
@@ -366,84 +2948,22 @@
           <a:bodyPr/>
           <a:lstStyle/>
           <a:p>
-            <a:r>
-              <a:rPr lang="en-US"/>
-              <a:t>Click to edit Master title style</a:t>
-            </a:r>
-          </a:p>
-        </p:txBody>
-      </p:sp>
-      <p:sp>
-        <p:nvSpPr>
-          <p:cNvPr id="3" name="Vertical Text Placeholder 2">
-            <a:extLst>
-              <a:ext uri="{FF2B5EF4-FFF2-40B4-BE49-F238E27FC236}">
-                <a16:creationId xmlns:a16="http://schemas.microsoft.com/office/drawing/2014/main" id="{C3827F5F-8EAB-AC19-DA4E-032E59011AC7}"/>
-              </a:ext>
-            </a:extLst>
-          </p:cNvPr>
-          <p:cNvSpPr>
-            <a:spLocks noGrp="1"/>
-          </p:cNvSpPr>
-          <p:nvPr>
-            <p:ph type="body" orient="vert" idx="1"/>
-          </p:nvPr>
-        </p:nvSpPr>
-        <p:spPr/>
-        <p:txBody>
-          <a:bodyPr vert="eaVert"/>
-          <a:lstStyle/>
-          <a:p>
-            <a:pPr lvl="0"/>
-            <a:r>
-              <a:rPr lang="en-US"/>
-              <a:t>Click to edit Master text styles</a:t>
-            </a:r>
-          </a:p>
-          <a:p>
-            <a:pPr lvl="1"/>
-            <a:r>
-              <a:rPr lang="en-US"/>
-              <a:t>Second level</a:t>
-            </a:r>
-          </a:p>
-          <a:p>
-            <a:pPr lvl="2"/>
-            <a:r>
-              <a:rPr lang="en-US"/>
-              <a:t>Third level</a:t>
-            </a:r>
-          </a:p>
-          <a:p>
-            <a:pPr lvl="3"/>
-            <a:r>
-              <a:rPr lang="en-US"/>
-              <a:t>Fourth level</a:t>
-            </a:r>
-          </a:p>
-          <a:p>
-            <a:pPr lvl="4"/>
-            <a:r>
-              <a:rPr lang="en-US"/>
-              <a:t>Fifth level</a:t>
-            </a:r>
-          </a:p>
-        </p:txBody>
-      </p:sp>
-      <p:sp>
-        <p:nvSpPr>
-          <p:cNvPr id="4" name="Date Placeholder 3">
-            <a:extLst>
-              <a:ext uri="{FF2B5EF4-FFF2-40B4-BE49-F238E27FC236}">
-                <a16:creationId xmlns:a16="http://schemas.microsoft.com/office/drawing/2014/main" id="{ED9DA28E-3B6D-31AF-BCAE-9632BD693E3E}"/>
-              </a:ext>
-            </a:extLst>
-          </p:cNvPr>
-          <p:cNvSpPr>
-            <a:spLocks noGrp="1"/>
-          </p:cNvSpPr>
-          <p:nvPr>
-            <p:ph type="dt" sz="half" idx="10"/>
+            <a:fld id="{1F7CAC8B-306A-43E7-A73E-B37C45497C0F}" type="datetimeFigureOut">
+              <a:rPr lang="en-US" smtClean="0"/>
+              <a:t>8/12/2024</a:t>
+            </a:fld>
+            <a:endParaRPr lang="en-US"/>
+          </a:p>
+        </p:txBody>
+      </p:sp>
+      <p:sp>
+        <p:nvSpPr>
+          <p:cNvPr id="5" name="Footer Placeholder 4"/>
+          <p:cNvSpPr>
+            <a:spLocks noGrp="1"/>
+          </p:cNvSpPr>
+          <p:nvPr>
+            <p:ph type="ftr" sz="quarter" idx="11"/>
           </p:nvPr>
         </p:nvSpPr>
         <p:spPr/>
@@ -451,48 +2971,13 @@
           <a:bodyPr/>
           <a:lstStyle/>
           <a:p>
-            <a:fld id="{1F7CAC8B-306A-43E7-A73E-B37C45497C0F}" type="datetimeFigureOut">
-              <a:rPr lang="en-US" smtClean="0"/>
-              <a:t>8/11/2024</a:t>
-            </a:fld>
             <a:endParaRPr lang="en-US"/>
           </a:p>
         </p:txBody>
       </p:sp>
       <p:sp>
         <p:nvSpPr>
-          <p:cNvPr id="5" name="Footer Placeholder 4">
-            <a:extLst>
-              <a:ext uri="{FF2B5EF4-FFF2-40B4-BE49-F238E27FC236}">
-                <a16:creationId xmlns:a16="http://schemas.microsoft.com/office/drawing/2014/main" id="{8B09322B-E541-764B-E437-649F8A85C911}"/>
-              </a:ext>
-            </a:extLst>
-          </p:cNvPr>
-          <p:cNvSpPr>
-            <a:spLocks noGrp="1"/>
-          </p:cNvSpPr>
-          <p:nvPr>
-            <p:ph type="ftr" sz="quarter" idx="11"/>
-          </p:nvPr>
-        </p:nvSpPr>
-        <p:spPr/>
-        <p:txBody>
-          <a:bodyPr/>
-          <a:lstStyle/>
-          <a:p>
-            <a:endParaRPr lang="en-US"/>
-          </a:p>
-        </p:txBody>
-      </p:sp>
-      <p:sp>
-        <p:nvSpPr>
-          <p:cNvPr id="6" name="Slide Number Placeholder 5">
-            <a:extLst>
-              <a:ext uri="{FF2B5EF4-FFF2-40B4-BE49-F238E27FC236}">
-                <a16:creationId xmlns:a16="http://schemas.microsoft.com/office/drawing/2014/main" id="{0ED525C5-23B6-785D-0A8B-D65ADB9AC567}"/>
-              </a:ext>
-            </a:extLst>
-          </p:cNvPr>
+          <p:cNvPr id="6" name="Slide Number Placeholder 5"/>
           <p:cNvSpPr>
             <a:spLocks noGrp="1"/>
           </p:cNvSpPr>
@@ -516,7 +3001,7 @@
     </p:spTree>
     <p:extLst>
       <p:ext uri="{BB962C8B-B14F-4D97-AF65-F5344CB8AC3E}">
-        <p14:creationId xmlns:p14="http://schemas.microsoft.com/office/powerpoint/2010/main" val="190026674"/>
+        <p14:creationId xmlns:p14="http://schemas.microsoft.com/office/powerpoint/2010/main" val="3185478763"/>
       </p:ext>
     </p:extLst>
   </p:cSld>
@@ -526,7 +3011,7 @@
 </p:sldLayout>
 </file>
 
-<file path=ppt/slideLayouts/slideLayout11.xml><?xml version="1.0" encoding="utf-8"?>
+<file path=ppt/slideLayouts/slideLayout17.xml><?xml version="1.0" encoding="utf-8"?>
 <p:sldLayout xmlns:a="http://schemas.openxmlformats.org/drawingml/2006/main" xmlns:r="http://schemas.openxmlformats.org/officeDocument/2006/relationships" xmlns:p="http://schemas.openxmlformats.org/presentationml/2006/main" type="vertTitleAndTx" preserve="1">
   <p:cSld name="Vertical Title and Text">
     <p:spTree>
@@ -545,13 +3030,7 @@
       </p:grpSpPr>
       <p:sp>
         <p:nvSpPr>
-          <p:cNvPr id="2" name="Vertical Title 1">
-            <a:extLst>
-              <a:ext uri="{FF2B5EF4-FFF2-40B4-BE49-F238E27FC236}">
-                <a16:creationId xmlns:a16="http://schemas.microsoft.com/office/drawing/2014/main" id="{9FC1E362-B5C1-4311-A221-3836F0289AFE}"/>
-              </a:ext>
-            </a:extLst>
-          </p:cNvPr>
+          <p:cNvPr id="2" name="Vertical Title 1"/>
           <p:cNvSpPr>
             <a:spLocks noGrp="1"/>
           </p:cNvSpPr>
@@ -561,8 +3040,8 @@
         </p:nvSpPr>
         <p:spPr>
           <a:xfrm>
-            <a:off x="8724900" y="365125"/>
-            <a:ext cx="2628900" cy="5811838"/>
+            <a:off x="9732655" y="685800"/>
+            <a:ext cx="1770369" cy="5105400"/>
           </a:xfrm>
         </p:spPr>
         <p:txBody>
@@ -573,18 +3052,13 @@
               <a:rPr lang="en-US"/>
               <a:t>Click to edit Master title style</a:t>
             </a:r>
-          </a:p>
-        </p:txBody>
-      </p:sp>
-      <p:sp>
-        <p:nvSpPr>
-          <p:cNvPr id="3" name="Vertical Text Placeholder 2">
-            <a:extLst>
-              <a:ext uri="{FF2B5EF4-FFF2-40B4-BE49-F238E27FC236}">
-                <a16:creationId xmlns:a16="http://schemas.microsoft.com/office/drawing/2014/main" id="{D81E4713-37E5-858A-2965-7D174F5E0910}"/>
-              </a:ext>
-            </a:extLst>
-          </p:cNvPr>
+            <a:endParaRPr lang="en-US" dirty="0"/>
+          </a:p>
+        </p:txBody>
+      </p:sp>
+      <p:sp>
+        <p:nvSpPr>
+          <p:cNvPr id="3" name="Vertical Text Placeholder 2"/>
           <p:cNvSpPr>
             <a:spLocks noGrp="1"/>
           </p:cNvSpPr>
@@ -594,12 +3068,12 @@
         </p:nvSpPr>
         <p:spPr>
           <a:xfrm>
-            <a:off x="838200" y="365125"/>
-            <a:ext cx="7734300" cy="5811838"/>
+            <a:off x="1484312" y="685800"/>
+            <a:ext cx="8019742" cy="5105400"/>
           </a:xfrm>
         </p:spPr>
         <p:txBody>
-          <a:bodyPr vert="eaVert"/>
+          <a:bodyPr vert="eaVert" anchor="t"/>
           <a:lstStyle/>
           <a:p>
             <a:pPr lvl="0"/>
@@ -635,18 +3109,13 @@
               <a:rPr lang="en-US"/>
               <a:t>Fifth level</a:t>
             </a:r>
-          </a:p>
-        </p:txBody>
-      </p:sp>
-      <p:sp>
-        <p:nvSpPr>
-          <p:cNvPr id="4" name="Date Placeholder 3">
-            <a:extLst>
-              <a:ext uri="{FF2B5EF4-FFF2-40B4-BE49-F238E27FC236}">
-                <a16:creationId xmlns:a16="http://schemas.microsoft.com/office/drawing/2014/main" id="{1769CDC4-D158-EA8D-BC2F-30222738897F}"/>
-              </a:ext>
-            </a:extLst>
-          </p:cNvPr>
+            <a:endParaRPr lang="en-US" dirty="0"/>
+          </a:p>
+        </p:txBody>
+      </p:sp>
+      <p:sp>
+        <p:nvSpPr>
+          <p:cNvPr id="4" name="Date Placeholder 3"/>
           <p:cNvSpPr>
             <a:spLocks noGrp="1"/>
           </p:cNvSpPr>
@@ -661,7 +3130,7 @@
           <a:p>
             <a:fld id="{1F7CAC8B-306A-43E7-A73E-B37C45497C0F}" type="datetimeFigureOut">
               <a:rPr lang="en-US" smtClean="0"/>
-              <a:t>8/11/2024</a:t>
+              <a:t>8/12/2024</a:t>
             </a:fld>
             <a:endParaRPr lang="en-US"/>
           </a:p>
@@ -669,13 +3138,7 @@
       </p:sp>
       <p:sp>
         <p:nvSpPr>
-          <p:cNvPr id="5" name="Footer Placeholder 4">
-            <a:extLst>
-              <a:ext uri="{FF2B5EF4-FFF2-40B4-BE49-F238E27FC236}">
-                <a16:creationId xmlns:a16="http://schemas.microsoft.com/office/drawing/2014/main" id="{00DC2F80-B954-355C-21B0-3CCE080D8D4D}"/>
-              </a:ext>
-            </a:extLst>
-          </p:cNvPr>
+          <p:cNvPr id="5" name="Footer Placeholder 4"/>
           <p:cNvSpPr>
             <a:spLocks noGrp="1"/>
           </p:cNvSpPr>
@@ -694,13 +3157,7 @@
       </p:sp>
       <p:sp>
         <p:nvSpPr>
-          <p:cNvPr id="6" name="Slide Number Placeholder 5">
-            <a:extLst>
-              <a:ext uri="{FF2B5EF4-FFF2-40B4-BE49-F238E27FC236}">
-                <a16:creationId xmlns:a16="http://schemas.microsoft.com/office/drawing/2014/main" id="{643F4F0E-6C93-5467-FE6B-D99072D9952C}"/>
-              </a:ext>
-            </a:extLst>
-          </p:cNvPr>
+          <p:cNvPr id="6" name="Slide Number Placeholder 5"/>
           <p:cNvSpPr>
             <a:spLocks noGrp="1"/>
           </p:cNvSpPr>
@@ -724,7 +3181,7 @@
     </p:spTree>
     <p:extLst>
       <p:ext uri="{BB962C8B-B14F-4D97-AF65-F5344CB8AC3E}">
-        <p14:creationId xmlns:p14="http://schemas.microsoft.com/office/powerpoint/2010/main" val="1096662632"/>
+        <p14:creationId xmlns:p14="http://schemas.microsoft.com/office/powerpoint/2010/main" val="188987874"/>
       </p:ext>
     </p:extLst>
   </p:cSld>
@@ -753,13 +3210,7 @@
       </p:grpSpPr>
       <p:sp>
         <p:nvSpPr>
-          <p:cNvPr id="2" name="Title 1">
-            <a:extLst>
-              <a:ext uri="{FF2B5EF4-FFF2-40B4-BE49-F238E27FC236}">
-                <a16:creationId xmlns:a16="http://schemas.microsoft.com/office/drawing/2014/main" id="{5BE2FC91-C123-6C7E-1186-BE285C7C4F0E}"/>
-              </a:ext>
-            </a:extLst>
-          </p:cNvPr>
+          <p:cNvPr id="2" name="Title 1"/>
           <p:cNvSpPr>
             <a:spLocks noGrp="1"/>
           </p:cNvSpPr>
@@ -776,23 +3227,70 @@
               <a:rPr lang="en-US"/>
               <a:t>Click to edit Master title style</a:t>
             </a:r>
-          </a:p>
-        </p:txBody>
-      </p:sp>
-      <p:sp>
-        <p:nvSpPr>
-          <p:cNvPr id="3" name="Content Placeholder 2">
-            <a:extLst>
-              <a:ext uri="{FF2B5EF4-FFF2-40B4-BE49-F238E27FC236}">
-                <a16:creationId xmlns:a16="http://schemas.microsoft.com/office/drawing/2014/main" id="{749C495D-5C3D-1780-7933-61AFE92CF6E3}"/>
-              </a:ext>
-            </a:extLst>
-          </p:cNvPr>
+            <a:endParaRPr lang="en-US" dirty="0"/>
+          </a:p>
+        </p:txBody>
+      </p:sp>
+      <p:sp>
+        <p:nvSpPr>
+          <p:cNvPr id="3" name="Content Placeholder 2"/>
           <p:cNvSpPr>
             <a:spLocks noGrp="1"/>
           </p:cNvSpPr>
           <p:nvPr>
             <p:ph idx="1"/>
+          </p:nvPr>
+        </p:nvSpPr>
+        <p:spPr/>
+        <p:txBody>
+          <a:bodyPr anchor="ctr"/>
+          <a:lstStyle/>
+          <a:p>
+            <a:pPr lvl="0"/>
+            <a:r>
+              <a:rPr lang="en-US"/>
+              <a:t>Click to edit Master text styles</a:t>
+            </a:r>
+          </a:p>
+          <a:p>
+            <a:pPr lvl="1"/>
+            <a:r>
+              <a:rPr lang="en-US"/>
+              <a:t>Second level</a:t>
+            </a:r>
+          </a:p>
+          <a:p>
+            <a:pPr lvl="2"/>
+            <a:r>
+              <a:rPr lang="en-US"/>
+              <a:t>Third level</a:t>
+            </a:r>
+          </a:p>
+          <a:p>
+            <a:pPr lvl="3"/>
+            <a:r>
+              <a:rPr lang="en-US"/>
+              <a:t>Fourth level</a:t>
+            </a:r>
+          </a:p>
+          <a:p>
+            <a:pPr lvl="4"/>
+            <a:r>
+              <a:rPr lang="en-US"/>
+              <a:t>Fifth level</a:t>
+            </a:r>
+            <a:endParaRPr lang="en-US" dirty="0"/>
+          </a:p>
+        </p:txBody>
+      </p:sp>
+      <p:sp>
+        <p:nvSpPr>
+          <p:cNvPr id="4" name="Date Placeholder 3"/>
+          <p:cNvSpPr>
+            <a:spLocks noGrp="1"/>
+          </p:cNvSpPr>
+          <p:nvPr>
+            <p:ph type="dt" sz="half" idx="10"/>
           </p:nvPr>
         </p:nvSpPr>
         <p:spPr/>
@@ -800,56 +3298,22 @@
           <a:bodyPr/>
           <a:lstStyle/>
           <a:p>
-            <a:pPr lvl="0"/>
-            <a:r>
-              <a:rPr lang="en-US"/>
-              <a:t>Click to edit Master text styles</a:t>
-            </a:r>
-          </a:p>
-          <a:p>
-            <a:pPr lvl="1"/>
-            <a:r>
-              <a:rPr lang="en-US"/>
-              <a:t>Second level</a:t>
-            </a:r>
-          </a:p>
-          <a:p>
-            <a:pPr lvl="2"/>
-            <a:r>
-              <a:rPr lang="en-US"/>
-              <a:t>Third level</a:t>
-            </a:r>
-          </a:p>
-          <a:p>
-            <a:pPr lvl="3"/>
-            <a:r>
-              <a:rPr lang="en-US"/>
-              <a:t>Fourth level</a:t>
-            </a:r>
-          </a:p>
-          <a:p>
-            <a:pPr lvl="4"/>
-            <a:r>
-              <a:rPr lang="en-US"/>
-              <a:t>Fifth level</a:t>
-            </a:r>
-          </a:p>
-        </p:txBody>
-      </p:sp>
-      <p:sp>
-        <p:nvSpPr>
-          <p:cNvPr id="4" name="Date Placeholder 3">
-            <a:extLst>
-              <a:ext uri="{FF2B5EF4-FFF2-40B4-BE49-F238E27FC236}">
-                <a16:creationId xmlns:a16="http://schemas.microsoft.com/office/drawing/2014/main" id="{BB4B9B5B-B738-2B37-3BBA-7C91FA8897C5}"/>
-              </a:ext>
-            </a:extLst>
-          </p:cNvPr>
-          <p:cNvSpPr>
-            <a:spLocks noGrp="1"/>
-          </p:cNvSpPr>
-          <p:nvPr>
-            <p:ph type="dt" sz="half" idx="10"/>
+            <a:fld id="{1F7CAC8B-306A-43E7-A73E-B37C45497C0F}" type="datetimeFigureOut">
+              <a:rPr lang="en-US" smtClean="0"/>
+              <a:t>8/12/2024</a:t>
+            </a:fld>
+            <a:endParaRPr lang="en-US"/>
+          </a:p>
+        </p:txBody>
+      </p:sp>
+      <p:sp>
+        <p:nvSpPr>
+          <p:cNvPr id="5" name="Footer Placeholder 4"/>
+          <p:cNvSpPr>
+            <a:spLocks noGrp="1"/>
+          </p:cNvSpPr>
+          <p:nvPr>
+            <p:ph type="ftr" sz="quarter" idx="11"/>
           </p:nvPr>
         </p:nvSpPr>
         <p:spPr/>
@@ -857,48 +3321,13 @@
           <a:bodyPr/>
           <a:lstStyle/>
           <a:p>
-            <a:fld id="{1F7CAC8B-306A-43E7-A73E-B37C45497C0F}" type="datetimeFigureOut">
-              <a:rPr lang="en-US" smtClean="0"/>
-              <a:t>8/11/2024</a:t>
-            </a:fld>
             <a:endParaRPr lang="en-US"/>
           </a:p>
         </p:txBody>
       </p:sp>
       <p:sp>
         <p:nvSpPr>
-          <p:cNvPr id="5" name="Footer Placeholder 4">
-            <a:extLst>
-              <a:ext uri="{FF2B5EF4-FFF2-40B4-BE49-F238E27FC236}">
-                <a16:creationId xmlns:a16="http://schemas.microsoft.com/office/drawing/2014/main" id="{BA7EAFDA-2556-590A-8527-A7986C2E20F6}"/>
-              </a:ext>
-            </a:extLst>
-          </p:cNvPr>
-          <p:cNvSpPr>
-            <a:spLocks noGrp="1"/>
-          </p:cNvSpPr>
-          <p:nvPr>
-            <p:ph type="ftr" sz="quarter" idx="11"/>
-          </p:nvPr>
-        </p:nvSpPr>
-        <p:spPr/>
-        <p:txBody>
-          <a:bodyPr/>
-          <a:lstStyle/>
-          <a:p>
-            <a:endParaRPr lang="en-US"/>
-          </a:p>
-        </p:txBody>
-      </p:sp>
-      <p:sp>
-        <p:nvSpPr>
-          <p:cNvPr id="6" name="Slide Number Placeholder 5">
-            <a:extLst>
-              <a:ext uri="{FF2B5EF4-FFF2-40B4-BE49-F238E27FC236}">
-                <a16:creationId xmlns:a16="http://schemas.microsoft.com/office/drawing/2014/main" id="{DC5AD926-3EE7-1970-4C46-6469A7EC5508}"/>
-              </a:ext>
-            </a:extLst>
-          </p:cNvPr>
+          <p:cNvPr id="6" name="Slide Number Placeholder 5"/>
           <p:cNvSpPr>
             <a:spLocks noGrp="1"/>
           </p:cNvSpPr>
@@ -906,7 +3335,12 @@
             <p:ph type="sldNum" sz="quarter" idx="12"/>
           </p:nvPr>
         </p:nvSpPr>
-        <p:spPr/>
+        <p:spPr>
+          <a:xfrm>
+            <a:off x="10951856" y="5867131"/>
+            <a:ext cx="551167" cy="365125"/>
+          </a:xfrm>
+        </p:spPr>
         <p:txBody>
           <a:bodyPr/>
           <a:lstStyle/>
@@ -922,7 +3356,7 @@
     </p:spTree>
     <p:extLst>
       <p:ext uri="{BB962C8B-B14F-4D97-AF65-F5344CB8AC3E}">
-        <p14:creationId xmlns:p14="http://schemas.microsoft.com/office/powerpoint/2010/main" val="4283207449"/>
+        <p14:creationId xmlns:p14="http://schemas.microsoft.com/office/powerpoint/2010/main" val="1155169817"/>
       </p:ext>
     </p:extLst>
   </p:cSld>
@@ -951,13 +3385,7 @@
       </p:grpSpPr>
       <p:sp>
         <p:nvSpPr>
-          <p:cNvPr id="2" name="Title 1">
-            <a:extLst>
-              <a:ext uri="{FF2B5EF4-FFF2-40B4-BE49-F238E27FC236}">
-                <a16:creationId xmlns:a16="http://schemas.microsoft.com/office/drawing/2014/main" id="{DF176891-54AE-9A6E-F8FF-B5B2AB5E0A09}"/>
-              </a:ext>
-            </a:extLst>
-          </p:cNvPr>
+          <p:cNvPr id="2" name="Title 1"/>
           <p:cNvSpPr>
             <a:spLocks noGrp="1"/>
           </p:cNvSpPr>
@@ -967,15 +3395,15 @@
         </p:nvSpPr>
         <p:spPr>
           <a:xfrm>
-            <a:off x="831850" y="1709738"/>
-            <a:ext cx="10515600" cy="2852737"/>
+            <a:off x="2572279" y="2666999"/>
+            <a:ext cx="8930747" cy="2110382"/>
           </a:xfrm>
         </p:spPr>
         <p:txBody>
           <a:bodyPr anchor="b"/>
           <a:lstStyle>
-            <a:lvl1pPr>
-              <a:defRPr sz="6000"/>
+            <a:lvl1pPr algn="r">
+              <a:defRPr sz="4000" b="0" cap="none"/>
             </a:lvl1pPr>
           </a:lstStyle>
           <a:p>
@@ -983,18 +3411,13 @@
               <a:rPr lang="en-US"/>
               <a:t>Click to edit Master title style</a:t>
             </a:r>
-          </a:p>
-        </p:txBody>
-      </p:sp>
-      <p:sp>
-        <p:nvSpPr>
-          <p:cNvPr id="3" name="Text Placeholder 2">
-            <a:extLst>
-              <a:ext uri="{FF2B5EF4-FFF2-40B4-BE49-F238E27FC236}">
-                <a16:creationId xmlns:a16="http://schemas.microsoft.com/office/drawing/2014/main" id="{A842085C-CB14-46F0-75FB-A2DA1AE5365A}"/>
-              </a:ext>
-            </a:extLst>
-          </p:cNvPr>
+            <a:endParaRPr lang="en-US" dirty="0"/>
+          </a:p>
+        </p:txBody>
+      </p:sp>
+      <p:sp>
+        <p:nvSpPr>
+          <p:cNvPr id="3" name="Text Placeholder 2"/>
           <p:cNvSpPr>
             <a:spLocks noGrp="1"/>
           </p:cNvSpPr>
@@ -1004,99 +3427,99 @@
         </p:nvSpPr>
         <p:spPr>
           <a:xfrm>
-            <a:off x="831850" y="4589463"/>
-            <a:ext cx="10515600" cy="1500187"/>
+            <a:off x="2572278" y="4777381"/>
+            <a:ext cx="8930748" cy="860400"/>
           </a:xfrm>
         </p:spPr>
         <p:txBody>
-          <a:bodyPr/>
+          <a:bodyPr anchor="t">
+            <a:normAutofit/>
+          </a:bodyPr>
           <a:lstStyle>
-            <a:lvl1pPr marL="0" indent="0">
-              <a:buNone/>
-              <a:defRPr sz="2400">
-                <a:solidFill>
-                  <a:schemeClr val="tx1">
-                    <a:tint val="82000"/>
-                  </a:schemeClr>
+            <a:lvl1pPr marL="0" indent="0" algn="r">
+              <a:buNone/>
+              <a:defRPr sz="2000">
+                <a:solidFill>
+                  <a:schemeClr val="tx1"/>
                 </a:solidFill>
               </a:defRPr>
             </a:lvl1pPr>
             <a:lvl2pPr marL="457200" indent="0">
               <a:buNone/>
-              <a:defRPr sz="2000">
+              <a:defRPr sz="1800">
                 <a:solidFill>
                   <a:schemeClr val="tx1">
-                    <a:tint val="82000"/>
+                    <a:tint val="75000"/>
                   </a:schemeClr>
                 </a:solidFill>
               </a:defRPr>
             </a:lvl2pPr>
             <a:lvl3pPr marL="914400" indent="0">
               <a:buNone/>
-              <a:defRPr sz="1800">
+              <a:defRPr sz="1600">
                 <a:solidFill>
                   <a:schemeClr val="tx1">
-                    <a:tint val="82000"/>
+                    <a:tint val="75000"/>
                   </a:schemeClr>
                 </a:solidFill>
               </a:defRPr>
             </a:lvl3pPr>
             <a:lvl4pPr marL="1371600" indent="0">
               <a:buNone/>
-              <a:defRPr sz="1600">
+              <a:defRPr sz="1400">
                 <a:solidFill>
                   <a:schemeClr val="tx1">
-                    <a:tint val="82000"/>
+                    <a:tint val="75000"/>
                   </a:schemeClr>
                 </a:solidFill>
               </a:defRPr>
             </a:lvl4pPr>
             <a:lvl5pPr marL="1828800" indent="0">
               <a:buNone/>
-              <a:defRPr sz="1600">
+              <a:defRPr sz="1400">
                 <a:solidFill>
                   <a:schemeClr val="tx1">
-                    <a:tint val="82000"/>
+                    <a:tint val="75000"/>
                   </a:schemeClr>
                 </a:solidFill>
               </a:defRPr>
             </a:lvl5pPr>
             <a:lvl6pPr marL="2286000" indent="0">
               <a:buNone/>
-              <a:defRPr sz="1600">
+              <a:defRPr sz="1400">
                 <a:solidFill>
                   <a:schemeClr val="tx1">
-                    <a:tint val="82000"/>
+                    <a:tint val="75000"/>
                   </a:schemeClr>
                 </a:solidFill>
               </a:defRPr>
             </a:lvl6pPr>
             <a:lvl7pPr marL="2743200" indent="0">
               <a:buNone/>
-              <a:defRPr sz="1600">
+              <a:defRPr sz="1400">
                 <a:solidFill>
                   <a:schemeClr val="tx1">
-                    <a:tint val="82000"/>
+                    <a:tint val="75000"/>
                   </a:schemeClr>
                 </a:solidFill>
               </a:defRPr>
             </a:lvl7pPr>
             <a:lvl8pPr marL="3200400" indent="0">
               <a:buNone/>
-              <a:defRPr sz="1600">
+              <a:defRPr sz="1400">
                 <a:solidFill>
                   <a:schemeClr val="tx1">
-                    <a:tint val="82000"/>
+                    <a:tint val="75000"/>
                   </a:schemeClr>
                 </a:solidFill>
               </a:defRPr>
             </a:lvl8pPr>
             <a:lvl9pPr marL="3657600" indent="0">
               <a:buNone/>
-              <a:defRPr sz="1600">
+              <a:defRPr sz="1400">
                 <a:solidFill>
                   <a:schemeClr val="tx1">
-                    <a:tint val="82000"/>
+                    <a:tint val="75000"/>
                   </a:schemeClr>
                 </a:solidFill>
               </a:defRPr>
@@ -1113,13 +3536,7 @@
       </p:sp>
       <p:sp>
         <p:nvSpPr>
-          <p:cNvPr id="4" name="Date Placeholder 3">
-            <a:extLst>
-              <a:ext uri="{FF2B5EF4-FFF2-40B4-BE49-F238E27FC236}">
-                <a16:creationId xmlns:a16="http://schemas.microsoft.com/office/drawing/2014/main" id="{62BDE05F-925C-93F0-FBD1-1BD8A9B183E2}"/>
-              </a:ext>
-            </a:extLst>
-          </p:cNvPr>
+          <p:cNvPr id="4" name="Date Placeholder 3"/>
           <p:cNvSpPr>
             <a:spLocks noGrp="1"/>
           </p:cNvSpPr>
@@ -1134,7 +3551,7 @@
           <a:p>
             <a:fld id="{1F7CAC8B-306A-43E7-A73E-B37C45497C0F}" type="datetimeFigureOut">
               <a:rPr lang="en-US" smtClean="0"/>
-              <a:t>8/11/2024</a:t>
+              <a:t>8/12/2024</a:t>
             </a:fld>
             <a:endParaRPr lang="en-US"/>
           </a:p>
@@ -1142,13 +3559,7 @@
       </p:sp>
       <p:sp>
         <p:nvSpPr>
-          <p:cNvPr id="5" name="Footer Placeholder 4">
-            <a:extLst>
-              <a:ext uri="{FF2B5EF4-FFF2-40B4-BE49-F238E27FC236}">
-                <a16:creationId xmlns:a16="http://schemas.microsoft.com/office/drawing/2014/main" id="{BF4FBD4A-9271-6750-1323-CD4AA189D49E}"/>
-              </a:ext>
-            </a:extLst>
-          </p:cNvPr>
+          <p:cNvPr id="5" name="Footer Placeholder 4"/>
           <p:cNvSpPr>
             <a:spLocks noGrp="1"/>
           </p:cNvSpPr>
@@ -1167,13 +3578,7 @@
       </p:sp>
       <p:sp>
         <p:nvSpPr>
-          <p:cNvPr id="6" name="Slide Number Placeholder 5">
-            <a:extLst>
-              <a:ext uri="{FF2B5EF4-FFF2-40B4-BE49-F238E27FC236}">
-                <a16:creationId xmlns:a16="http://schemas.microsoft.com/office/drawing/2014/main" id="{0C7A80B2-01AD-4F42-8259-A9F6817DF51B}"/>
-              </a:ext>
-            </a:extLst>
-          </p:cNvPr>
+          <p:cNvPr id="6" name="Slide Number Placeholder 5"/>
           <p:cNvSpPr>
             <a:spLocks noGrp="1"/>
           </p:cNvSpPr>
@@ -1197,7 +3602,7 @@
     </p:spTree>
     <p:extLst>
       <p:ext uri="{BB962C8B-B14F-4D97-AF65-F5344CB8AC3E}">
-        <p14:creationId xmlns:p14="http://schemas.microsoft.com/office/powerpoint/2010/main" val="439883871"/>
+        <p14:creationId xmlns:p14="http://schemas.microsoft.com/office/powerpoint/2010/main" val="587402717"/>
       </p:ext>
     </p:extLst>
   </p:cSld>
@@ -1226,13 +3631,7 @@
       </p:grpSpPr>
       <p:sp>
         <p:nvSpPr>
-          <p:cNvPr id="2" name="Title 1">
-            <a:extLst>
-              <a:ext uri="{FF2B5EF4-FFF2-40B4-BE49-F238E27FC236}">
-                <a16:creationId xmlns:a16="http://schemas.microsoft.com/office/drawing/2014/main" id="{DC53372A-F39E-4AFA-317F-1E3705D02A5F}"/>
-              </a:ext>
-            </a:extLst>
-          </p:cNvPr>
+          <p:cNvPr id="2" name="Title 1"/>
           <p:cNvSpPr>
             <a:spLocks noGrp="1"/>
           </p:cNvSpPr>
@@ -1240,7 +3639,12 @@
             <p:ph type="title"/>
           </p:nvPr>
         </p:nvSpPr>
-        <p:spPr/>
+        <p:spPr>
+          <a:xfrm>
+            <a:off x="1484311" y="685800"/>
+            <a:ext cx="10018713" cy="1752599"/>
+          </a:xfrm>
+        </p:spPr>
         <p:txBody>
           <a:bodyPr/>
           <a:lstStyle/>
@@ -1249,18 +3653,13 @@
               <a:rPr lang="en-US"/>
               <a:t>Click to edit Master title style</a:t>
             </a:r>
-          </a:p>
-        </p:txBody>
-      </p:sp>
-      <p:sp>
-        <p:nvSpPr>
-          <p:cNvPr id="3" name="Content Placeholder 2">
-            <a:extLst>
-              <a:ext uri="{FF2B5EF4-FFF2-40B4-BE49-F238E27FC236}">
-                <a16:creationId xmlns:a16="http://schemas.microsoft.com/office/drawing/2014/main" id="{B19D7C8D-BB02-DB76-748E-ACD332D610ED}"/>
-              </a:ext>
-            </a:extLst>
-          </p:cNvPr>
+            <a:endParaRPr lang="en-US" dirty="0"/>
+          </a:p>
+        </p:txBody>
+      </p:sp>
+      <p:sp>
+        <p:nvSpPr>
+          <p:cNvPr id="3" name="Content Placeholder 2"/>
           <p:cNvSpPr>
             <a:spLocks noGrp="1"/>
           </p:cNvSpPr>
@@ -1270,175 +3669,213 @@
         </p:nvSpPr>
         <p:spPr>
           <a:xfrm>
-            <a:off x="838200" y="1825625"/>
-            <a:ext cx="5181600" cy="4351338"/>
+            <a:off x="1484312" y="2666999"/>
+            <a:ext cx="4895055" cy="3124201"/>
           </a:xfrm>
         </p:spPr>
         <p:txBody>
+          <a:bodyPr>
+            <a:normAutofit/>
+          </a:bodyPr>
+          <a:lstStyle>
+            <a:lvl1pPr>
+              <a:defRPr sz="1800"/>
+            </a:lvl1pPr>
+            <a:lvl2pPr>
+              <a:defRPr sz="1600"/>
+            </a:lvl2pPr>
+            <a:lvl3pPr>
+              <a:defRPr sz="1400"/>
+            </a:lvl3pPr>
+            <a:lvl4pPr>
+              <a:defRPr sz="1200"/>
+            </a:lvl4pPr>
+            <a:lvl5pPr>
+              <a:defRPr sz="1200"/>
+            </a:lvl5pPr>
+            <a:lvl6pPr>
+              <a:defRPr sz="1200"/>
+            </a:lvl6pPr>
+            <a:lvl7pPr>
+              <a:defRPr sz="1200"/>
+            </a:lvl7pPr>
+            <a:lvl8pPr>
+              <a:defRPr sz="1200"/>
+            </a:lvl8pPr>
+            <a:lvl9pPr>
+              <a:defRPr sz="1200"/>
+            </a:lvl9pPr>
+          </a:lstStyle>
+          <a:p>
+            <a:pPr lvl="0"/>
+            <a:r>
+              <a:rPr lang="en-US"/>
+              <a:t>Click to edit Master text styles</a:t>
+            </a:r>
+          </a:p>
+          <a:p>
+            <a:pPr lvl="1"/>
+            <a:r>
+              <a:rPr lang="en-US"/>
+              <a:t>Second level</a:t>
+            </a:r>
+          </a:p>
+          <a:p>
+            <a:pPr lvl="2"/>
+            <a:r>
+              <a:rPr lang="en-US"/>
+              <a:t>Third level</a:t>
+            </a:r>
+          </a:p>
+          <a:p>
+            <a:pPr lvl="3"/>
+            <a:r>
+              <a:rPr lang="en-US"/>
+              <a:t>Fourth level</a:t>
+            </a:r>
+          </a:p>
+          <a:p>
+            <a:pPr lvl="4"/>
+            <a:r>
+              <a:rPr lang="en-US"/>
+              <a:t>Fifth level</a:t>
+            </a:r>
+            <a:endParaRPr lang="en-US" dirty="0"/>
+          </a:p>
+        </p:txBody>
+      </p:sp>
+      <p:sp>
+        <p:nvSpPr>
+          <p:cNvPr id="4" name="Content Placeholder 3"/>
+          <p:cNvSpPr>
+            <a:spLocks noGrp="1"/>
+          </p:cNvSpPr>
+          <p:nvPr>
+            <p:ph sz="half" idx="2"/>
+          </p:nvPr>
+        </p:nvSpPr>
+        <p:spPr>
+          <a:xfrm>
+            <a:off x="6607967" y="2667000"/>
+            <a:ext cx="4895056" cy="3124200"/>
+          </a:xfrm>
+        </p:spPr>
+        <p:txBody>
+          <a:bodyPr>
+            <a:normAutofit/>
+          </a:bodyPr>
+          <a:lstStyle>
+            <a:lvl1pPr>
+              <a:defRPr sz="1800"/>
+            </a:lvl1pPr>
+            <a:lvl2pPr>
+              <a:defRPr sz="1600"/>
+            </a:lvl2pPr>
+            <a:lvl3pPr>
+              <a:defRPr sz="1400"/>
+            </a:lvl3pPr>
+            <a:lvl4pPr>
+              <a:defRPr sz="1200"/>
+            </a:lvl4pPr>
+            <a:lvl5pPr>
+              <a:defRPr sz="1200"/>
+            </a:lvl5pPr>
+            <a:lvl6pPr>
+              <a:defRPr sz="1200"/>
+            </a:lvl6pPr>
+            <a:lvl7pPr>
+              <a:defRPr sz="1200"/>
+            </a:lvl7pPr>
+            <a:lvl8pPr>
+              <a:defRPr sz="1200"/>
+            </a:lvl8pPr>
+            <a:lvl9pPr>
+              <a:defRPr sz="1200"/>
+            </a:lvl9pPr>
+          </a:lstStyle>
+          <a:p>
+            <a:pPr lvl="0"/>
+            <a:r>
+              <a:rPr lang="en-US"/>
+              <a:t>Click to edit Master text styles</a:t>
+            </a:r>
+          </a:p>
+          <a:p>
+            <a:pPr lvl="1"/>
+            <a:r>
+              <a:rPr lang="en-US"/>
+              <a:t>Second level</a:t>
+            </a:r>
+          </a:p>
+          <a:p>
+            <a:pPr lvl="2"/>
+            <a:r>
+              <a:rPr lang="en-US"/>
+              <a:t>Third level</a:t>
+            </a:r>
+          </a:p>
+          <a:p>
+            <a:pPr lvl="3"/>
+            <a:r>
+              <a:rPr lang="en-US"/>
+              <a:t>Fourth level</a:t>
+            </a:r>
+          </a:p>
+          <a:p>
+            <a:pPr lvl="4"/>
+            <a:r>
+              <a:rPr lang="en-US"/>
+              <a:t>Fifth level</a:t>
+            </a:r>
+            <a:endParaRPr lang="en-US" dirty="0"/>
+          </a:p>
+        </p:txBody>
+      </p:sp>
+      <p:sp>
+        <p:nvSpPr>
+          <p:cNvPr id="5" name="Date Placeholder 4"/>
+          <p:cNvSpPr>
+            <a:spLocks noGrp="1"/>
+          </p:cNvSpPr>
+          <p:nvPr>
+            <p:ph type="dt" sz="half" idx="10"/>
+          </p:nvPr>
+        </p:nvSpPr>
+        <p:spPr/>
+        <p:txBody>
           <a:bodyPr/>
           <a:lstStyle/>
           <a:p>
-            <a:pPr lvl="0"/>
-            <a:r>
-              <a:rPr lang="en-US"/>
-              <a:t>Click to edit Master text styles</a:t>
-            </a:r>
-          </a:p>
-          <a:p>
-            <a:pPr lvl="1"/>
-            <a:r>
-              <a:rPr lang="en-US"/>
-              <a:t>Second level</a:t>
-            </a:r>
-          </a:p>
-          <a:p>
-            <a:pPr lvl="2"/>
-            <a:r>
-              <a:rPr lang="en-US"/>
-              <a:t>Third level</a:t>
-            </a:r>
-          </a:p>
-          <a:p>
-            <a:pPr lvl="3"/>
-            <a:r>
-              <a:rPr lang="en-US"/>
-              <a:t>Fourth level</a:t>
-            </a:r>
-          </a:p>
-          <a:p>
-            <a:pPr lvl="4"/>
-            <a:r>
-              <a:rPr lang="en-US"/>
-              <a:t>Fifth level</a:t>
-            </a:r>
-          </a:p>
-        </p:txBody>
-      </p:sp>
-      <p:sp>
-        <p:nvSpPr>
-          <p:cNvPr id="4" name="Content Placeholder 3">
-            <a:extLst>
-              <a:ext uri="{FF2B5EF4-FFF2-40B4-BE49-F238E27FC236}">
-                <a16:creationId xmlns:a16="http://schemas.microsoft.com/office/drawing/2014/main" id="{AC84728C-2F6F-D2B6-8B0E-B9A011B8BA1E}"/>
-              </a:ext>
-            </a:extLst>
-          </p:cNvPr>
-          <p:cNvSpPr>
-            <a:spLocks noGrp="1"/>
-          </p:cNvSpPr>
-          <p:nvPr>
-            <p:ph sz="half" idx="2"/>
-          </p:nvPr>
-        </p:nvSpPr>
-        <p:spPr>
-          <a:xfrm>
-            <a:off x="6172200" y="1825625"/>
-            <a:ext cx="5181600" cy="4351338"/>
-          </a:xfrm>
-        </p:spPr>
+            <a:fld id="{1F7CAC8B-306A-43E7-A73E-B37C45497C0F}" type="datetimeFigureOut">
+              <a:rPr lang="en-US" smtClean="0"/>
+              <a:t>8/12/2024</a:t>
+            </a:fld>
+            <a:endParaRPr lang="en-US"/>
+          </a:p>
+        </p:txBody>
+      </p:sp>
+      <p:sp>
+        <p:nvSpPr>
+          <p:cNvPr id="6" name="Footer Placeholder 5"/>
+          <p:cNvSpPr>
+            <a:spLocks noGrp="1"/>
+          </p:cNvSpPr>
+          <p:nvPr>
+            <p:ph type="ftr" sz="quarter" idx="11"/>
+          </p:nvPr>
+        </p:nvSpPr>
+        <p:spPr/>
         <p:txBody>
           <a:bodyPr/>
           <a:lstStyle/>
           <a:p>
-            <a:pPr lvl="0"/>
-            <a:r>
-              <a:rPr lang="en-US"/>
-              <a:t>Click to edit Master text styles</a:t>
-            </a:r>
-          </a:p>
-          <a:p>
-            <a:pPr lvl="1"/>
-            <a:r>
-              <a:rPr lang="en-US"/>
-              <a:t>Second level</a:t>
-            </a:r>
-          </a:p>
-          <a:p>
-            <a:pPr lvl="2"/>
-            <a:r>
-              <a:rPr lang="en-US"/>
-              <a:t>Third level</a:t>
-            </a:r>
-          </a:p>
-          <a:p>
-            <a:pPr lvl="3"/>
-            <a:r>
-              <a:rPr lang="en-US"/>
-              <a:t>Fourth level</a:t>
-            </a:r>
-          </a:p>
-          <a:p>
-            <a:pPr lvl="4"/>
-            <a:r>
-              <a:rPr lang="en-US"/>
-              <a:t>Fifth level</a:t>
-            </a:r>
-          </a:p>
-        </p:txBody>
-      </p:sp>
-      <p:sp>
-        <p:nvSpPr>
-          <p:cNvPr id="5" name="Date Placeholder 4">
-            <a:extLst>
-              <a:ext uri="{FF2B5EF4-FFF2-40B4-BE49-F238E27FC236}">
-                <a16:creationId xmlns:a16="http://schemas.microsoft.com/office/drawing/2014/main" id="{A4CBA8E8-6CDE-0056-E260-12724BB97558}"/>
-              </a:ext>
-            </a:extLst>
-          </p:cNvPr>
-          <p:cNvSpPr>
-            <a:spLocks noGrp="1"/>
-          </p:cNvSpPr>
-          <p:nvPr>
-            <p:ph type="dt" sz="half" idx="10"/>
-          </p:nvPr>
-        </p:nvSpPr>
-        <p:spPr/>
-        <p:txBody>
-          <a:bodyPr/>
-          <a:lstStyle/>
-          <a:p>
-            <a:fld id="{1F7CAC8B-306A-43E7-A73E-B37C45497C0F}" type="datetimeFigureOut">
-              <a:rPr lang="en-US" smtClean="0"/>
-              <a:t>8/11/2024</a:t>
-            </a:fld>
             <a:endParaRPr lang="en-US"/>
           </a:p>
         </p:txBody>
       </p:sp>
       <p:sp>
         <p:nvSpPr>
-          <p:cNvPr id="6" name="Footer Placeholder 5">
-            <a:extLst>
-              <a:ext uri="{FF2B5EF4-FFF2-40B4-BE49-F238E27FC236}">
-                <a16:creationId xmlns:a16="http://schemas.microsoft.com/office/drawing/2014/main" id="{804EF0B6-6746-7257-7B2A-C12618F7A40E}"/>
-              </a:ext>
-            </a:extLst>
-          </p:cNvPr>
-          <p:cNvSpPr>
-            <a:spLocks noGrp="1"/>
-          </p:cNvSpPr>
-          <p:nvPr>
-            <p:ph type="ftr" sz="quarter" idx="11"/>
-          </p:nvPr>
-        </p:nvSpPr>
-        <p:spPr/>
-        <p:txBody>
-          <a:bodyPr/>
-          <a:lstStyle/>
-          <a:p>
-            <a:endParaRPr lang="en-US"/>
-          </a:p>
-        </p:txBody>
-      </p:sp>
-      <p:sp>
-        <p:nvSpPr>
-          <p:cNvPr id="7" name="Slide Number Placeholder 6">
-            <a:extLst>
-              <a:ext uri="{FF2B5EF4-FFF2-40B4-BE49-F238E27FC236}">
-                <a16:creationId xmlns:a16="http://schemas.microsoft.com/office/drawing/2014/main" id="{E5442696-8A56-46D6-79D3-690A0A8B210D}"/>
-              </a:ext>
-            </a:extLst>
-          </p:cNvPr>
+          <p:cNvPr id="7" name="Slide Number Placeholder 6"/>
           <p:cNvSpPr>
             <a:spLocks noGrp="1"/>
           </p:cNvSpPr>
@@ -1462,7 +3899,7 @@
     </p:spTree>
     <p:extLst>
       <p:ext uri="{BB962C8B-B14F-4D97-AF65-F5344CB8AC3E}">
-        <p14:creationId xmlns:p14="http://schemas.microsoft.com/office/powerpoint/2010/main" val="2479259812"/>
+        <p14:creationId xmlns:p14="http://schemas.microsoft.com/office/powerpoint/2010/main" val="526374116"/>
       </p:ext>
     </p:extLst>
   </p:cSld>
@@ -1491,65 +3928,61 @@
       </p:grpSpPr>
       <p:sp>
         <p:nvSpPr>
-          <p:cNvPr id="2" name="Title 1">
-            <a:extLst>
-              <a:ext uri="{FF2B5EF4-FFF2-40B4-BE49-F238E27FC236}">
-                <a16:creationId xmlns:a16="http://schemas.microsoft.com/office/drawing/2014/main" id="{196CCF0B-DB84-DED9-BCB3-3C6BEB6DD7AE}"/>
-              </a:ext>
-            </a:extLst>
-          </p:cNvPr>
+          <p:cNvPr id="2" name="Title 1"/>
           <p:cNvSpPr>
             <a:spLocks noGrp="1"/>
           </p:cNvSpPr>
           <p:nvPr>
             <p:ph type="title"/>
+          </p:nvPr>
+        </p:nvSpPr>
+        <p:spPr/>
+        <p:txBody>
+          <a:bodyPr/>
+          <a:lstStyle>
+            <a:lvl1pPr>
+              <a:defRPr/>
+            </a:lvl1pPr>
+          </a:lstStyle>
+          <a:p>
+            <a:r>
+              <a:rPr lang="en-US"/>
+              <a:t>Click to edit Master title style</a:t>
+            </a:r>
+            <a:endParaRPr lang="en-US" dirty="0"/>
+          </a:p>
+        </p:txBody>
+      </p:sp>
+      <p:sp>
+        <p:nvSpPr>
+          <p:cNvPr id="3" name="Text Placeholder 2"/>
+          <p:cNvSpPr>
+            <a:spLocks noGrp="1"/>
+          </p:cNvSpPr>
+          <p:nvPr>
+            <p:ph type="body" idx="1"/>
           </p:nvPr>
         </p:nvSpPr>
         <p:spPr>
           <a:xfrm>
-            <a:off x="839788" y="365125"/>
-            <a:ext cx="10515600" cy="1325563"/>
+            <a:off x="1772179" y="2658533"/>
+            <a:ext cx="4607188" cy="576262"/>
           </a:xfrm>
         </p:spPr>
         <p:txBody>
-          <a:bodyPr/>
-          <a:lstStyle/>
-          <a:p>
-            <a:r>
-              <a:rPr lang="en-US"/>
-              <a:t>Click to edit Master title style</a:t>
-            </a:r>
-          </a:p>
-        </p:txBody>
-      </p:sp>
-      <p:sp>
-        <p:nvSpPr>
-          <p:cNvPr id="3" name="Text Placeholder 2">
-            <a:extLst>
-              <a:ext uri="{FF2B5EF4-FFF2-40B4-BE49-F238E27FC236}">
-                <a16:creationId xmlns:a16="http://schemas.microsoft.com/office/drawing/2014/main" id="{4682A6BE-8A58-3C94-806E-1680D279841B}"/>
-              </a:ext>
-            </a:extLst>
-          </p:cNvPr>
-          <p:cNvSpPr>
-            <a:spLocks noGrp="1"/>
-          </p:cNvSpPr>
-          <p:nvPr>
-            <p:ph type="body" idx="1"/>
-          </p:nvPr>
-        </p:nvSpPr>
-        <p:spPr>
-          <a:xfrm>
-            <a:off x="839788" y="1681163"/>
-            <a:ext cx="5157787" cy="823912"/>
-          </a:xfrm>
-        </p:spPr>
-        <p:txBody>
-          <a:bodyPr anchor="b"/>
+          <a:bodyPr anchor="b">
+            <a:noAutofit/>
+          </a:bodyPr>
           <a:lstStyle>
             <a:lvl1pPr marL="0" indent="0">
               <a:buNone/>
-              <a:defRPr sz="2400" b="1"/>
+              <a:defRPr sz="2800" b="0">
+                <a:solidFill>
+                  <a:schemeClr val="accent1">
+                    <a:lumMod val="75000"/>
+                  </a:schemeClr>
+                </a:solidFill>
+              </a:defRPr>
             </a:lvl1pPr>
             <a:lvl2pPr marL="457200" indent="0">
               <a:buNone/>
@@ -1595,13 +4028,7 @@
       </p:sp>
       <p:sp>
         <p:nvSpPr>
-          <p:cNvPr id="4" name="Content Placeholder 3">
-            <a:extLst>
-              <a:ext uri="{FF2B5EF4-FFF2-40B4-BE49-F238E27FC236}">
-                <a16:creationId xmlns:a16="http://schemas.microsoft.com/office/drawing/2014/main" id="{2F486965-7C8D-EB85-3DAA-8878998FB302}"/>
-              </a:ext>
-            </a:extLst>
-          </p:cNvPr>
+          <p:cNvPr id="4" name="Content Placeholder 3"/>
           <p:cNvSpPr>
             <a:spLocks noGrp="1"/>
           </p:cNvSpPr>
@@ -1611,13 +4038,43 @@
         </p:nvSpPr>
         <p:spPr>
           <a:xfrm>
-            <a:off x="839788" y="2505075"/>
-            <a:ext cx="5157787" cy="3684588"/>
+            <a:off x="1484311" y="3335337"/>
+            <a:ext cx="4895056" cy="2455862"/>
           </a:xfrm>
         </p:spPr>
         <p:txBody>
-          <a:bodyPr/>
-          <a:lstStyle/>
+          <a:bodyPr anchor="t">
+            <a:normAutofit/>
+          </a:bodyPr>
+          <a:lstStyle>
+            <a:lvl1pPr>
+              <a:defRPr sz="1800"/>
+            </a:lvl1pPr>
+            <a:lvl2pPr>
+              <a:defRPr sz="1600"/>
+            </a:lvl2pPr>
+            <a:lvl3pPr>
+              <a:defRPr sz="1400"/>
+            </a:lvl3pPr>
+            <a:lvl4pPr>
+              <a:defRPr sz="1200"/>
+            </a:lvl4pPr>
+            <a:lvl5pPr>
+              <a:defRPr sz="1200"/>
+            </a:lvl5pPr>
+            <a:lvl6pPr>
+              <a:defRPr sz="1200"/>
+            </a:lvl6pPr>
+            <a:lvl7pPr>
+              <a:defRPr sz="1200"/>
+            </a:lvl7pPr>
+            <a:lvl8pPr>
+              <a:defRPr sz="1200"/>
+            </a:lvl8pPr>
+            <a:lvl9pPr>
+              <a:defRPr sz="1200"/>
+            </a:lvl9pPr>
+          </a:lstStyle>
           <a:p>
             <a:pPr lvl="0"/>
             <a:r>
@@ -1652,18 +4109,13 @@
               <a:rPr lang="en-US"/>
               <a:t>Fifth level</a:t>
             </a:r>
-          </a:p>
-        </p:txBody>
-      </p:sp>
-      <p:sp>
-        <p:nvSpPr>
-          <p:cNvPr id="5" name="Text Placeholder 4">
-            <a:extLst>
-              <a:ext uri="{FF2B5EF4-FFF2-40B4-BE49-F238E27FC236}">
-                <a16:creationId xmlns:a16="http://schemas.microsoft.com/office/drawing/2014/main" id="{E8EBBF3B-2EC9-9E41-6B0E-64A5E7784E9E}"/>
-              </a:ext>
-            </a:extLst>
-          </p:cNvPr>
+            <a:endParaRPr lang="en-US" dirty="0"/>
+          </a:p>
+        </p:txBody>
+      </p:sp>
+      <p:sp>
+        <p:nvSpPr>
+          <p:cNvPr id="5" name="Text Placeholder 4"/>
           <p:cNvSpPr>
             <a:spLocks noGrp="1"/>
           </p:cNvSpPr>
@@ -1673,16 +4125,24 @@
         </p:nvSpPr>
         <p:spPr>
           <a:xfrm>
-            <a:off x="6172200" y="1681163"/>
-            <a:ext cx="5183188" cy="823912"/>
+            <a:off x="6880487" y="2667000"/>
+            <a:ext cx="4622537" cy="576262"/>
           </a:xfrm>
         </p:spPr>
         <p:txBody>
-          <a:bodyPr anchor="b"/>
+          <a:bodyPr anchor="b">
+            <a:noAutofit/>
+          </a:bodyPr>
           <a:lstStyle>
             <a:lvl1pPr marL="0" indent="0">
               <a:buNone/>
-              <a:defRPr sz="2400" b="1"/>
+              <a:defRPr sz="2800" b="0">
+                <a:solidFill>
+                  <a:schemeClr val="accent1">
+                    <a:lumMod val="75000"/>
+                  </a:schemeClr>
+                </a:solidFill>
+              </a:defRPr>
             </a:lvl1pPr>
             <a:lvl2pPr marL="457200" indent="0">
               <a:buNone/>
@@ -1728,13 +4188,7 @@
       </p:sp>
       <p:sp>
         <p:nvSpPr>
-          <p:cNvPr id="6" name="Content Placeholder 5">
-            <a:extLst>
-              <a:ext uri="{FF2B5EF4-FFF2-40B4-BE49-F238E27FC236}">
-                <a16:creationId xmlns:a16="http://schemas.microsoft.com/office/drawing/2014/main" id="{5E8865DC-8D0A-661F-42CC-F3D89A0BD557}"/>
-              </a:ext>
-            </a:extLst>
-          </p:cNvPr>
+          <p:cNvPr id="6" name="Content Placeholder 5"/>
           <p:cNvSpPr>
             <a:spLocks noGrp="1"/>
           </p:cNvSpPr>
@@ -1744,64 +4198,112 @@
         </p:nvSpPr>
         <p:spPr>
           <a:xfrm>
-            <a:off x="6172200" y="2505075"/>
-            <a:ext cx="5183188" cy="3684588"/>
+            <a:off x="6607967" y="3335337"/>
+            <a:ext cx="4895056" cy="2455862"/>
           </a:xfrm>
         </p:spPr>
         <p:txBody>
+          <a:bodyPr anchor="t">
+            <a:normAutofit/>
+          </a:bodyPr>
+          <a:lstStyle>
+            <a:lvl1pPr>
+              <a:defRPr sz="1800"/>
+            </a:lvl1pPr>
+            <a:lvl2pPr>
+              <a:defRPr sz="1600"/>
+            </a:lvl2pPr>
+            <a:lvl3pPr>
+              <a:defRPr sz="1400"/>
+            </a:lvl3pPr>
+            <a:lvl4pPr>
+              <a:defRPr sz="1200"/>
+            </a:lvl4pPr>
+            <a:lvl5pPr>
+              <a:defRPr sz="1200"/>
+            </a:lvl5pPr>
+            <a:lvl6pPr>
+              <a:defRPr sz="1200"/>
+            </a:lvl6pPr>
+            <a:lvl7pPr>
+              <a:defRPr sz="1200"/>
+            </a:lvl7pPr>
+            <a:lvl8pPr>
+              <a:defRPr sz="1200"/>
+            </a:lvl8pPr>
+            <a:lvl9pPr>
+              <a:defRPr sz="1200"/>
+            </a:lvl9pPr>
+          </a:lstStyle>
+          <a:p>
+            <a:pPr lvl="0"/>
+            <a:r>
+              <a:rPr lang="en-US"/>
+              <a:t>Click to edit Master text styles</a:t>
+            </a:r>
+          </a:p>
+          <a:p>
+            <a:pPr lvl="1"/>
+            <a:r>
+              <a:rPr lang="en-US"/>
+              <a:t>Second level</a:t>
+            </a:r>
+          </a:p>
+          <a:p>
+            <a:pPr lvl="2"/>
+            <a:r>
+              <a:rPr lang="en-US"/>
+              <a:t>Third level</a:t>
+            </a:r>
+          </a:p>
+          <a:p>
+            <a:pPr lvl="3"/>
+            <a:r>
+              <a:rPr lang="en-US"/>
+              <a:t>Fourth level</a:t>
+            </a:r>
+          </a:p>
+          <a:p>
+            <a:pPr lvl="4"/>
+            <a:r>
+              <a:rPr lang="en-US"/>
+              <a:t>Fifth level</a:t>
+            </a:r>
+            <a:endParaRPr lang="en-US" dirty="0"/>
+          </a:p>
+        </p:txBody>
+      </p:sp>
+      <p:sp>
+        <p:nvSpPr>
+          <p:cNvPr id="7" name="Date Placeholder 6"/>
+          <p:cNvSpPr>
+            <a:spLocks noGrp="1"/>
+          </p:cNvSpPr>
+          <p:nvPr>
+            <p:ph type="dt" sz="half" idx="10"/>
+          </p:nvPr>
+        </p:nvSpPr>
+        <p:spPr/>
+        <p:txBody>
           <a:bodyPr/>
           <a:lstStyle/>
           <a:p>
-            <a:pPr lvl="0"/>
-            <a:r>
-              <a:rPr lang="en-US"/>
-              <a:t>Click to edit Master text styles</a:t>
-            </a:r>
-          </a:p>
-          <a:p>
-            <a:pPr lvl="1"/>
-            <a:r>
-              <a:rPr lang="en-US"/>
-              <a:t>Second level</a:t>
-            </a:r>
-          </a:p>
-          <a:p>
-            <a:pPr lvl="2"/>
-            <a:r>
-              <a:rPr lang="en-US"/>
-              <a:t>Third level</a:t>
-            </a:r>
-          </a:p>
-          <a:p>
-            <a:pPr lvl="3"/>
-            <a:r>
-              <a:rPr lang="en-US"/>
-              <a:t>Fourth level</a:t>
-            </a:r>
-          </a:p>
-          <a:p>
-            <a:pPr lvl="4"/>
-            <a:r>
-              <a:rPr lang="en-US"/>
-              <a:t>Fifth level</a:t>
-            </a:r>
-          </a:p>
-        </p:txBody>
-      </p:sp>
-      <p:sp>
-        <p:nvSpPr>
-          <p:cNvPr id="7" name="Date Placeholder 6">
-            <a:extLst>
-              <a:ext uri="{FF2B5EF4-FFF2-40B4-BE49-F238E27FC236}">
-                <a16:creationId xmlns:a16="http://schemas.microsoft.com/office/drawing/2014/main" id="{6EC271AD-3B4A-0077-00AC-930EA4AEA6CC}"/>
-              </a:ext>
-            </a:extLst>
-          </p:cNvPr>
-          <p:cNvSpPr>
-            <a:spLocks noGrp="1"/>
-          </p:cNvSpPr>
-          <p:nvPr>
-            <p:ph type="dt" sz="half" idx="10"/>
+            <a:fld id="{1F7CAC8B-306A-43E7-A73E-B37C45497C0F}" type="datetimeFigureOut">
+              <a:rPr lang="en-US" smtClean="0"/>
+              <a:t>8/12/2024</a:t>
+            </a:fld>
+            <a:endParaRPr lang="en-US"/>
+          </a:p>
+        </p:txBody>
+      </p:sp>
+      <p:sp>
+        <p:nvSpPr>
+          <p:cNvPr id="8" name="Footer Placeholder 7"/>
+          <p:cNvSpPr>
+            <a:spLocks noGrp="1"/>
+          </p:cNvSpPr>
+          <p:nvPr>
+            <p:ph type="ftr" sz="quarter" idx="11"/>
           </p:nvPr>
         </p:nvSpPr>
         <p:spPr/>
@@ -1809,48 +4311,13 @@
           <a:bodyPr/>
           <a:lstStyle/>
           <a:p>
-            <a:fld id="{1F7CAC8B-306A-43E7-A73E-B37C45497C0F}" type="datetimeFigureOut">
-              <a:rPr lang="en-US" smtClean="0"/>
-              <a:t>8/11/2024</a:t>
-            </a:fld>
             <a:endParaRPr lang="en-US"/>
           </a:p>
         </p:txBody>
       </p:sp>
       <p:sp>
         <p:nvSpPr>
-          <p:cNvPr id="8" name="Footer Placeholder 7">
-            <a:extLst>
-              <a:ext uri="{FF2B5EF4-FFF2-40B4-BE49-F238E27FC236}">
-                <a16:creationId xmlns:a16="http://schemas.microsoft.com/office/drawing/2014/main" id="{B0DAAA40-77DD-217E-00AD-44E5E24AFFFF}"/>
-              </a:ext>
-            </a:extLst>
-          </p:cNvPr>
-          <p:cNvSpPr>
-            <a:spLocks noGrp="1"/>
-          </p:cNvSpPr>
-          <p:nvPr>
-            <p:ph type="ftr" sz="quarter" idx="11"/>
-          </p:nvPr>
-        </p:nvSpPr>
-        <p:spPr/>
-        <p:txBody>
-          <a:bodyPr/>
-          <a:lstStyle/>
-          <a:p>
-            <a:endParaRPr lang="en-US"/>
-          </a:p>
-        </p:txBody>
-      </p:sp>
-      <p:sp>
-        <p:nvSpPr>
-          <p:cNvPr id="9" name="Slide Number Placeholder 8">
-            <a:extLst>
-              <a:ext uri="{FF2B5EF4-FFF2-40B4-BE49-F238E27FC236}">
-                <a16:creationId xmlns:a16="http://schemas.microsoft.com/office/drawing/2014/main" id="{9FE4B43B-BBD5-BE64-B0C9-896F4E32E55E}"/>
-              </a:ext>
-            </a:extLst>
-          </p:cNvPr>
+          <p:cNvPr id="9" name="Slide Number Placeholder 8"/>
           <p:cNvSpPr>
             <a:spLocks noGrp="1"/>
           </p:cNvSpPr>
@@ -1874,7 +4341,7 @@
     </p:spTree>
     <p:extLst>
       <p:ext uri="{BB962C8B-B14F-4D97-AF65-F5344CB8AC3E}">
-        <p14:creationId xmlns:p14="http://schemas.microsoft.com/office/powerpoint/2010/main" val="1122665004"/>
+        <p14:creationId xmlns:p14="http://schemas.microsoft.com/office/powerpoint/2010/main" val="189576079"/>
       </p:ext>
     </p:extLst>
   </p:cSld>
@@ -1903,13 +4370,7 @@
       </p:grpSpPr>
       <p:sp>
         <p:nvSpPr>
-          <p:cNvPr id="2" name="Title 1">
-            <a:extLst>
-              <a:ext uri="{FF2B5EF4-FFF2-40B4-BE49-F238E27FC236}">
-                <a16:creationId xmlns:a16="http://schemas.microsoft.com/office/drawing/2014/main" id="{8478D005-8C7E-F57A-8C34-6CA2F10E2BD4}"/>
-              </a:ext>
-            </a:extLst>
-          </p:cNvPr>
+          <p:cNvPr id="2" name="Title 1"/>
           <p:cNvSpPr>
             <a:spLocks noGrp="1"/>
           </p:cNvSpPr>
@@ -1926,18 +4387,13 @@
               <a:rPr lang="en-US"/>
               <a:t>Click to edit Master title style</a:t>
             </a:r>
-          </a:p>
-        </p:txBody>
-      </p:sp>
-      <p:sp>
-        <p:nvSpPr>
-          <p:cNvPr id="3" name="Date Placeholder 2">
-            <a:extLst>
-              <a:ext uri="{FF2B5EF4-FFF2-40B4-BE49-F238E27FC236}">
-                <a16:creationId xmlns:a16="http://schemas.microsoft.com/office/drawing/2014/main" id="{1B4C418F-0331-793F-366D-2506C63DD502}"/>
-              </a:ext>
-            </a:extLst>
-          </p:cNvPr>
+            <a:endParaRPr lang="en-US" dirty="0"/>
+          </a:p>
+        </p:txBody>
+      </p:sp>
+      <p:sp>
+        <p:nvSpPr>
+          <p:cNvPr id="3" name="Date Placeholder 2"/>
           <p:cNvSpPr>
             <a:spLocks noGrp="1"/>
           </p:cNvSpPr>
@@ -1952,7 +4408,7 @@
           <a:p>
             <a:fld id="{1F7CAC8B-306A-43E7-A73E-B37C45497C0F}" type="datetimeFigureOut">
               <a:rPr lang="en-US" smtClean="0"/>
-              <a:t>8/11/2024</a:t>
+              <a:t>8/12/2024</a:t>
             </a:fld>
             <a:endParaRPr lang="en-US"/>
           </a:p>
@@ -1960,13 +4416,7 @@
       </p:sp>
       <p:sp>
         <p:nvSpPr>
-          <p:cNvPr id="4" name="Footer Placeholder 3">
-            <a:extLst>
-              <a:ext uri="{FF2B5EF4-FFF2-40B4-BE49-F238E27FC236}">
-                <a16:creationId xmlns:a16="http://schemas.microsoft.com/office/drawing/2014/main" id="{17243E7A-8232-FB32-FB23-E70C90ECDAE8}"/>
-              </a:ext>
-            </a:extLst>
-          </p:cNvPr>
+          <p:cNvPr id="4" name="Footer Placeholder 3"/>
           <p:cNvSpPr>
             <a:spLocks noGrp="1"/>
           </p:cNvSpPr>
@@ -1985,13 +4435,7 @@
       </p:sp>
       <p:sp>
         <p:nvSpPr>
-          <p:cNvPr id="5" name="Slide Number Placeholder 4">
-            <a:extLst>
-              <a:ext uri="{FF2B5EF4-FFF2-40B4-BE49-F238E27FC236}">
-                <a16:creationId xmlns:a16="http://schemas.microsoft.com/office/drawing/2014/main" id="{8C49484C-2032-2617-F095-5AE57147FEA4}"/>
-              </a:ext>
-            </a:extLst>
-          </p:cNvPr>
+          <p:cNvPr id="5" name="Slide Number Placeholder 4"/>
           <p:cNvSpPr>
             <a:spLocks noGrp="1"/>
           </p:cNvSpPr>
@@ -2015,7 +4459,7 @@
     </p:spTree>
     <p:extLst>
       <p:ext uri="{BB962C8B-B14F-4D97-AF65-F5344CB8AC3E}">
-        <p14:creationId xmlns:p14="http://schemas.microsoft.com/office/powerpoint/2010/main" val="875059911"/>
+        <p14:creationId xmlns:p14="http://schemas.microsoft.com/office/powerpoint/2010/main" val="1214464672"/>
       </p:ext>
     </p:extLst>
   </p:cSld>
@@ -2044,13 +4488,7 @@
       </p:grpSpPr>
       <p:sp>
         <p:nvSpPr>
-          <p:cNvPr id="2" name="Date Placeholder 1">
-            <a:extLst>
-              <a:ext uri="{FF2B5EF4-FFF2-40B4-BE49-F238E27FC236}">
-                <a16:creationId xmlns:a16="http://schemas.microsoft.com/office/drawing/2014/main" id="{2E344C13-2819-8FAB-B220-B656A10480F5}"/>
-              </a:ext>
-            </a:extLst>
-          </p:cNvPr>
+          <p:cNvPr id="2" name="Date Placeholder 1"/>
           <p:cNvSpPr>
             <a:spLocks noGrp="1"/>
           </p:cNvSpPr>
@@ -2065,7 +4503,7 @@
           <a:p>
             <a:fld id="{1F7CAC8B-306A-43E7-A73E-B37C45497C0F}" type="datetimeFigureOut">
               <a:rPr lang="en-US" smtClean="0"/>
-              <a:t>8/11/2024</a:t>
+              <a:t>8/12/2024</a:t>
             </a:fld>
             <a:endParaRPr lang="en-US"/>
           </a:p>
@@ -2073,13 +4511,7 @@
       </p:sp>
       <p:sp>
         <p:nvSpPr>
-          <p:cNvPr id="3" name="Footer Placeholder 2">
-            <a:extLst>
-              <a:ext uri="{FF2B5EF4-FFF2-40B4-BE49-F238E27FC236}">
-                <a16:creationId xmlns:a16="http://schemas.microsoft.com/office/drawing/2014/main" id="{1FA4CC12-68DE-5C1F-E28A-4E7A6FC3C8E6}"/>
-              </a:ext>
-            </a:extLst>
-          </p:cNvPr>
+          <p:cNvPr id="3" name="Footer Placeholder 2"/>
           <p:cNvSpPr>
             <a:spLocks noGrp="1"/>
           </p:cNvSpPr>
@@ -2098,13 +4530,7 @@
       </p:sp>
       <p:sp>
         <p:nvSpPr>
-          <p:cNvPr id="4" name="Slide Number Placeholder 3">
-            <a:extLst>
-              <a:ext uri="{FF2B5EF4-FFF2-40B4-BE49-F238E27FC236}">
-                <a16:creationId xmlns:a16="http://schemas.microsoft.com/office/drawing/2014/main" id="{D632005D-2524-F6D1-CE96-0CC0112B8150}"/>
-              </a:ext>
-            </a:extLst>
-          </p:cNvPr>
+          <p:cNvPr id="4" name="Slide Number Placeholder 3"/>
           <p:cNvSpPr>
             <a:spLocks noGrp="1"/>
           </p:cNvSpPr>
@@ -2128,7 +4554,7 @@
     </p:spTree>
     <p:extLst>
       <p:ext uri="{BB962C8B-B14F-4D97-AF65-F5344CB8AC3E}">
-        <p14:creationId xmlns:p14="http://schemas.microsoft.com/office/powerpoint/2010/main" val="2016660273"/>
+        <p14:creationId xmlns:p14="http://schemas.microsoft.com/office/powerpoint/2010/main" val="2996391901"/>
       </p:ext>
     </p:extLst>
   </p:cSld>
@@ -2157,13 +4583,7 @@
       </p:grpSpPr>
       <p:sp>
         <p:nvSpPr>
-          <p:cNvPr id="2" name="Title 1">
-            <a:extLst>
-              <a:ext uri="{FF2B5EF4-FFF2-40B4-BE49-F238E27FC236}">
-                <a16:creationId xmlns:a16="http://schemas.microsoft.com/office/drawing/2014/main" id="{54885E39-A25E-BC3C-ACCD-182645DC8A23}"/>
-              </a:ext>
-            </a:extLst>
-          </p:cNvPr>
+          <p:cNvPr id="2" name="Title 1"/>
           <p:cNvSpPr>
             <a:spLocks noGrp="1"/>
           </p:cNvSpPr>
@@ -2173,175 +4593,171 @@
         </p:nvSpPr>
         <p:spPr>
           <a:xfrm>
-            <a:off x="839788" y="457200"/>
-            <a:ext cx="3932237" cy="1600200"/>
+            <a:off x="1484312" y="1600200"/>
+            <a:ext cx="3549121" cy="1371600"/>
           </a:xfrm>
         </p:spPr>
         <p:txBody>
-          <a:bodyPr anchor="b"/>
+          <a:bodyPr anchor="b">
+            <a:normAutofit/>
+          </a:bodyPr>
+          <a:lstStyle>
+            <a:lvl1pPr algn="ctr">
+              <a:defRPr sz="2400" b="0"/>
+            </a:lvl1pPr>
+          </a:lstStyle>
+          <a:p>
+            <a:r>
+              <a:rPr lang="en-US"/>
+              <a:t>Click to edit Master title style</a:t>
+            </a:r>
+            <a:endParaRPr lang="en-US" dirty="0"/>
+          </a:p>
+        </p:txBody>
+      </p:sp>
+      <p:sp>
+        <p:nvSpPr>
+          <p:cNvPr id="3" name="Content Placeholder 2"/>
+          <p:cNvSpPr>
+            <a:spLocks noGrp="1"/>
+          </p:cNvSpPr>
+          <p:nvPr>
+            <p:ph idx="1"/>
+          </p:nvPr>
+        </p:nvSpPr>
+        <p:spPr>
+          <a:xfrm>
+            <a:off x="5262033" y="685799"/>
+            <a:ext cx="6240990" cy="5105401"/>
+          </a:xfrm>
+        </p:spPr>
+        <p:txBody>
+          <a:bodyPr anchor="ctr">
+            <a:normAutofit/>
+          </a:bodyPr>
           <a:lstStyle>
             <a:lvl1pPr>
-              <a:defRPr sz="3200"/>
+              <a:defRPr sz="2000"/>
             </a:lvl1pPr>
+            <a:lvl2pPr>
+              <a:defRPr sz="1800"/>
+            </a:lvl2pPr>
+            <a:lvl3pPr>
+              <a:defRPr sz="1600"/>
+            </a:lvl3pPr>
+            <a:lvl4pPr>
+              <a:defRPr sz="1400"/>
+            </a:lvl4pPr>
+            <a:lvl5pPr>
+              <a:defRPr sz="1400"/>
+            </a:lvl5pPr>
+            <a:lvl6pPr>
+              <a:defRPr sz="1400"/>
+            </a:lvl6pPr>
+            <a:lvl7pPr>
+              <a:defRPr sz="1400"/>
+            </a:lvl7pPr>
+            <a:lvl8pPr>
+              <a:defRPr sz="1400"/>
+            </a:lvl8pPr>
+            <a:lvl9pPr>
+              <a:defRPr sz="1400"/>
+            </a:lvl9pPr>
           </a:lstStyle>
           <a:p>
-            <a:r>
-              <a:rPr lang="en-US"/>
-              <a:t>Click to edit Master title style</a:t>
-            </a:r>
-          </a:p>
-        </p:txBody>
-      </p:sp>
-      <p:sp>
-        <p:nvSpPr>
-          <p:cNvPr id="3" name="Content Placeholder 2">
-            <a:extLst>
-              <a:ext uri="{FF2B5EF4-FFF2-40B4-BE49-F238E27FC236}">
-                <a16:creationId xmlns:a16="http://schemas.microsoft.com/office/drawing/2014/main" id="{94BEE7DA-6200-F254-7492-DDBA660E48AF}"/>
-              </a:ext>
-            </a:extLst>
-          </p:cNvPr>
-          <p:cNvSpPr>
-            <a:spLocks noGrp="1"/>
-          </p:cNvSpPr>
-          <p:nvPr>
-            <p:ph idx="1"/>
+            <a:pPr lvl="0"/>
+            <a:r>
+              <a:rPr lang="en-US"/>
+              <a:t>Click to edit Master text styles</a:t>
+            </a:r>
+          </a:p>
+          <a:p>
+            <a:pPr lvl="1"/>
+            <a:r>
+              <a:rPr lang="en-US"/>
+              <a:t>Second level</a:t>
+            </a:r>
+          </a:p>
+          <a:p>
+            <a:pPr lvl="2"/>
+            <a:r>
+              <a:rPr lang="en-US"/>
+              <a:t>Third level</a:t>
+            </a:r>
+          </a:p>
+          <a:p>
+            <a:pPr lvl="3"/>
+            <a:r>
+              <a:rPr lang="en-US"/>
+              <a:t>Fourth level</a:t>
+            </a:r>
+          </a:p>
+          <a:p>
+            <a:pPr lvl="4"/>
+            <a:r>
+              <a:rPr lang="en-US"/>
+              <a:t>Fifth level</a:t>
+            </a:r>
+            <a:endParaRPr lang="en-US" dirty="0"/>
+          </a:p>
+        </p:txBody>
+      </p:sp>
+      <p:sp>
+        <p:nvSpPr>
+          <p:cNvPr id="4" name="Text Placeholder 3"/>
+          <p:cNvSpPr>
+            <a:spLocks noGrp="1"/>
+          </p:cNvSpPr>
+          <p:nvPr>
+            <p:ph type="body" sz="half" idx="2"/>
           </p:nvPr>
         </p:nvSpPr>
         <p:spPr>
           <a:xfrm>
-            <a:off x="5183188" y="987425"/>
-            <a:ext cx="6172200" cy="4873625"/>
+            <a:off x="1484312" y="2971800"/>
+            <a:ext cx="3549121" cy="1828800"/>
           </a:xfrm>
         </p:spPr>
         <p:txBody>
-          <a:bodyPr/>
+          <a:bodyPr>
+            <a:normAutofit/>
+          </a:bodyPr>
           <a:lstStyle>
-            <a:lvl1pPr>
-              <a:defRPr sz="3200"/>
-            </a:lvl1pPr>
-            <a:lvl2pPr>
-              <a:defRPr sz="2800"/>
-            </a:lvl2pPr>
-            <a:lvl3pPr>
-              <a:defRPr sz="2400"/>
-            </a:lvl3pPr>
-            <a:lvl4pPr>
-              <a:defRPr sz="2000"/>
-            </a:lvl4pPr>
-            <a:lvl5pPr>
-              <a:defRPr sz="2000"/>
-            </a:lvl5pPr>
-            <a:lvl6pPr>
-              <a:defRPr sz="2000"/>
-            </a:lvl6pPr>
-            <a:lvl7pPr>
-              <a:defRPr sz="2000"/>
-            </a:lvl7pPr>
-            <a:lvl8pPr>
-              <a:defRPr sz="2000"/>
-            </a:lvl8pPr>
-            <a:lvl9pPr>
-              <a:defRPr sz="2000"/>
-            </a:lvl9pPr>
-          </a:lstStyle>
-          <a:p>
-            <a:pPr lvl="0"/>
-            <a:r>
-              <a:rPr lang="en-US"/>
-              <a:t>Click to edit Master text styles</a:t>
-            </a:r>
-          </a:p>
-          <a:p>
-            <a:pPr lvl="1"/>
-            <a:r>
-              <a:rPr lang="en-US"/>
-              <a:t>Second level</a:t>
-            </a:r>
-          </a:p>
-          <a:p>
-            <a:pPr lvl="2"/>
-            <a:r>
-              <a:rPr lang="en-US"/>
-              <a:t>Third level</a:t>
-            </a:r>
-          </a:p>
-          <a:p>
-            <a:pPr lvl="3"/>
-            <a:r>
-              <a:rPr lang="en-US"/>
-              <a:t>Fourth level</a:t>
-            </a:r>
-          </a:p>
-          <a:p>
-            <a:pPr lvl="4"/>
-            <a:r>
-              <a:rPr lang="en-US"/>
-              <a:t>Fifth level</a:t>
-            </a:r>
-          </a:p>
-        </p:txBody>
-      </p:sp>
-      <p:sp>
-        <p:nvSpPr>
-          <p:cNvPr id="4" name="Text Placeholder 3">
-            <a:extLst>
-              <a:ext uri="{FF2B5EF4-FFF2-40B4-BE49-F238E27FC236}">
-                <a16:creationId xmlns:a16="http://schemas.microsoft.com/office/drawing/2014/main" id="{68F57646-8D6C-B165-A199-8D216C637091}"/>
-              </a:ext>
-            </a:extLst>
-          </p:cNvPr>
-          <p:cNvSpPr>
-            <a:spLocks noGrp="1"/>
-          </p:cNvSpPr>
-          <p:nvPr>
-            <p:ph type="body" sz="half" idx="2"/>
-          </p:nvPr>
-        </p:nvSpPr>
-        <p:spPr>
-          <a:xfrm>
-            <a:off x="839788" y="2057400"/>
-            <a:ext cx="3932237" cy="3811588"/>
-          </a:xfrm>
-        </p:spPr>
-        <p:txBody>
-          <a:bodyPr/>
-          <a:lstStyle>
-            <a:lvl1pPr marL="0" indent="0">
+            <a:lvl1pPr marL="0" indent="0" algn="ctr">
               <a:buNone/>
               <a:defRPr sz="1600"/>
             </a:lvl1pPr>
             <a:lvl2pPr marL="457200" indent="0">
               <a:buNone/>
-              <a:defRPr sz="1400"/>
+              <a:defRPr sz="1200"/>
             </a:lvl2pPr>
             <a:lvl3pPr marL="914400" indent="0">
               <a:buNone/>
-              <a:defRPr sz="1200"/>
+              <a:defRPr sz="1000"/>
             </a:lvl3pPr>
             <a:lvl4pPr marL="1371600" indent="0">
               <a:buNone/>
-              <a:defRPr sz="1000"/>
+              <a:defRPr sz="900"/>
             </a:lvl4pPr>
             <a:lvl5pPr marL="1828800" indent="0">
               <a:buNone/>
-              <a:defRPr sz="1000"/>
+              <a:defRPr sz="900"/>
             </a:lvl5pPr>
             <a:lvl6pPr marL="2286000" indent="0">
               <a:buNone/>
-              <a:defRPr sz="1000"/>
+              <a:defRPr sz="900"/>
             </a:lvl6pPr>
             <a:lvl7pPr marL="2743200" indent="0">
               <a:buNone/>
-              <a:defRPr sz="1000"/>
+              <a:defRPr sz="900"/>
             </a:lvl7pPr>
             <a:lvl8pPr marL="3200400" indent="0">
               <a:buNone/>
-              <a:defRPr sz="1000"/>
+              <a:defRPr sz="900"/>
             </a:lvl8pPr>
             <a:lvl9pPr marL="3657600" indent="0">
               <a:buNone/>
-              <a:defRPr sz="1000"/>
+              <a:defRPr sz="900"/>
             </a:lvl9pPr>
           </a:lstStyle>
           <a:p>
@@ -2355,13 +4771,7 @@
       </p:sp>
       <p:sp>
         <p:nvSpPr>
-          <p:cNvPr id="5" name="Date Placeholder 4">
-            <a:extLst>
-              <a:ext uri="{FF2B5EF4-FFF2-40B4-BE49-F238E27FC236}">
-                <a16:creationId xmlns:a16="http://schemas.microsoft.com/office/drawing/2014/main" id="{353FB8EE-E691-26BB-AF56-6FB2669E013A}"/>
-              </a:ext>
-            </a:extLst>
-          </p:cNvPr>
+          <p:cNvPr id="5" name="Date Placeholder 4"/>
           <p:cNvSpPr>
             <a:spLocks noGrp="1"/>
           </p:cNvSpPr>
@@ -2376,7 +4786,7 @@
           <a:p>
             <a:fld id="{1F7CAC8B-306A-43E7-A73E-B37C45497C0F}" type="datetimeFigureOut">
               <a:rPr lang="en-US" smtClean="0"/>
-              <a:t>8/11/2024</a:t>
+              <a:t>8/12/2024</a:t>
             </a:fld>
             <a:endParaRPr lang="en-US"/>
           </a:p>
@@ -2384,13 +4794,7 @@
       </p:sp>
       <p:sp>
         <p:nvSpPr>
-          <p:cNvPr id="6" name="Footer Placeholder 5">
-            <a:extLst>
-              <a:ext uri="{FF2B5EF4-FFF2-40B4-BE49-F238E27FC236}">
-                <a16:creationId xmlns:a16="http://schemas.microsoft.com/office/drawing/2014/main" id="{B74B2186-FD88-DACF-0553-E83EC0D7CF42}"/>
-              </a:ext>
-            </a:extLst>
-          </p:cNvPr>
+          <p:cNvPr id="6" name="Footer Placeholder 5"/>
           <p:cNvSpPr>
             <a:spLocks noGrp="1"/>
           </p:cNvSpPr>
@@ -2409,13 +4813,7 @@
       </p:sp>
       <p:sp>
         <p:nvSpPr>
-          <p:cNvPr id="7" name="Slide Number Placeholder 6">
-            <a:extLst>
-              <a:ext uri="{FF2B5EF4-FFF2-40B4-BE49-F238E27FC236}">
-                <a16:creationId xmlns:a16="http://schemas.microsoft.com/office/drawing/2014/main" id="{4A3DBAE1-10EC-95C1-C714-AEF76FBC8FA0}"/>
-              </a:ext>
-            </a:extLst>
-          </p:cNvPr>
+          <p:cNvPr id="7" name="Slide Number Placeholder 6"/>
           <p:cNvSpPr>
             <a:spLocks noGrp="1"/>
           </p:cNvSpPr>
@@ -2439,7 +4837,7 @@
     </p:spTree>
     <p:extLst>
       <p:ext uri="{BB962C8B-B14F-4D97-AF65-F5344CB8AC3E}">
-        <p14:creationId xmlns:p14="http://schemas.microsoft.com/office/powerpoint/2010/main" val="2569048567"/>
+        <p14:creationId xmlns:p14="http://schemas.microsoft.com/office/powerpoint/2010/main" val="831013370"/>
       </p:ext>
     </p:extLst>
   </p:cSld>
@@ -2468,13 +4866,7 @@
       </p:grpSpPr>
       <p:sp>
         <p:nvSpPr>
-          <p:cNvPr id="2" name="Title 1">
-            <a:extLst>
-              <a:ext uri="{FF2B5EF4-FFF2-40B4-BE49-F238E27FC236}">
-                <a16:creationId xmlns:a16="http://schemas.microsoft.com/office/drawing/2014/main" id="{2283116D-113C-2AA3-A2F9-B834AFEA661C}"/>
-              </a:ext>
-            </a:extLst>
-          </p:cNvPr>
+          <p:cNvPr id="2" name="Title 1"/>
           <p:cNvSpPr>
             <a:spLocks noGrp="1"/>
           </p:cNvSpPr>
@@ -2484,15 +4876,17 @@
         </p:nvSpPr>
         <p:spPr>
           <a:xfrm>
-            <a:off x="839788" y="457200"/>
-            <a:ext cx="3932237" cy="1600200"/>
+            <a:off x="1482724" y="1752599"/>
+            <a:ext cx="5426158" cy="1371600"/>
           </a:xfrm>
         </p:spPr>
         <p:txBody>
-          <a:bodyPr anchor="b"/>
+          <a:bodyPr anchor="b">
+            <a:normAutofit/>
+          </a:bodyPr>
           <a:lstStyle>
-            <a:lvl1pPr>
-              <a:defRPr sz="3200"/>
+            <a:lvl1pPr algn="ctr">
+              <a:defRPr sz="2800" b="0"/>
             </a:lvl1pPr>
           </a:lstStyle>
           <a:p>
@@ -2500,20 +4894,15 @@
               <a:rPr lang="en-US"/>
               <a:t>Click to edit Master title style</a:t>
             </a:r>
-          </a:p>
-        </p:txBody>
-      </p:sp>
-      <p:sp>
-        <p:nvSpPr>
-          <p:cNvPr id="3" name="Picture Placeholder 2">
-            <a:extLst>
-              <a:ext uri="{FF2B5EF4-FFF2-40B4-BE49-F238E27FC236}">
-                <a16:creationId xmlns:a16="http://schemas.microsoft.com/office/drawing/2014/main" id="{9BBF7C96-4C6F-D224-A60D-6FE146DB628C}"/>
-              </a:ext>
-            </a:extLst>
-          </p:cNvPr>
-          <p:cNvSpPr>
-            <a:spLocks noGrp="1"/>
+            <a:endParaRPr lang="en-US" dirty="0"/>
+          </a:p>
+        </p:txBody>
+      </p:sp>
+      <p:sp>
+        <p:nvSpPr>
+          <p:cNvPr id="14" name="Picture Placeholder 2"/>
+          <p:cNvSpPr>
+            <a:spLocks noGrp="1" noChangeAspect="1"/>
           </p:cNvSpPr>
           <p:nvPr>
             <p:ph type="pic" idx="1"/>
@@ -2521,118 +4910,148 @@
         </p:nvSpPr>
         <p:spPr>
           <a:xfrm>
-            <a:off x="5183188" y="987425"/>
-            <a:ext cx="6172200" cy="4873625"/>
+            <a:off x="7594682" y="914400"/>
+            <a:ext cx="3280974" cy="4572000"/>
           </a:xfrm>
+          <a:prstGeom prst="roundRect">
+            <a:avLst>
+              <a:gd name="adj" fmla="val 4280"/>
+            </a:avLst>
+          </a:prstGeom>
+          <a:ln w="38100">
+            <a:gradFill flip="none" rotWithShape="1">
+              <a:gsLst>
+                <a:gs pos="0">
+                  <a:schemeClr val="bg2"/>
+                </a:gs>
+                <a:gs pos="100000">
+                  <a:schemeClr val="bg2">
+                    <a:lumMod val="75000"/>
+                  </a:schemeClr>
+                </a:gs>
+              </a:gsLst>
+              <a:lin ang="5400000" scaled="0"/>
+              <a:tileRect/>
+            </a:gradFill>
+          </a:ln>
+          <a:effectLst>
+            <a:innerShdw blurRad="57150" dist="38100" dir="14460000">
+              <a:srgbClr val="000000">
+                <a:alpha val="70000"/>
+              </a:srgbClr>
+            </a:innerShdw>
+          </a:effectLst>
         </p:spPr>
         <p:txBody>
-          <a:bodyPr/>
+          <a:bodyPr anchor="t">
+            <a:normAutofit/>
+          </a:bodyPr>
           <a:lstStyle>
-            <a:lvl1pPr marL="0" indent="0">
-              <a:buNone/>
-              <a:defRPr sz="3200"/>
-            </a:lvl1pPr>
-            <a:lvl2pPr marL="457200" indent="0">
-              <a:buNone/>
-              <a:defRPr sz="2800"/>
-            </a:lvl2pPr>
-            <a:lvl3pPr marL="914400" indent="0">
-              <a:buNone/>
-              <a:defRPr sz="2400"/>
-            </a:lvl3pPr>
-            <a:lvl4pPr marL="1371600" indent="0">
-              <a:buNone/>
-              <a:defRPr sz="2000"/>
-            </a:lvl4pPr>
-            <a:lvl5pPr marL="1828800" indent="0">
-              <a:buNone/>
-              <a:defRPr sz="2000"/>
-            </a:lvl5pPr>
-            <a:lvl6pPr marL="2286000" indent="0">
-              <a:buNone/>
-              <a:defRPr sz="2000"/>
-            </a:lvl6pPr>
-            <a:lvl7pPr marL="2743200" indent="0">
-              <a:buNone/>
-              <a:defRPr sz="2000"/>
-            </a:lvl7pPr>
-            <a:lvl8pPr marL="3200400" indent="0">
-              <a:buNone/>
-              <a:defRPr sz="2000"/>
-            </a:lvl8pPr>
-            <a:lvl9pPr marL="3657600" indent="0">
-              <a:buNone/>
-              <a:defRPr sz="2000"/>
-            </a:lvl9pPr>
-          </a:lstStyle>
-          <a:p>
-            <a:endParaRPr lang="en-US"/>
-          </a:p>
-        </p:txBody>
-      </p:sp>
-      <p:sp>
-        <p:nvSpPr>
-          <p:cNvPr id="4" name="Text Placeholder 3">
-            <a:extLst>
-              <a:ext uri="{FF2B5EF4-FFF2-40B4-BE49-F238E27FC236}">
-                <a16:creationId xmlns:a16="http://schemas.microsoft.com/office/drawing/2014/main" id="{2893566C-F4BB-696F-CE64-DCD2BEDDE534}"/>
-              </a:ext>
-            </a:extLst>
-          </p:cNvPr>
-          <p:cNvSpPr>
-            <a:spLocks noGrp="1"/>
-          </p:cNvSpPr>
-          <p:nvPr>
-            <p:ph type="body" sz="half" idx="2"/>
-          </p:nvPr>
-        </p:nvSpPr>
-        <p:spPr>
-          <a:xfrm>
-            <a:off x="839788" y="2057400"/>
-            <a:ext cx="3932237" cy="3811588"/>
-          </a:xfrm>
-        </p:spPr>
-        <p:txBody>
-          <a:bodyPr/>
-          <a:lstStyle>
-            <a:lvl1pPr marL="0" indent="0">
+            <a:lvl1pPr marL="0" indent="0" algn="ctr">
               <a:buNone/>
               <a:defRPr sz="1600"/>
             </a:lvl1pPr>
             <a:lvl2pPr marL="457200" indent="0">
               <a:buNone/>
-              <a:defRPr sz="1400"/>
+              <a:defRPr sz="1600"/>
             </a:lvl2pPr>
             <a:lvl3pPr marL="914400" indent="0">
               <a:buNone/>
-              <a:defRPr sz="1200"/>
+              <a:defRPr sz="1600"/>
             </a:lvl3pPr>
             <a:lvl4pPr marL="1371600" indent="0">
               <a:buNone/>
-              <a:defRPr sz="1000"/>
+              <a:defRPr sz="1600"/>
             </a:lvl4pPr>
             <a:lvl5pPr marL="1828800" indent="0">
               <a:buNone/>
-              <a:defRPr sz="1000"/>
+              <a:defRPr sz="1600"/>
             </a:lvl5pPr>
             <a:lvl6pPr marL="2286000" indent="0">
               <a:buNone/>
-              <a:defRPr sz="1000"/>
+              <a:defRPr sz="1600"/>
             </a:lvl6pPr>
             <a:lvl7pPr marL="2743200" indent="0">
               <a:buNone/>
-              <a:defRPr sz="1000"/>
+              <a:defRPr sz="1600"/>
             </a:lvl7pPr>
             <a:lvl8pPr marL="3200400" indent="0">
               <a:buNone/>
-              <a:defRPr sz="1000"/>
+              <a:defRPr sz="1600"/>
             </a:lvl8pPr>
             <a:lvl9pPr marL="3657600" indent="0">
               <a:buNone/>
-              <a:defRPr sz="1000"/>
+              <a:defRPr sz="1600"/>
             </a:lvl9pPr>
           </a:lstStyle>
           <a:p>
+            <a:r>
+              <a:rPr lang="en-US"/>
+              <a:t>Click icon to add picture</a:t>
+            </a:r>
+            <a:endParaRPr lang="en-US" dirty="0"/>
+          </a:p>
+        </p:txBody>
+      </p:sp>
+      <p:sp>
+        <p:nvSpPr>
+          <p:cNvPr id="4" name="Text Placeholder 3"/>
+          <p:cNvSpPr>
+            <a:spLocks noGrp="1"/>
+          </p:cNvSpPr>
+          <p:nvPr>
+            <p:ph type="body" sz="half" idx="2"/>
+          </p:nvPr>
+        </p:nvSpPr>
+        <p:spPr>
+          <a:xfrm>
+            <a:off x="1482724" y="3124199"/>
+            <a:ext cx="5426158" cy="1828800"/>
+          </a:xfrm>
+        </p:spPr>
+        <p:txBody>
+          <a:bodyPr>
+            <a:normAutofit/>
+          </a:bodyPr>
+          <a:lstStyle>
+            <a:lvl1pPr marL="0" indent="0" algn="ctr">
+              <a:buNone/>
+              <a:defRPr sz="1800"/>
+            </a:lvl1pPr>
+            <a:lvl2pPr marL="457200" indent="0">
+              <a:buNone/>
+              <a:defRPr sz="1200"/>
+            </a:lvl2pPr>
+            <a:lvl3pPr marL="914400" indent="0">
+              <a:buNone/>
+              <a:defRPr sz="1000"/>
+            </a:lvl3pPr>
+            <a:lvl4pPr marL="1371600" indent="0">
+              <a:buNone/>
+              <a:defRPr sz="900"/>
+            </a:lvl4pPr>
+            <a:lvl5pPr marL="1828800" indent="0">
+              <a:buNone/>
+              <a:defRPr sz="900"/>
+            </a:lvl5pPr>
+            <a:lvl6pPr marL="2286000" indent="0">
+              <a:buNone/>
+              <a:defRPr sz="900"/>
+            </a:lvl6pPr>
+            <a:lvl7pPr marL="2743200" indent="0">
+              <a:buNone/>
+              <a:defRPr sz="900"/>
+            </a:lvl7pPr>
+            <a:lvl8pPr marL="3200400" indent="0">
+              <a:buNone/>
+              <a:defRPr sz="900"/>
+            </a:lvl8pPr>
+            <a:lvl9pPr marL="3657600" indent="0">
+              <a:buNone/>
+              <a:defRPr sz="900"/>
+            </a:lvl9pPr>
+          </a:lstStyle>
+          <a:p>
             <a:pPr lvl="0"/>
             <a:r>
               <a:rPr lang="en-US"/>
@@ -2643,13 +5062,7 @@
       </p:sp>
       <p:sp>
         <p:nvSpPr>
-          <p:cNvPr id="5" name="Date Placeholder 4">
-            <a:extLst>
-              <a:ext uri="{FF2B5EF4-FFF2-40B4-BE49-F238E27FC236}">
-                <a16:creationId xmlns:a16="http://schemas.microsoft.com/office/drawing/2014/main" id="{A939000B-1663-854D-29C5-A2EA83256451}"/>
-              </a:ext>
-            </a:extLst>
-          </p:cNvPr>
+          <p:cNvPr id="5" name="Date Placeholder 4"/>
           <p:cNvSpPr>
             <a:spLocks noGrp="1"/>
           </p:cNvSpPr>
@@ -2664,7 +5077,7 @@
           <a:p>
             <a:fld id="{1F7CAC8B-306A-43E7-A73E-B37C45497C0F}" type="datetimeFigureOut">
               <a:rPr lang="en-US" smtClean="0"/>
-              <a:t>8/11/2024</a:t>
+              <a:t>8/12/2024</a:t>
             </a:fld>
             <a:endParaRPr lang="en-US"/>
           </a:p>
@@ -2672,13 +5085,7 @@
       </p:sp>
       <p:sp>
         <p:nvSpPr>
-          <p:cNvPr id="6" name="Footer Placeholder 5">
-            <a:extLst>
-              <a:ext uri="{FF2B5EF4-FFF2-40B4-BE49-F238E27FC236}">
-                <a16:creationId xmlns:a16="http://schemas.microsoft.com/office/drawing/2014/main" id="{5BDADADB-A38E-AD0F-D168-08AFB4C48F24}"/>
-              </a:ext>
-            </a:extLst>
-          </p:cNvPr>
+          <p:cNvPr id="6" name="Footer Placeholder 5"/>
           <p:cNvSpPr>
             <a:spLocks noGrp="1"/>
           </p:cNvSpPr>
@@ -2697,13 +5104,7 @@
       </p:sp>
       <p:sp>
         <p:nvSpPr>
-          <p:cNvPr id="7" name="Slide Number Placeholder 6">
-            <a:extLst>
-              <a:ext uri="{FF2B5EF4-FFF2-40B4-BE49-F238E27FC236}">
-                <a16:creationId xmlns:a16="http://schemas.microsoft.com/office/drawing/2014/main" id="{BA2C83B9-F4B8-040D-DAA2-CEE4E2089CC8}"/>
-              </a:ext>
-            </a:extLst>
-          </p:cNvPr>
+          <p:cNvPr id="7" name="Slide Number Placeholder 6"/>
           <p:cNvSpPr>
             <a:spLocks noGrp="1"/>
           </p:cNvSpPr>
@@ -2727,7 +5128,7 @@
     </p:spTree>
     <p:extLst>
       <p:ext uri="{BB962C8B-B14F-4D97-AF65-F5344CB8AC3E}">
-        <p14:creationId xmlns:p14="http://schemas.microsoft.com/office/powerpoint/2010/main" val="2033360575"/>
+        <p14:creationId xmlns:p14="http://schemas.microsoft.com/office/powerpoint/2010/main" val="1937862506"/>
       </p:ext>
     </p:extLst>
   </p:cSld>
@@ -2741,8 +5142,8 @@
 <p:sldMaster xmlns:a="http://schemas.openxmlformats.org/drawingml/2006/main" xmlns:r="http://schemas.openxmlformats.org/officeDocument/2006/relationships" xmlns:p="http://schemas.openxmlformats.org/presentationml/2006/main">
   <p:cSld>
     <p:bg>
-      <p:bgRef idx="1001">
-        <a:schemeClr val="bg1"/>
+      <p:bgRef idx="1003">
+        <a:schemeClr val="bg2"/>
       </p:bgRef>
     </p:bg>
     <p:spTree>
@@ -2759,15 +5160,325 @@
           <a:chExt cx="0" cy="0"/>
         </a:xfrm>
       </p:grpSpPr>
-      <p:sp>
-        <p:nvSpPr>
-          <p:cNvPr id="2" name="Title Placeholder 1">
-            <a:extLst>
-              <a:ext uri="{FF2B5EF4-FFF2-40B4-BE49-F238E27FC236}">
-                <a16:creationId xmlns:a16="http://schemas.microsoft.com/office/drawing/2014/main" id="{9B8E6B6C-C5D8-9B3C-38F7-0AF1039303F0}"/>
-              </a:ext>
-            </a:extLst>
-          </p:cNvPr>
+      <p:grpSp>
+        <p:nvGrpSpPr>
+          <p:cNvPr id="7" name="Group 6"/>
+          <p:cNvGrpSpPr/>
+          <p:nvPr/>
+        </p:nvGrpSpPr>
+        <p:grpSpPr>
+          <a:xfrm>
+            <a:off x="150812" y="0"/>
+            <a:ext cx="2436813" cy="6858001"/>
+            <a:chOff x="1320800" y="0"/>
+            <a:chExt cx="2436813" cy="6858001"/>
+          </a:xfrm>
+        </p:grpSpPr>
+        <p:sp>
+          <p:nvSpPr>
+            <p:cNvPr id="8" name="Freeform 6"/>
+            <p:cNvSpPr/>
+            <p:nvPr/>
+          </p:nvSpPr>
+          <p:spPr bwMode="auto">
+            <a:xfrm>
+              <a:off x="1627188" y="0"/>
+              <a:ext cx="1122363" cy="5329238"/>
+            </a:xfrm>
+            <a:custGeom>
+              <a:avLst/>
+              <a:gdLst/>
+              <a:ahLst/>
+              <a:cxnLst/>
+              <a:rect l="0" t="0" r="r" b="b"/>
+              <a:pathLst>
+                <a:path w="707" h="3357">
+                  <a:moveTo>
+                    <a:pt x="0" y="3330"/>
+                  </a:moveTo>
+                  <a:lnTo>
+                    <a:pt x="156" y="3357"/>
+                  </a:lnTo>
+                  <a:lnTo>
+                    <a:pt x="707" y="0"/>
+                  </a:lnTo>
+                  <a:lnTo>
+                    <a:pt x="547" y="0"/>
+                  </a:lnTo>
+                  <a:lnTo>
+                    <a:pt x="0" y="3330"/>
+                  </a:lnTo>
+                  <a:close/>
+                </a:path>
+              </a:pathLst>
+            </a:custGeom>
+            <a:solidFill>
+              <a:schemeClr val="accent1"/>
+            </a:solidFill>
+            <a:ln>
+              <a:noFill/>
+            </a:ln>
+          </p:spPr>
+        </p:sp>
+        <p:sp>
+          <p:nvSpPr>
+            <p:cNvPr id="9" name="Freeform 7"/>
+            <p:cNvSpPr/>
+            <p:nvPr/>
+          </p:nvSpPr>
+          <p:spPr bwMode="auto">
+            <a:xfrm>
+              <a:off x="1320800" y="0"/>
+              <a:ext cx="1117600" cy="5276850"/>
+            </a:xfrm>
+            <a:custGeom>
+              <a:avLst/>
+              <a:gdLst/>
+              <a:ahLst/>
+              <a:cxnLst/>
+              <a:rect l="0" t="0" r="r" b="b"/>
+              <a:pathLst>
+                <a:path w="704" h="3324">
+                  <a:moveTo>
+                    <a:pt x="704" y="0"/>
+                  </a:moveTo>
+                  <a:lnTo>
+                    <a:pt x="545" y="0"/>
+                  </a:lnTo>
+                  <a:lnTo>
+                    <a:pt x="0" y="3300"/>
+                  </a:lnTo>
+                  <a:lnTo>
+                    <a:pt x="157" y="3324"/>
+                  </a:lnTo>
+                  <a:lnTo>
+                    <a:pt x="704" y="0"/>
+                  </a:lnTo>
+                  <a:close/>
+                </a:path>
+              </a:pathLst>
+            </a:custGeom>
+            <a:solidFill>
+              <a:schemeClr val="tx1">
+                <a:lumMod val="65000"/>
+                <a:lumOff val="35000"/>
+              </a:schemeClr>
+            </a:solidFill>
+            <a:ln>
+              <a:noFill/>
+            </a:ln>
+          </p:spPr>
+        </p:sp>
+        <p:sp>
+          <p:nvSpPr>
+            <p:cNvPr id="10" name="Freeform 8"/>
+            <p:cNvSpPr/>
+            <p:nvPr/>
+          </p:nvSpPr>
+          <p:spPr bwMode="auto">
+            <a:xfrm>
+              <a:off x="1320800" y="5238750"/>
+              <a:ext cx="1228725" cy="1619250"/>
+            </a:xfrm>
+            <a:custGeom>
+              <a:avLst/>
+              <a:gdLst/>
+              <a:ahLst/>
+              <a:cxnLst/>
+              <a:rect l="0" t="0" r="r" b="b"/>
+              <a:pathLst>
+                <a:path w="774" h="1020">
+                  <a:moveTo>
+                    <a:pt x="0" y="0"/>
+                  </a:moveTo>
+                  <a:lnTo>
+                    <a:pt x="740" y="1020"/>
+                  </a:lnTo>
+                  <a:lnTo>
+                    <a:pt x="774" y="1020"/>
+                  </a:lnTo>
+                  <a:lnTo>
+                    <a:pt x="0" y="0"/>
+                  </a:lnTo>
+                  <a:close/>
+                </a:path>
+              </a:pathLst>
+            </a:custGeom>
+            <a:solidFill>
+              <a:schemeClr val="tx1">
+                <a:lumMod val="85000"/>
+                <a:lumOff val="15000"/>
+              </a:schemeClr>
+            </a:solidFill>
+            <a:ln>
+              <a:noFill/>
+            </a:ln>
+          </p:spPr>
+        </p:sp>
+        <p:sp>
+          <p:nvSpPr>
+            <p:cNvPr id="11" name="Freeform 9"/>
+            <p:cNvSpPr/>
+            <p:nvPr/>
+          </p:nvSpPr>
+          <p:spPr bwMode="auto">
+            <a:xfrm>
+              <a:off x="1627188" y="5291138"/>
+              <a:ext cx="1495425" cy="1566863"/>
+            </a:xfrm>
+            <a:custGeom>
+              <a:avLst/>
+              <a:gdLst/>
+              <a:ahLst/>
+              <a:cxnLst/>
+              <a:rect l="0" t="0" r="r" b="b"/>
+              <a:pathLst>
+                <a:path w="942" h="987">
+                  <a:moveTo>
+                    <a:pt x="0" y="0"/>
+                  </a:moveTo>
+                  <a:lnTo>
+                    <a:pt x="909" y="987"/>
+                  </a:lnTo>
+                  <a:lnTo>
+                    <a:pt x="942" y="987"/>
+                  </a:lnTo>
+                  <a:lnTo>
+                    <a:pt x="0" y="0"/>
+                  </a:lnTo>
+                  <a:close/>
+                </a:path>
+              </a:pathLst>
+            </a:custGeom>
+            <a:solidFill>
+              <a:schemeClr val="accent1">
+                <a:lumMod val="50000"/>
+              </a:schemeClr>
+            </a:solidFill>
+            <a:ln>
+              <a:noFill/>
+            </a:ln>
+          </p:spPr>
+        </p:sp>
+        <p:sp>
+          <p:nvSpPr>
+            <p:cNvPr id="12" name="Freeform 10"/>
+            <p:cNvSpPr/>
+            <p:nvPr/>
+          </p:nvSpPr>
+          <p:spPr bwMode="auto">
+            <a:xfrm>
+              <a:off x="1627188" y="5286375"/>
+              <a:ext cx="2130425" cy="1571625"/>
+            </a:xfrm>
+            <a:custGeom>
+              <a:avLst/>
+              <a:gdLst/>
+              <a:ahLst/>
+              <a:cxnLst/>
+              <a:rect l="0" t="0" r="r" b="b"/>
+              <a:pathLst>
+                <a:path w="1342" h="990">
+                  <a:moveTo>
+                    <a:pt x="0" y="3"/>
+                  </a:moveTo>
+                  <a:lnTo>
+                    <a:pt x="942" y="990"/>
+                  </a:lnTo>
+                  <a:lnTo>
+                    <a:pt x="1342" y="990"/>
+                  </a:lnTo>
+                  <a:lnTo>
+                    <a:pt x="156" y="27"/>
+                  </a:lnTo>
+                  <a:lnTo>
+                    <a:pt x="0" y="0"/>
+                  </a:lnTo>
+                  <a:lnTo>
+                    <a:pt x="0" y="3"/>
+                  </a:lnTo>
+                  <a:close/>
+                </a:path>
+              </a:pathLst>
+            </a:custGeom>
+            <a:solidFill>
+              <a:schemeClr val="accent1">
+                <a:lumMod val="75000"/>
+              </a:schemeClr>
+            </a:solidFill>
+            <a:ln>
+              <a:noFill/>
+            </a:ln>
+          </p:spPr>
+        </p:sp>
+        <p:sp>
+          <p:nvSpPr>
+            <p:cNvPr id="13" name="Freeform 11"/>
+            <p:cNvSpPr/>
+            <p:nvPr/>
+          </p:nvSpPr>
+          <p:spPr bwMode="auto">
+            <a:xfrm>
+              <a:off x="1320800" y="5238750"/>
+              <a:ext cx="1695450" cy="1619250"/>
+            </a:xfrm>
+            <a:custGeom>
+              <a:avLst/>
+              <a:gdLst/>
+              <a:ahLst/>
+              <a:cxnLst/>
+              <a:rect l="0" t="0" r="r" b="b"/>
+              <a:pathLst>
+                <a:path w="1068" h="1020">
+                  <a:moveTo>
+                    <a:pt x="1068" y="1020"/>
+                  </a:moveTo>
+                  <a:lnTo>
+                    <a:pt x="184" y="60"/>
+                  </a:lnTo>
+                  <a:lnTo>
+                    <a:pt x="154" y="27"/>
+                  </a:lnTo>
+                  <a:lnTo>
+                    <a:pt x="157" y="27"/>
+                  </a:lnTo>
+                  <a:lnTo>
+                    <a:pt x="157" y="24"/>
+                  </a:lnTo>
+                  <a:lnTo>
+                    <a:pt x="154" y="24"/>
+                  </a:lnTo>
+                  <a:lnTo>
+                    <a:pt x="0" y="0"/>
+                  </a:lnTo>
+                  <a:lnTo>
+                    <a:pt x="0" y="0"/>
+                  </a:lnTo>
+                  <a:lnTo>
+                    <a:pt x="774" y="1020"/>
+                  </a:lnTo>
+                  <a:lnTo>
+                    <a:pt x="1068" y="1020"/>
+                  </a:lnTo>
+                  <a:close/>
+                </a:path>
+              </a:pathLst>
+            </a:custGeom>
+            <a:solidFill>
+              <a:schemeClr val="tx1">
+                <a:lumMod val="75000"/>
+                <a:lumOff val="25000"/>
+              </a:schemeClr>
+            </a:solidFill>
+            <a:ln>
+              <a:noFill/>
+            </a:ln>
+          </p:spPr>
+        </p:sp>
+      </p:grpSp>
+      <p:sp>
+        <p:nvSpPr>
+          <p:cNvPr id="2" name="Title Placeholder 1"/>
           <p:cNvSpPr>
             <a:spLocks noGrp="1"/>
           </p:cNvSpPr>
@@ -2777,8 +5488,42 @@
         </p:nvSpPr>
         <p:spPr>
           <a:xfrm>
-            <a:off x="838200" y="365125"/>
-            <a:ext cx="10515600" cy="1325563"/>
+            <a:off x="1484311" y="685800"/>
+            <a:ext cx="10018713" cy="1752599"/>
+          </a:xfrm>
+          <a:prstGeom prst="rect">
+            <a:avLst/>
+          </a:prstGeom>
+          <a:effectLst/>
+        </p:spPr>
+        <p:txBody>
+          <a:bodyPr vert="horz" lIns="91440" tIns="45720" rIns="91440" bIns="45720" rtlCol="0" anchor="ctr">
+            <a:normAutofit/>
+          </a:bodyPr>
+          <a:lstStyle/>
+          <a:p>
+            <a:r>
+              <a:rPr lang="en-US"/>
+              <a:t>Click to edit Master title style</a:t>
+            </a:r>
+            <a:endParaRPr lang="en-US" dirty="0"/>
+          </a:p>
+        </p:txBody>
+      </p:sp>
+      <p:sp>
+        <p:nvSpPr>
+          <p:cNvPr id="3" name="Text Placeholder 2"/>
+          <p:cNvSpPr>
+            <a:spLocks noGrp="1"/>
+          </p:cNvSpPr>
+          <p:nvPr>
+            <p:ph type="body" idx="1"/>
+          </p:nvPr>
+        </p:nvSpPr>
+        <p:spPr>
+          <a:xfrm>
+            <a:off x="1484310" y="2666999"/>
+            <a:ext cx="10018713" cy="3124201"/>
           </a:xfrm>
           <a:prstGeom prst="rect">
             <a:avLst/>
@@ -2790,100 +5535,98 @@
           </a:bodyPr>
           <a:lstStyle/>
           <a:p>
-            <a:r>
-              <a:rPr lang="en-US"/>
-              <a:t>Click to edit Master title style</a:t>
-            </a:r>
-          </a:p>
-        </p:txBody>
-      </p:sp>
-      <p:sp>
-        <p:nvSpPr>
-          <p:cNvPr id="3" name="Text Placeholder 2">
-            <a:extLst>
-              <a:ext uri="{FF2B5EF4-FFF2-40B4-BE49-F238E27FC236}">
-                <a16:creationId xmlns:a16="http://schemas.microsoft.com/office/drawing/2014/main" id="{9A09C177-D147-F6DD-FAC7-A66D836C9ECD}"/>
-              </a:ext>
-            </a:extLst>
-          </p:cNvPr>
-          <p:cNvSpPr>
-            <a:spLocks noGrp="1"/>
-          </p:cNvSpPr>
-          <p:nvPr>
-            <p:ph type="body" idx="1"/>
+            <a:pPr lvl="0"/>
+            <a:r>
+              <a:rPr lang="en-US"/>
+              <a:t>Click to edit Master text styles</a:t>
+            </a:r>
+          </a:p>
+          <a:p>
+            <a:pPr lvl="1"/>
+            <a:r>
+              <a:rPr lang="en-US"/>
+              <a:t>Second level</a:t>
+            </a:r>
+          </a:p>
+          <a:p>
+            <a:pPr lvl="2"/>
+            <a:r>
+              <a:rPr lang="en-US"/>
+              <a:t>Third level</a:t>
+            </a:r>
+          </a:p>
+          <a:p>
+            <a:pPr lvl="3"/>
+            <a:r>
+              <a:rPr lang="en-US"/>
+              <a:t>Fourth level</a:t>
+            </a:r>
+          </a:p>
+          <a:p>
+            <a:pPr lvl="4"/>
+            <a:r>
+              <a:rPr lang="en-US"/>
+              <a:t>Fifth level</a:t>
+            </a:r>
+            <a:endParaRPr lang="en-US" dirty="0"/>
+          </a:p>
+        </p:txBody>
+      </p:sp>
+      <p:sp>
+        <p:nvSpPr>
+          <p:cNvPr id="4" name="Date Placeholder 3"/>
+          <p:cNvSpPr>
+            <a:spLocks noGrp="1"/>
+          </p:cNvSpPr>
+          <p:nvPr>
+            <p:ph type="dt" sz="half" idx="2"/>
           </p:nvPr>
         </p:nvSpPr>
         <p:spPr>
           <a:xfrm>
-            <a:off x="838200" y="1825625"/>
-            <a:ext cx="10515600" cy="4351338"/>
+            <a:off x="9732656" y="5883275"/>
+            <a:ext cx="1143000" cy="365125"/>
           </a:xfrm>
           <a:prstGeom prst="rect">
             <a:avLst/>
           </a:prstGeom>
         </p:spPr>
         <p:txBody>
-          <a:bodyPr vert="horz" lIns="91440" tIns="45720" rIns="91440" bIns="45720" rtlCol="0">
-            <a:normAutofit/>
-          </a:bodyPr>
-          <a:lstStyle/>
-          <a:p>
-            <a:pPr lvl="0"/>
-            <a:r>
-              <a:rPr lang="en-US"/>
-              <a:t>Click to edit Master text styles</a:t>
-            </a:r>
-          </a:p>
-          <a:p>
-            <a:pPr lvl="1"/>
-            <a:r>
-              <a:rPr lang="en-US"/>
-              <a:t>Second level</a:t>
-            </a:r>
-          </a:p>
-          <a:p>
-            <a:pPr lvl="2"/>
-            <a:r>
-              <a:rPr lang="en-US"/>
-              <a:t>Third level</a:t>
-            </a:r>
-          </a:p>
-          <a:p>
-            <a:pPr lvl="3"/>
-            <a:r>
-              <a:rPr lang="en-US"/>
-              <a:t>Fourth level</a:t>
-            </a:r>
-          </a:p>
-          <a:p>
-            <a:pPr lvl="4"/>
-            <a:r>
-              <a:rPr lang="en-US"/>
-              <a:t>Fifth level</a:t>
-            </a:r>
-          </a:p>
-        </p:txBody>
-      </p:sp>
-      <p:sp>
-        <p:nvSpPr>
-          <p:cNvPr id="4" name="Date Placeholder 3">
-            <a:extLst>
-              <a:ext uri="{FF2B5EF4-FFF2-40B4-BE49-F238E27FC236}">
-                <a16:creationId xmlns:a16="http://schemas.microsoft.com/office/drawing/2014/main" id="{B1C4EAEF-1D36-64BE-0483-8059E7B7602B}"/>
-              </a:ext>
-            </a:extLst>
-          </p:cNvPr>
-          <p:cNvSpPr>
-            <a:spLocks noGrp="1"/>
-          </p:cNvSpPr>
-          <p:nvPr>
-            <p:ph type="dt" sz="half" idx="2"/>
+          <a:bodyPr vert="horz" lIns="91440" tIns="45720" rIns="91440" bIns="45720" rtlCol="0" anchor="ctr"/>
+          <a:lstStyle>
+            <a:lvl1pPr algn="r">
+              <a:defRPr sz="1000" b="0" i="0">
+                <a:solidFill>
+                  <a:schemeClr val="tx1"/>
+                </a:solidFill>
+                <a:effectLst/>
+                <a:latin typeface="+mn-lt"/>
+              </a:defRPr>
+            </a:lvl1pPr>
+          </a:lstStyle>
+          <a:p>
+            <a:fld id="{1F7CAC8B-306A-43E7-A73E-B37C45497C0F}" type="datetimeFigureOut">
+              <a:rPr lang="en-US" smtClean="0"/>
+              <a:t>8/12/2024</a:t>
+            </a:fld>
+            <a:endParaRPr lang="en-US"/>
+          </a:p>
+        </p:txBody>
+      </p:sp>
+      <p:sp>
+        <p:nvSpPr>
+          <p:cNvPr id="5" name="Footer Placeholder 4"/>
+          <p:cNvSpPr>
+            <a:spLocks noGrp="1"/>
+          </p:cNvSpPr>
+          <p:nvPr>
+            <p:ph type="ftr" sz="quarter" idx="3"/>
           </p:nvPr>
         </p:nvSpPr>
         <p:spPr>
           <a:xfrm>
-            <a:off x="838200" y="6356350"/>
-            <a:ext cx="2743200" cy="365125"/>
+            <a:off x="2572279" y="5883275"/>
+            <a:ext cx="7084177" cy="365125"/>
           </a:xfrm>
           <a:prstGeom prst="rect">
             <a:avLst/>
@@ -2893,44 +5636,34 @@
           <a:bodyPr vert="horz" lIns="91440" tIns="45720" rIns="91440" bIns="45720" rtlCol="0" anchor="ctr"/>
           <a:lstStyle>
             <a:lvl1pPr algn="l">
-              <a:defRPr sz="1200">
-                <a:solidFill>
-                  <a:schemeClr val="tx1">
-                    <a:tint val="82000"/>
-                  </a:schemeClr>
-                </a:solidFill>
+              <a:defRPr sz="1000" b="0" i="0">
+                <a:solidFill>
+                  <a:schemeClr val="tx1"/>
+                </a:solidFill>
+                <a:effectLst/>
+                <a:latin typeface="+mn-lt"/>
               </a:defRPr>
             </a:lvl1pPr>
           </a:lstStyle>
           <a:p>
-            <a:fld id="{1F7CAC8B-306A-43E7-A73E-B37C45497C0F}" type="datetimeFigureOut">
-              <a:rPr lang="en-US" smtClean="0"/>
-              <a:t>8/11/2024</a:t>
-            </a:fld>
             <a:endParaRPr lang="en-US"/>
           </a:p>
         </p:txBody>
       </p:sp>
       <p:sp>
         <p:nvSpPr>
-          <p:cNvPr id="5" name="Footer Placeholder 4">
-            <a:extLst>
-              <a:ext uri="{FF2B5EF4-FFF2-40B4-BE49-F238E27FC236}">
-                <a16:creationId xmlns:a16="http://schemas.microsoft.com/office/drawing/2014/main" id="{E4A41F13-84DD-9632-5F4A-D6DD102ADB39}"/>
-              </a:ext>
-            </a:extLst>
-          </p:cNvPr>
-          <p:cNvSpPr>
-            <a:spLocks noGrp="1"/>
-          </p:cNvSpPr>
-          <p:nvPr>
-            <p:ph type="ftr" sz="quarter" idx="3"/>
+          <p:cNvPr id="6" name="Slide Number Placeholder 5"/>
+          <p:cNvSpPr>
+            <a:spLocks noGrp="1"/>
+          </p:cNvSpPr>
+          <p:nvPr>
+            <p:ph type="sldNum" sz="quarter" idx="4"/>
           </p:nvPr>
         </p:nvSpPr>
         <p:spPr>
           <a:xfrm>
-            <a:off x="4038600" y="6356350"/>
-            <a:ext cx="4114800" cy="365125"/>
+            <a:off x="10951856" y="5883275"/>
+            <a:ext cx="551167" cy="365125"/>
           </a:xfrm>
           <a:prstGeom prst="rect">
             <a:avLst/>
@@ -2939,56 +5672,13 @@
         <p:txBody>
           <a:bodyPr vert="horz" lIns="91440" tIns="45720" rIns="91440" bIns="45720" rtlCol="0" anchor="ctr"/>
           <a:lstStyle>
-            <a:lvl1pPr algn="ctr">
-              <a:defRPr sz="1200">
-                <a:solidFill>
-                  <a:schemeClr val="tx1">
-                    <a:tint val="82000"/>
-                  </a:schemeClr>
-                </a:solidFill>
-              </a:defRPr>
-            </a:lvl1pPr>
-          </a:lstStyle>
-          <a:p>
-            <a:endParaRPr lang="en-US"/>
-          </a:p>
-        </p:txBody>
-      </p:sp>
-      <p:sp>
-        <p:nvSpPr>
-          <p:cNvPr id="6" name="Slide Number Placeholder 5">
-            <a:extLst>
-              <a:ext uri="{FF2B5EF4-FFF2-40B4-BE49-F238E27FC236}">
-                <a16:creationId xmlns:a16="http://schemas.microsoft.com/office/drawing/2014/main" id="{EE1E2FA2-A8EF-B489-A446-B89BC5A6078C}"/>
-              </a:ext>
-            </a:extLst>
-          </p:cNvPr>
-          <p:cNvSpPr>
-            <a:spLocks noGrp="1"/>
-          </p:cNvSpPr>
-          <p:nvPr>
-            <p:ph type="sldNum" sz="quarter" idx="4"/>
-          </p:nvPr>
-        </p:nvSpPr>
-        <p:spPr>
-          <a:xfrm>
-            <a:off x="8610600" y="6356350"/>
-            <a:ext cx="2743200" cy="365125"/>
-          </a:xfrm>
-          <a:prstGeom prst="rect">
-            <a:avLst/>
-          </a:prstGeom>
-        </p:spPr>
-        <p:txBody>
-          <a:bodyPr vert="horz" lIns="91440" tIns="45720" rIns="91440" bIns="45720" rtlCol="0" anchor="ctr"/>
-          <a:lstStyle>
             <a:lvl1pPr algn="r">
-              <a:defRPr sz="1200">
-                <a:solidFill>
-                  <a:schemeClr val="tx1">
-                    <a:tint val="82000"/>
-                  </a:schemeClr>
-                </a:solidFill>
+              <a:defRPr sz="1000" b="0" i="0">
+                <a:solidFill>
+                  <a:schemeClr val="tx1"/>
+                </a:solidFill>
+                <a:effectLst/>
+                <a:latin typeface="+mn-lt"/>
               </a:defRPr>
             </a:lvl1pPr>
           </a:lstStyle>
@@ -3004,202 +5694,328 @@
     </p:spTree>
     <p:extLst>
       <p:ext uri="{BB962C8B-B14F-4D97-AF65-F5344CB8AC3E}">
-        <p14:creationId xmlns:p14="http://schemas.microsoft.com/office/powerpoint/2010/main" val="2986421661"/>
+        <p14:creationId xmlns:p14="http://schemas.microsoft.com/office/powerpoint/2010/main" val="3177749179"/>
       </p:ext>
     </p:extLst>
   </p:cSld>
   <p:clrMap bg1="lt1" tx1="dk1" bg2="lt2" tx2="dk2" accent1="accent1" accent2="accent2" accent3="accent3" accent4="accent4" accent5="accent5" accent6="accent6" hlink="hlink" folHlink="folHlink"/>
   <p:sldLayoutIdLst>
-    <p:sldLayoutId id="2147483649" r:id="rId1"/>
-    <p:sldLayoutId id="2147483650" r:id="rId2"/>
-    <p:sldLayoutId id="2147483651" r:id="rId3"/>
-    <p:sldLayoutId id="2147483652" r:id="rId4"/>
-    <p:sldLayoutId id="2147483653" r:id="rId5"/>
-    <p:sldLayoutId id="2147483654" r:id="rId6"/>
-    <p:sldLayoutId id="2147483655" r:id="rId7"/>
-    <p:sldLayoutId id="2147483656" r:id="rId8"/>
-    <p:sldLayoutId id="2147483657" r:id="rId9"/>
-    <p:sldLayoutId id="2147483658" r:id="rId10"/>
-    <p:sldLayoutId id="2147483659" r:id="rId11"/>
+    <p:sldLayoutId id="2147483661" r:id="rId1"/>
+    <p:sldLayoutId id="2147483662" r:id="rId2"/>
+    <p:sldLayoutId id="2147483663" r:id="rId3"/>
+    <p:sldLayoutId id="2147483664" r:id="rId4"/>
+    <p:sldLayoutId id="2147483665" r:id="rId5"/>
+    <p:sldLayoutId id="2147483666" r:id="rId6"/>
+    <p:sldLayoutId id="2147483667" r:id="rId7"/>
+    <p:sldLayoutId id="2147483668" r:id="rId8"/>
+    <p:sldLayoutId id="2147483669" r:id="rId9"/>
+    <p:sldLayoutId id="2147483670" r:id="rId10"/>
+    <p:sldLayoutId id="2147483671" r:id="rId11"/>
+    <p:sldLayoutId id="2147483672" r:id="rId12"/>
+    <p:sldLayoutId id="2147483673" r:id="rId13"/>
+    <p:sldLayoutId id="2147483674" r:id="rId14"/>
+    <p:sldLayoutId id="2147483675" r:id="rId15"/>
+    <p:sldLayoutId id="2147483676" r:id="rId16"/>
+    <p:sldLayoutId id="2147483677" r:id="rId17"/>
   </p:sldLayoutIdLst>
   <p:txStyles>
     <p:titleStyle>
-      <a:lvl1pPr algn="l" defTabSz="914400" rtl="0" eaLnBrk="1" latinLnBrk="0" hangingPunct="1">
-        <a:lnSpc>
-          <a:spcPct val="90000"/>
-        </a:lnSpc>
+      <a:lvl1pPr algn="ctr" defTabSz="457200" rtl="0" eaLnBrk="1" latinLnBrk="0" hangingPunct="1">
         <a:spcBef>
           <a:spcPct val="0"/>
         </a:spcBef>
         <a:buNone/>
-        <a:defRPr sz="4400" kern="1200">
+        <a:defRPr sz="4000" kern="1200" cap="none">
+          <a:ln w="3175" cmpd="sng">
+            <a:noFill/>
+          </a:ln>
           <a:solidFill>
             <a:schemeClr val="tx1"/>
           </a:solidFill>
+          <a:effectLst/>
           <a:latin typeface="+mj-lt"/>
           <a:ea typeface="+mj-ea"/>
           <a:cs typeface="+mj-cs"/>
         </a:defRPr>
       </a:lvl1pPr>
+      <a:lvl2pPr eaLnBrk="1" hangingPunct="1">
+        <a:defRPr>
+          <a:solidFill>
+            <a:schemeClr val="tx2"/>
+          </a:solidFill>
+        </a:defRPr>
+      </a:lvl2pPr>
+      <a:lvl3pPr eaLnBrk="1" hangingPunct="1">
+        <a:defRPr>
+          <a:solidFill>
+            <a:schemeClr val="tx2"/>
+          </a:solidFill>
+        </a:defRPr>
+      </a:lvl3pPr>
+      <a:lvl4pPr eaLnBrk="1" hangingPunct="1">
+        <a:defRPr>
+          <a:solidFill>
+            <a:schemeClr val="tx2"/>
+          </a:solidFill>
+        </a:defRPr>
+      </a:lvl4pPr>
+      <a:lvl5pPr eaLnBrk="1" hangingPunct="1">
+        <a:defRPr>
+          <a:solidFill>
+            <a:schemeClr val="tx2"/>
+          </a:solidFill>
+        </a:defRPr>
+      </a:lvl5pPr>
+      <a:lvl6pPr eaLnBrk="1" hangingPunct="1">
+        <a:defRPr>
+          <a:solidFill>
+            <a:schemeClr val="tx2"/>
+          </a:solidFill>
+        </a:defRPr>
+      </a:lvl6pPr>
+      <a:lvl7pPr eaLnBrk="1" hangingPunct="1">
+        <a:defRPr>
+          <a:solidFill>
+            <a:schemeClr val="tx2"/>
+          </a:solidFill>
+        </a:defRPr>
+      </a:lvl7pPr>
+      <a:lvl8pPr eaLnBrk="1" hangingPunct="1">
+        <a:defRPr>
+          <a:solidFill>
+            <a:schemeClr val="tx2"/>
+          </a:solidFill>
+        </a:defRPr>
+      </a:lvl8pPr>
+      <a:lvl9pPr eaLnBrk="1" hangingPunct="1">
+        <a:defRPr>
+          <a:solidFill>
+            <a:schemeClr val="tx2"/>
+          </a:solidFill>
+        </a:defRPr>
+      </a:lvl9pPr>
     </p:titleStyle>
     <p:bodyStyle>
-      <a:lvl1pPr marL="228600" indent="-228600" algn="l" defTabSz="914400" rtl="0" eaLnBrk="1" latinLnBrk="0" hangingPunct="1">
-        <a:lnSpc>
-          <a:spcPct val="90000"/>
-        </a:lnSpc>
+      <a:lvl1pPr marL="285750" indent="-285750" algn="l" defTabSz="457200" rtl="0" eaLnBrk="1" latinLnBrk="0" hangingPunct="1">
         <a:spcBef>
-          <a:spcPts val="1000"/>
+          <a:spcPct val="20000"/>
         </a:spcBef>
-        <a:buFont typeface="Arial" panose="020B0604020202020204" pitchFamily="34" charset="0"/>
+        <a:spcAft>
+          <a:spcPts val="600"/>
+        </a:spcAft>
+        <a:buClr>
+          <a:schemeClr val="accent1">
+            <a:lumMod val="75000"/>
+          </a:schemeClr>
+        </a:buClr>
+        <a:buSzPct val="145000"/>
+        <a:buFont typeface="Arial"/>
         <a:buChar char="•"/>
-        <a:defRPr sz="2800" kern="1200">
+        <a:defRPr sz="2400" kern="1200" cap="none">
           <a:solidFill>
             <a:schemeClr val="tx1"/>
           </a:solidFill>
+          <a:effectLst/>
           <a:latin typeface="+mn-lt"/>
           <a:ea typeface="+mn-ea"/>
           <a:cs typeface="+mn-cs"/>
         </a:defRPr>
       </a:lvl1pPr>
-      <a:lvl2pPr marL="685800" indent="-228600" algn="l" defTabSz="914400" rtl="0" eaLnBrk="1" latinLnBrk="0" hangingPunct="1">
-        <a:lnSpc>
-          <a:spcPct val="90000"/>
-        </a:lnSpc>
+      <a:lvl2pPr marL="742950" indent="-285750" algn="l" defTabSz="457200" rtl="0" eaLnBrk="1" latinLnBrk="0" hangingPunct="1">
         <a:spcBef>
-          <a:spcPts val="500"/>
+          <a:spcPct val="20000"/>
         </a:spcBef>
-        <a:buFont typeface="Arial" panose="020B0604020202020204" pitchFamily="34" charset="0"/>
+        <a:spcAft>
+          <a:spcPts val="600"/>
+        </a:spcAft>
+        <a:buClr>
+          <a:schemeClr val="accent1">
+            <a:lumMod val="75000"/>
+          </a:schemeClr>
+        </a:buClr>
+        <a:buSzPct val="145000"/>
+        <a:buFont typeface="Arial"/>
         <a:buChar char="•"/>
-        <a:defRPr sz="2400" kern="1200">
+        <a:defRPr sz="2000" kern="1200" cap="none">
           <a:solidFill>
             <a:schemeClr val="tx1"/>
           </a:solidFill>
+          <a:effectLst/>
           <a:latin typeface="+mn-lt"/>
           <a:ea typeface="+mn-ea"/>
           <a:cs typeface="+mn-cs"/>
         </a:defRPr>
       </a:lvl2pPr>
-      <a:lvl3pPr marL="1143000" indent="-228600" algn="l" defTabSz="914400" rtl="0" eaLnBrk="1" latinLnBrk="0" hangingPunct="1">
-        <a:lnSpc>
-          <a:spcPct val="90000"/>
-        </a:lnSpc>
+      <a:lvl3pPr marL="1200150" indent="-285750" algn="l" defTabSz="457200" rtl="0" eaLnBrk="1" latinLnBrk="0" hangingPunct="1">
         <a:spcBef>
-          <a:spcPts val="500"/>
+          <a:spcPct val="20000"/>
         </a:spcBef>
-        <a:buFont typeface="Arial" panose="020B0604020202020204" pitchFamily="34" charset="0"/>
+        <a:spcAft>
+          <a:spcPts val="600"/>
+        </a:spcAft>
+        <a:buClr>
+          <a:schemeClr val="accent1">
+            <a:lumMod val="75000"/>
+          </a:schemeClr>
+        </a:buClr>
+        <a:buSzPct val="145000"/>
+        <a:buFont typeface="Arial"/>
         <a:buChar char="•"/>
-        <a:defRPr sz="2000" kern="1200">
+        <a:defRPr sz="1800" kern="1200" cap="none">
           <a:solidFill>
             <a:schemeClr val="tx1"/>
           </a:solidFill>
+          <a:effectLst/>
           <a:latin typeface="+mn-lt"/>
           <a:ea typeface="+mn-ea"/>
           <a:cs typeface="+mn-cs"/>
         </a:defRPr>
       </a:lvl3pPr>
-      <a:lvl4pPr marL="1600200" indent="-228600" algn="l" defTabSz="914400" rtl="0" eaLnBrk="1" latinLnBrk="0" hangingPunct="1">
-        <a:lnSpc>
-          <a:spcPct val="90000"/>
-        </a:lnSpc>
+      <a:lvl4pPr marL="1543050" indent="-171450" algn="l" defTabSz="457200" rtl="0" eaLnBrk="1" latinLnBrk="0" hangingPunct="1">
         <a:spcBef>
-          <a:spcPts val="500"/>
+          <a:spcPct val="20000"/>
         </a:spcBef>
-        <a:buFont typeface="Arial" panose="020B0604020202020204" pitchFamily="34" charset="0"/>
+        <a:spcAft>
+          <a:spcPts val="600"/>
+        </a:spcAft>
+        <a:buClr>
+          <a:schemeClr val="accent1">
+            <a:lumMod val="75000"/>
+          </a:schemeClr>
+        </a:buClr>
+        <a:buSzPct val="145000"/>
+        <a:buFont typeface="Arial"/>
         <a:buChar char="•"/>
-        <a:defRPr sz="1800" kern="1200">
+        <a:defRPr sz="1600" kern="1200" cap="none">
           <a:solidFill>
             <a:schemeClr val="tx1"/>
           </a:solidFill>
+          <a:effectLst/>
           <a:latin typeface="+mn-lt"/>
           <a:ea typeface="+mn-ea"/>
           <a:cs typeface="+mn-cs"/>
         </a:defRPr>
       </a:lvl4pPr>
-      <a:lvl5pPr marL="2057400" indent="-228600" algn="l" defTabSz="914400" rtl="0" eaLnBrk="1" latinLnBrk="0" hangingPunct="1">
-        <a:lnSpc>
-          <a:spcPct val="90000"/>
-        </a:lnSpc>
+      <a:lvl5pPr marL="2000250" indent="-171450" algn="l" defTabSz="457200" rtl="0" eaLnBrk="1" latinLnBrk="0" hangingPunct="1">
         <a:spcBef>
-          <a:spcPts val="500"/>
+          <a:spcPct val="20000"/>
         </a:spcBef>
-        <a:buFont typeface="Arial" panose="020B0604020202020204" pitchFamily="34" charset="0"/>
+        <a:spcAft>
+          <a:spcPts val="600"/>
+        </a:spcAft>
+        <a:buClr>
+          <a:schemeClr val="accent1">
+            <a:lumMod val="75000"/>
+          </a:schemeClr>
+        </a:buClr>
+        <a:buSzPct val="145000"/>
+        <a:buFont typeface="Arial"/>
         <a:buChar char="•"/>
-        <a:defRPr sz="1800" kern="1200">
+        <a:defRPr sz="1400" kern="1200" cap="none">
           <a:solidFill>
             <a:schemeClr val="tx1"/>
           </a:solidFill>
+          <a:effectLst/>
           <a:latin typeface="+mn-lt"/>
           <a:ea typeface="+mn-ea"/>
           <a:cs typeface="+mn-cs"/>
         </a:defRPr>
       </a:lvl5pPr>
-      <a:lvl6pPr marL="2514600" indent="-228600" algn="l" defTabSz="914400" rtl="0" eaLnBrk="1" latinLnBrk="0" hangingPunct="1">
-        <a:lnSpc>
-          <a:spcPct val="90000"/>
-        </a:lnSpc>
+      <a:lvl6pPr marL="2514600" indent="-228600" algn="l" defTabSz="457200" rtl="0" eaLnBrk="1" latinLnBrk="0" hangingPunct="1">
         <a:spcBef>
-          <a:spcPts val="500"/>
+          <a:spcPct val="20000"/>
         </a:spcBef>
-        <a:buFont typeface="Arial" panose="020B0604020202020204" pitchFamily="34" charset="0"/>
+        <a:spcAft>
+          <a:spcPts val="600"/>
+        </a:spcAft>
+        <a:buClr>
+          <a:schemeClr val="accent1">
+            <a:lumMod val="75000"/>
+          </a:schemeClr>
+        </a:buClr>
+        <a:buSzPct val="145000"/>
+        <a:buFont typeface="Arial"/>
         <a:buChar char="•"/>
-        <a:defRPr sz="1800" kern="1200">
+        <a:defRPr sz="1400" kern="1200" cap="none">
           <a:solidFill>
             <a:schemeClr val="tx1"/>
           </a:solidFill>
+          <a:effectLst/>
           <a:latin typeface="+mn-lt"/>
           <a:ea typeface="+mn-ea"/>
           <a:cs typeface="+mn-cs"/>
         </a:defRPr>
       </a:lvl6pPr>
-      <a:lvl7pPr marL="2971800" indent="-228600" algn="l" defTabSz="914400" rtl="0" eaLnBrk="1" latinLnBrk="0" hangingPunct="1">
-        <a:lnSpc>
-          <a:spcPct val="90000"/>
-        </a:lnSpc>
+      <a:lvl7pPr marL="2971800" indent="-228600" algn="l" defTabSz="457200" rtl="0" eaLnBrk="1" latinLnBrk="0" hangingPunct="1">
         <a:spcBef>
-          <a:spcPts val="500"/>
+          <a:spcPct val="20000"/>
         </a:spcBef>
-        <a:buFont typeface="Arial" panose="020B0604020202020204" pitchFamily="34" charset="0"/>
+        <a:spcAft>
+          <a:spcPts val="600"/>
+        </a:spcAft>
+        <a:buClr>
+          <a:schemeClr val="accent1">
+            <a:lumMod val="75000"/>
+          </a:schemeClr>
+        </a:buClr>
+        <a:buSzPct val="145000"/>
+        <a:buFont typeface="Arial"/>
         <a:buChar char="•"/>
-        <a:defRPr sz="1800" kern="1200">
+        <a:defRPr sz="1400" kern="1200" cap="none">
           <a:solidFill>
             <a:schemeClr val="tx1"/>
           </a:solidFill>
+          <a:effectLst/>
           <a:latin typeface="+mn-lt"/>
           <a:ea typeface="+mn-ea"/>
           <a:cs typeface="+mn-cs"/>
         </a:defRPr>
       </a:lvl7pPr>
-      <a:lvl8pPr marL="3429000" indent="-228600" algn="l" defTabSz="914400" rtl="0" eaLnBrk="1" latinLnBrk="0" hangingPunct="1">
-        <a:lnSpc>
-          <a:spcPct val="90000"/>
-        </a:lnSpc>
+      <a:lvl8pPr marL="3429000" indent="-228600" algn="l" defTabSz="457200" rtl="0" eaLnBrk="1" latinLnBrk="0" hangingPunct="1">
         <a:spcBef>
-          <a:spcPts val="500"/>
+          <a:spcPct val="20000"/>
         </a:spcBef>
-        <a:buFont typeface="Arial" panose="020B0604020202020204" pitchFamily="34" charset="0"/>
+        <a:spcAft>
+          <a:spcPts val="600"/>
+        </a:spcAft>
+        <a:buClr>
+          <a:schemeClr val="accent1">
+            <a:lumMod val="75000"/>
+          </a:schemeClr>
+        </a:buClr>
+        <a:buSzPct val="145000"/>
+        <a:buFont typeface="Arial"/>
         <a:buChar char="•"/>
-        <a:defRPr sz="1800" kern="1200">
+        <a:defRPr sz="1400" kern="1200" cap="none">
           <a:solidFill>
             <a:schemeClr val="tx1"/>
           </a:solidFill>
+          <a:effectLst/>
           <a:latin typeface="+mn-lt"/>
           <a:ea typeface="+mn-ea"/>
           <a:cs typeface="+mn-cs"/>
         </a:defRPr>
       </a:lvl8pPr>
-      <a:lvl9pPr marL="3886200" indent="-228600" algn="l" defTabSz="914400" rtl="0" eaLnBrk="1" latinLnBrk="0" hangingPunct="1">
-        <a:lnSpc>
-          <a:spcPct val="90000"/>
-        </a:lnSpc>
+      <a:lvl9pPr marL="3886200" indent="-228600" algn="l" defTabSz="457200" rtl="0" eaLnBrk="1" latinLnBrk="0" hangingPunct="1">
         <a:spcBef>
-          <a:spcPts val="500"/>
+          <a:spcPct val="20000"/>
         </a:spcBef>
-        <a:buFont typeface="Arial" panose="020B0604020202020204" pitchFamily="34" charset="0"/>
+        <a:spcAft>
+          <a:spcPts val="600"/>
+        </a:spcAft>
+        <a:buClr>
+          <a:schemeClr val="accent1">
+            <a:lumMod val="75000"/>
+          </a:schemeClr>
+        </a:buClr>
+        <a:buSzPct val="145000"/>
+        <a:buFont typeface="Arial"/>
         <a:buChar char="•"/>
-        <a:defRPr sz="1800" kern="1200">
+        <a:defRPr sz="1400" kern="1200" cap="none">
           <a:solidFill>
             <a:schemeClr val="tx1"/>
           </a:solidFill>
+          <a:effectLst/>
           <a:latin typeface="+mn-lt"/>
           <a:ea typeface="+mn-ea"/>
           <a:cs typeface="+mn-cs"/>
@@ -3210,7 +6026,7 @@
       <a:defPPr>
         <a:defRPr lang="en-US"/>
       </a:defPPr>
-      <a:lvl1pPr marL="0" algn="l" defTabSz="914400" rtl="0" eaLnBrk="1" latinLnBrk="0" hangingPunct="1">
+      <a:lvl1pPr marL="0" algn="l" defTabSz="457200" rtl="0" eaLnBrk="1" latinLnBrk="0" hangingPunct="1">
         <a:defRPr sz="1800" kern="1200">
           <a:solidFill>
             <a:schemeClr val="tx1"/>
@@ -3220,7 +6036,7 @@
           <a:cs typeface="+mn-cs"/>
         </a:defRPr>
       </a:lvl1pPr>
-      <a:lvl2pPr marL="457200" algn="l" defTabSz="914400" rtl="0" eaLnBrk="1" latinLnBrk="0" hangingPunct="1">
+      <a:lvl2pPr marL="457200" algn="l" defTabSz="457200" rtl="0" eaLnBrk="1" latinLnBrk="0" hangingPunct="1">
         <a:defRPr sz="1800" kern="1200">
           <a:solidFill>
             <a:schemeClr val="tx1"/>
@@ -3230,7 +6046,7 @@
           <a:cs typeface="+mn-cs"/>
         </a:defRPr>
       </a:lvl2pPr>
-      <a:lvl3pPr marL="914400" algn="l" defTabSz="914400" rtl="0" eaLnBrk="1" latinLnBrk="0" hangingPunct="1">
+      <a:lvl3pPr marL="914400" algn="l" defTabSz="457200" rtl="0" eaLnBrk="1" latinLnBrk="0" hangingPunct="1">
         <a:defRPr sz="1800" kern="1200">
           <a:solidFill>
             <a:schemeClr val="tx1"/>
@@ -3240,7 +6056,7 @@
           <a:cs typeface="+mn-cs"/>
         </a:defRPr>
       </a:lvl3pPr>
-      <a:lvl4pPr marL="1371600" algn="l" defTabSz="914400" rtl="0" eaLnBrk="1" latinLnBrk="0" hangingPunct="1">
+      <a:lvl4pPr marL="1371600" algn="l" defTabSz="457200" rtl="0" eaLnBrk="1" latinLnBrk="0" hangingPunct="1">
         <a:defRPr sz="1800" kern="1200">
           <a:solidFill>
             <a:schemeClr val="tx1"/>
@@ -3250,7 +6066,7 @@
           <a:cs typeface="+mn-cs"/>
         </a:defRPr>
       </a:lvl4pPr>
-      <a:lvl5pPr marL="1828800" algn="l" defTabSz="914400" rtl="0" eaLnBrk="1" latinLnBrk="0" hangingPunct="1">
+      <a:lvl5pPr marL="1828800" algn="l" defTabSz="457200" rtl="0" eaLnBrk="1" latinLnBrk="0" hangingPunct="1">
         <a:defRPr sz="1800" kern="1200">
           <a:solidFill>
             <a:schemeClr val="tx1"/>
@@ -3260,7 +6076,7 @@
           <a:cs typeface="+mn-cs"/>
         </a:defRPr>
       </a:lvl5pPr>
-      <a:lvl6pPr marL="2286000" algn="l" defTabSz="914400" rtl="0" eaLnBrk="1" latinLnBrk="0" hangingPunct="1">
+      <a:lvl6pPr marL="2286000" algn="l" defTabSz="457200" rtl="0" eaLnBrk="1" latinLnBrk="0" hangingPunct="1">
         <a:defRPr sz="1800" kern="1200">
           <a:solidFill>
             <a:schemeClr val="tx1"/>
@@ -3270,7 +6086,7 @@
           <a:cs typeface="+mn-cs"/>
         </a:defRPr>
       </a:lvl6pPr>
-      <a:lvl7pPr marL="2743200" algn="l" defTabSz="914400" rtl="0" eaLnBrk="1" latinLnBrk="0" hangingPunct="1">
+      <a:lvl7pPr marL="2743200" algn="l" defTabSz="457200" rtl="0" eaLnBrk="1" latinLnBrk="0" hangingPunct="1">
         <a:defRPr sz="1800" kern="1200">
           <a:solidFill>
             <a:schemeClr val="tx1"/>
@@ -3280,7 +6096,7 @@
           <a:cs typeface="+mn-cs"/>
         </a:defRPr>
       </a:lvl7pPr>
-      <a:lvl8pPr marL="3200400" algn="l" defTabSz="914400" rtl="0" eaLnBrk="1" latinLnBrk="0" hangingPunct="1">
+      <a:lvl8pPr marL="3200400" algn="l" defTabSz="457200" rtl="0" eaLnBrk="1" latinLnBrk="0" hangingPunct="1">
         <a:defRPr sz="1800" kern="1200">
           <a:solidFill>
             <a:schemeClr val="tx1"/>
@@ -3290,7 +6106,7 @@
           <a:cs typeface="+mn-cs"/>
         </a:defRPr>
       </a:lvl8pPr>
-      <a:lvl9pPr marL="3657600" algn="l" defTabSz="914400" rtl="0" eaLnBrk="1" latinLnBrk="0" hangingPunct="1">
+      <a:lvl9pPr marL="3657600" algn="l" defTabSz="457200" rtl="0" eaLnBrk="1" latinLnBrk="0" hangingPunct="1">
         <a:defRPr sz="1800" kern="1200">
           <a:solidFill>
             <a:schemeClr val="tx1"/>
@@ -3438,9 +6254,9 @@
 </file>
 
 <file path=ppt/theme/theme1.xml><?xml version="1.0" encoding="utf-8"?>
-<a:theme xmlns:a="http://schemas.openxmlformats.org/drawingml/2006/main" name="Office Theme">
+<a:theme xmlns:a="http://schemas.openxmlformats.org/drawingml/2006/main" name="Parallax">
   <a:themeElements>
-    <a:clrScheme name="Office">
+    <a:clrScheme name="Parallax">
       <a:dk1>
         <a:sysClr val="windowText" lastClr="000000"/>
       </a:dk1>
@@ -3448,100 +6264,48 @@
         <a:sysClr val="window" lastClr="FFFFFF"/>
       </a:lt1>
       <a:dk2>
-        <a:srgbClr val="0E2841"/>
+        <a:srgbClr val="212121"/>
       </a:dk2>
       <a:lt2>
-        <a:srgbClr val="E8E8E8"/>
+        <a:srgbClr val="CDD0D1"/>
       </a:lt2>
       <a:accent1>
-        <a:srgbClr val="156082"/>
+        <a:srgbClr val="30ACEC"/>
       </a:accent1>
       <a:accent2>
-        <a:srgbClr val="E97132"/>
+        <a:srgbClr val="80C34F"/>
       </a:accent2>
       <a:accent3>
-        <a:srgbClr val="196B24"/>
+        <a:srgbClr val="E29D3E"/>
       </a:accent3>
       <a:accent4>
-        <a:srgbClr val="0F9ED5"/>
+        <a:srgbClr val="D64A3B"/>
       </a:accent4>
       <a:accent5>
-        <a:srgbClr val="A02B93"/>
+        <a:srgbClr val="D64787"/>
       </a:accent5>
       <a:accent6>
-        <a:srgbClr val="4EA72E"/>
+        <a:srgbClr val="A666E1"/>
       </a:accent6>
       <a:hlink>
-        <a:srgbClr val="467886"/>
+        <a:srgbClr val="3085ED"/>
       </a:hlink>
       <a:folHlink>
-        <a:srgbClr val="96607D"/>
+        <a:srgbClr val="82B6F4"/>
       </a:folHlink>
     </a:clrScheme>
-    <a:fontScheme name="Office">
+    <a:fontScheme name="Parallax">
       <a:majorFont>
-        <a:latin typeface="Aptos Display" panose="02110004020202020204"/>
+        <a:latin typeface="Corbel" panose="020B0503020204020204"/>
         <a:ea typeface=""/>
         <a:cs typeface=""/>
-        <a:font script="Jpan" typeface="游ゴシック Light"/>
-        <a:font script="Hang" typeface="맑은 고딕"/>
-        <a:font script="Hans" typeface="等线 Light"/>
+        <a:font script="Jpan" typeface="HGｺﾞｼｯｸM"/>
+        <a:font script="Hang" typeface="HY엽서L"/>
+        <a:font script="Hans" typeface="华文楷体"/>
         <a:font script="Hant" typeface="新細明體"/>
-        <a:font script="Arab" typeface="Times New Roman"/>
-        <a:font script="Hebr" typeface="Times New Roman"/>
-        <a:font script="Thai" typeface="Angsana New"/>
-        <a:font script="Ethi" typeface="Nyala"/>
-        <a:font script="Beng" typeface="Vrinda"/>
-        <a:font script="Gujr" typeface="Shruti"/>
-        <a:font script="Khmr" typeface="MoolBoran"/>
-        <a:font script="Knda" typeface="Tunga"/>
-        <a:font script="Guru" typeface="Raavi"/>
-        <a:font script="Cans" typeface="Euphemia"/>
-        <a:font script="Cher" typeface="Plantagenet Cherokee"/>
-        <a:font script="Yiii" typeface="Microsoft Yi Baiti"/>
-        <a:font script="Tibt" typeface="Microsoft Himalaya"/>
-        <a:font script="Thaa" typeface="MV Boli"/>
-        <a:font script="Deva" typeface="Mangal"/>
-        <a:font script="Telu" typeface="Gautami"/>
-        <a:font script="Taml" typeface="Latha"/>
-        <a:font script="Syrc" typeface="Estrangelo Edessa"/>
-        <a:font script="Orya" typeface="Kalinga"/>
-        <a:font script="Mlym" typeface="Kartika"/>
-        <a:font script="Laoo" typeface="DokChampa"/>
-        <a:font script="Sinh" typeface="Iskoola Pota"/>
-        <a:font script="Mong" typeface="Mongolian Baiti"/>
-        <a:font script="Viet" typeface="Times New Roman"/>
-        <a:font script="Uigh" typeface="Microsoft Uighur"/>
-        <a:font script="Geor" typeface="Sylfaen"/>
-        <a:font script="Armn" typeface="Arial"/>
-        <a:font script="Bugi" typeface="Leelawadee UI"/>
-        <a:font script="Bopo" typeface="Microsoft JhengHei"/>
-        <a:font script="Java" typeface="Javanese Text"/>
-        <a:font script="Lisu" typeface="Segoe UI"/>
-        <a:font script="Mymr" typeface="Myanmar Text"/>
-        <a:font script="Nkoo" typeface="Ebrima"/>
-        <a:font script="Olck" typeface="Nirmala UI"/>
-        <a:font script="Osma" typeface="Ebrima"/>
-        <a:font script="Phag" typeface="Phagspa"/>
-        <a:font script="Syrn" typeface="Estrangelo Edessa"/>
-        <a:font script="Syrj" typeface="Estrangelo Edessa"/>
-        <a:font script="Syre" typeface="Estrangelo Edessa"/>
-        <a:font script="Sora" typeface="Nirmala UI"/>
-        <a:font script="Tale" typeface="Microsoft Tai Le"/>
-        <a:font script="Talu" typeface="Microsoft New Tai Lue"/>
-        <a:font script="Tfng" typeface="Ebrima"/>
-      </a:majorFont>
-      <a:minorFont>
-        <a:latin typeface="Aptos" panose="02110004020202020204"/>
-        <a:ea typeface=""/>
-        <a:cs typeface=""/>
-        <a:font script="Jpan" typeface="游ゴシック"/>
-        <a:font script="Hang" typeface="맑은 고딕"/>
-        <a:font script="Hans" typeface="等线"/>
-        <a:font script="Hant" typeface="新細明體"/>
-        <a:font script="Arab" typeface="Arial"/>
-        <a:font script="Hebr" typeface="Arial"/>
-        <a:font script="Thai" typeface="Cordia New"/>
+        <a:font script="Arab" typeface="Tahoma"/>
+        <a:font script="Hebr" typeface="Miriam"/>
+        <a:font script="Thai" typeface="DilleniaUPC"/>
         <a:font script="Ethi" typeface="Nyala"/>
         <a:font script="Beng" typeface="Vrinda"/>
         <a:font script="Gujr" typeface="Shruti"/>
@@ -3565,26 +6329,44 @@
         <a:font script="Viet" typeface="Arial"/>
         <a:font script="Uigh" typeface="Microsoft Uighur"/>
         <a:font script="Geor" typeface="Sylfaen"/>
-        <a:font script="Armn" typeface="Arial"/>
-        <a:font script="Bugi" typeface="Leelawadee UI"/>
-        <a:font script="Bopo" typeface="Microsoft JhengHei"/>
-        <a:font script="Java" typeface="Javanese Text"/>
-        <a:font script="Lisu" typeface="Segoe UI"/>
-        <a:font script="Mymr" typeface="Myanmar Text"/>
-        <a:font script="Nkoo" typeface="Ebrima"/>
-        <a:font script="Olck" typeface="Nirmala UI"/>
-        <a:font script="Osma" typeface="Ebrima"/>
-        <a:font script="Phag" typeface="Phagspa"/>
-        <a:font script="Syrn" typeface="Estrangelo Edessa"/>
-        <a:font script="Syrj" typeface="Estrangelo Edessa"/>
-        <a:font script="Syre" typeface="Estrangelo Edessa"/>
-        <a:font script="Sora" typeface="Nirmala UI"/>
-        <a:font script="Tale" typeface="Microsoft Tai Le"/>
-        <a:font script="Talu" typeface="Microsoft New Tai Lue"/>
-        <a:font script="Tfng" typeface="Ebrima"/>
+      </a:majorFont>
+      <a:minorFont>
+        <a:latin typeface="Corbel" panose="020B0503020204020204"/>
+        <a:ea typeface=""/>
+        <a:cs typeface=""/>
+        <a:font script="Jpan" typeface="HGｺﾞｼｯｸM"/>
+        <a:font script="Hang" typeface="HY엽서L"/>
+        <a:font script="Hans" typeface="华文楷体"/>
+        <a:font script="Hant" typeface="新細明體"/>
+        <a:font script="Arab" typeface="Tahoma"/>
+        <a:font script="Hebr" typeface="Miriam"/>
+        <a:font script="Thai" typeface="DilleniaUPC"/>
+        <a:font script="Ethi" typeface="Nyala"/>
+        <a:font script="Beng" typeface="Vrinda"/>
+        <a:font script="Gujr" typeface="Shruti"/>
+        <a:font script="Khmr" typeface="DaunPenh"/>
+        <a:font script="Knda" typeface="Tunga"/>
+        <a:font script="Guru" typeface="Raavi"/>
+        <a:font script="Cans" typeface="Euphemia"/>
+        <a:font script="Cher" typeface="Plantagenet Cherokee"/>
+        <a:font script="Yiii" typeface="Microsoft Yi Baiti"/>
+        <a:font script="Tibt" typeface="Microsoft Himalaya"/>
+        <a:font script="Thaa" typeface="MV Boli"/>
+        <a:font script="Deva" typeface="Mangal"/>
+        <a:font script="Telu" typeface="Gautami"/>
+        <a:font script="Taml" typeface="Latha"/>
+        <a:font script="Syrc" typeface="Estrangelo Edessa"/>
+        <a:font script="Orya" typeface="Kalinga"/>
+        <a:font script="Mlym" typeface="Kartika"/>
+        <a:font script="Laoo" typeface="DokChampa"/>
+        <a:font script="Sinh" typeface="Iskoola Pota"/>
+        <a:font script="Mong" typeface="Mongolian Baiti"/>
+        <a:font script="Viet" typeface="Arial"/>
+        <a:font script="Uigh" typeface="Microsoft Uighur"/>
+        <a:font script="Geor" typeface="Sylfaen"/>
       </a:minorFont>
     </a:fontScheme>
-    <a:fmtScheme name="Office">
+    <a:fmtScheme name="Parallax">
       <a:fillStyleLst>
         <a:solidFill>
           <a:schemeClr val="phClr"/>
@@ -3593,23 +6375,13 @@
           <a:gsLst>
             <a:gs pos="0">
               <a:schemeClr val="phClr">
-                <a:lumMod val="110000"/>
-                <a:satMod val="105000"/>
-                <a:tint val="67000"/>
-              </a:schemeClr>
-            </a:gs>
-            <a:gs pos="50000">
-              <a:schemeClr val="phClr">
-                <a:lumMod val="105000"/>
-                <a:satMod val="103000"/>
-                <a:tint val="73000"/>
+                <a:tint val="60000"/>
+                <a:lumMod val="104000"/>
               </a:schemeClr>
             </a:gs>
             <a:gs pos="100000">
               <a:schemeClr val="phClr">
-                <a:lumMod val="105000"/>
-                <a:satMod val="109000"/>
-                <a:tint val="81000"/>
+                <a:tint val="84000"/>
               </a:schemeClr>
             </a:gs>
           </a:gsLst>
@@ -3619,50 +6391,42 @@
           <a:gsLst>
             <a:gs pos="0">
               <a:schemeClr val="phClr">
-                <a:satMod val="103000"/>
+                <a:tint val="96000"/>
                 <a:lumMod val="102000"/>
-                <a:tint val="94000"/>
-              </a:schemeClr>
-            </a:gs>
-            <a:gs pos="50000">
-              <a:schemeClr val="phClr">
-                <a:satMod val="110000"/>
-                <a:lumMod val="100000"/>
-                <a:shade val="100000"/>
               </a:schemeClr>
             </a:gs>
             <a:gs pos="100000">
               <a:schemeClr val="phClr">
-                <a:lumMod val="99000"/>
-                <a:satMod val="120000"/>
-                <a:shade val="78000"/>
+                <a:shade val="88000"/>
+                <a:lumMod val="94000"/>
               </a:schemeClr>
             </a:gs>
           </a:gsLst>
-          <a:lin ang="5400000" scaled="0"/>
+          <a:path path="circle">
+            <a:fillToRect l="50000" t="100000" r="100000" b="50000"/>
+          </a:path>
         </a:gradFill>
       </a:fillStyleLst>
       <a:lnStyleLst>
-        <a:ln w="12700" cap="flat" cmpd="sng" algn="ctr">
+        <a:ln w="9525" cap="rnd" cmpd="sng" algn="ctr">
+          <a:solidFill>
+            <a:schemeClr val="phClr">
+              <a:tint val="60000"/>
+            </a:schemeClr>
+          </a:solidFill>
+          <a:prstDash val="solid"/>
+        </a:ln>
+        <a:ln w="15875" cap="rnd" cmpd="sng" algn="ctr">
           <a:solidFill>
             <a:schemeClr val="phClr"/>
           </a:solidFill>
           <a:prstDash val="solid"/>
-          <a:miter lim="800000"/>
         </a:ln>
-        <a:ln w="19050" cap="flat" cmpd="sng" algn="ctr">
+        <a:ln w="22225" cap="rnd" cmpd="sng" algn="ctr">
           <a:solidFill>
             <a:schemeClr val="phClr"/>
           </a:solidFill>
           <a:prstDash val="solid"/>
-          <a:miter lim="800000"/>
-        </a:ln>
-        <a:ln w="25400" cap="flat" cmpd="sng" algn="ctr">
-          <a:solidFill>
-            <a:schemeClr val="phClr"/>
-          </a:solidFill>
-          <a:prstDash val="solid"/>
-          <a:miter lim="800000"/>
         </a:ln>
       </a:lnStyleLst>
       <a:effectStyleLst>
@@ -3670,83 +6434,76 @@
           <a:effectLst/>
         </a:effectStyle>
         <a:effectStyle>
-          <a:effectLst/>
+          <a:effectLst>
+            <a:reflection blurRad="12700" stA="26000" endPos="32000" dist="12700" dir="5400000" sy="-100000" rotWithShape="0"/>
+          </a:effectLst>
         </a:effectStyle>
         <a:effectStyle>
           <a:effectLst>
-            <a:outerShdw blurRad="57150" dist="19050" dir="5400000" algn="ctr" rotWithShape="0">
+            <a:outerShdw blurRad="38100" dist="25400" dir="5400000" rotWithShape="0">
               <a:srgbClr val="000000">
-                <a:alpha val="63000"/>
+                <a:alpha val="64000"/>
               </a:srgbClr>
             </a:outerShdw>
           </a:effectLst>
+          <a:scene3d>
+            <a:camera prst="orthographicFront">
+              <a:rot lat="0" lon="0" rev="0"/>
+            </a:camera>
+            <a:lightRig rig="threePt" dir="tl">
+              <a:rot lat="0" lon="0" rev="1200000"/>
+            </a:lightRig>
+          </a:scene3d>
+          <a:sp3d>
+            <a:bevelT w="25400" h="12700"/>
+          </a:sp3d>
         </a:effectStyle>
       </a:effectStyleLst>
       <a:bgFillStyleLst>
         <a:solidFill>
           <a:schemeClr val="phClr"/>
         </a:solidFill>
-        <a:solidFill>
-          <a:schemeClr val="phClr">
-            <a:tint val="95000"/>
-            <a:satMod val="170000"/>
-          </a:schemeClr>
-        </a:solidFill>
         <a:gradFill rotWithShape="1">
           <a:gsLst>
             <a:gs pos="0">
               <a:schemeClr val="phClr">
-                <a:tint val="93000"/>
-                <a:satMod val="150000"/>
-                <a:shade val="98000"/>
-                <a:lumMod val="102000"/>
-              </a:schemeClr>
-            </a:gs>
-            <a:gs pos="50000">
-              <a:schemeClr val="phClr">
-                <a:tint val="98000"/>
-                <a:satMod val="130000"/>
-                <a:shade val="90000"/>
-                <a:lumMod val="103000"/>
+                <a:tint val="90000"/>
+                <a:lumMod val="110000"/>
               </a:schemeClr>
             </a:gs>
             <a:gs pos="100000">
               <a:schemeClr val="phClr">
-                <a:shade val="63000"/>
-                <a:satMod val="120000"/>
+                <a:shade val="64000"/>
+                <a:lumMod val="98000"/>
               </a:schemeClr>
             </a:gs>
           </a:gsLst>
           <a:lin ang="5400000" scaled="0"/>
         </a:gradFill>
+        <a:blipFill rotWithShape="1">
+          <a:blip xmlns:r="http://schemas.openxmlformats.org/officeDocument/2006/relationships" r:embed="rId1">
+            <a:duotone>
+              <a:schemeClr val="phClr">
+                <a:shade val="76000"/>
+                <a:satMod val="180000"/>
+              </a:schemeClr>
+              <a:schemeClr val="phClr">
+                <a:tint val="80000"/>
+                <a:satMod val="120000"/>
+                <a:lumMod val="180000"/>
+              </a:schemeClr>
+            </a:duotone>
+          </a:blip>
+          <a:stretch/>
+        </a:blipFill>
       </a:bgFillStyleLst>
     </a:fmtScheme>
   </a:themeElements>
-  <a:objectDefaults>
-    <a:lnDef>
-      <a:spPr/>
-      <a:bodyPr/>
-      <a:lstStyle/>
-      <a:style>
-        <a:lnRef idx="2">
-          <a:schemeClr val="accent1"/>
-        </a:lnRef>
-        <a:fillRef idx="0">
-          <a:schemeClr val="accent1"/>
-        </a:fillRef>
-        <a:effectRef idx="1">
-          <a:schemeClr val="accent1"/>
-        </a:effectRef>
-        <a:fontRef idx="minor">
-          <a:schemeClr val="tx1"/>
-        </a:fontRef>
-      </a:style>
-    </a:lnDef>
-  </a:objectDefaults>
+  <a:objectDefaults/>
   <a:extraClrSchemeLst/>
   <a:extLst>
     <a:ext uri="{05A4C25C-085E-4340-85A3-A5531E510DB2}">
-      <thm15:themeFamily xmlns:thm15="http://schemas.microsoft.com/office/thememl/2012/main" name="Office Theme" id="{2E142A2C-CD16-42D6-873A-C26D2A0506FA}" vid="{1BDDFF52-6CD6-40A5-AB3C-68EB2F1E4D0A}"/>
+      <thm15:themeFamily xmlns:thm15="http://schemas.microsoft.com/office/thememl/2012/main" name="Parallax" id="{3388167B-A2EB-4685-9635-1831D9AEF8C4}" vid="{4F7A876A-7598-49CA-AFC8-8EDA2551E4A7}"/>
     </a:ext>
   </a:extLst>
 </a:theme>
